--- a/content/11-lecture-services-scalability-SOA.pptx
+++ b/content/11-lecture-services-scalability-SOA.pptx
@@ -5,7 +5,7 @@
     <p:sldMasterId id="2147484224" r:id="rId5"/>
   </p:sldMasterIdLst>
   <p:notesMasterIdLst>
-    <p:notesMasterId r:id="rId41"/>
+    <p:notesMasterId r:id="rId44"/>
   </p:notesMasterIdLst>
   <p:sldIdLst>
     <p:sldId id="256" r:id="rId6"/>
@@ -28,21 +28,24 @@
     <p:sldId id="278" r:id="rId23"/>
     <p:sldId id="279" r:id="rId24"/>
     <p:sldId id="280" r:id="rId25"/>
-    <p:sldId id="281" r:id="rId26"/>
-    <p:sldId id="282" r:id="rId27"/>
-    <p:sldId id="283" r:id="rId28"/>
-    <p:sldId id="284" r:id="rId29"/>
-    <p:sldId id="285" r:id="rId30"/>
-    <p:sldId id="286" r:id="rId31"/>
-    <p:sldId id="287" r:id="rId32"/>
-    <p:sldId id="288" r:id="rId33"/>
-    <p:sldId id="289" r:id="rId34"/>
-    <p:sldId id="290" r:id="rId35"/>
-    <p:sldId id="291" r:id="rId36"/>
-    <p:sldId id="292" r:id="rId37"/>
-    <p:sldId id="293" r:id="rId38"/>
-    <p:sldId id="294" r:id="rId39"/>
-    <p:sldId id="295" r:id="rId40"/>
+    <p:sldId id="297" r:id="rId26"/>
+    <p:sldId id="298" r:id="rId27"/>
+    <p:sldId id="296" r:id="rId28"/>
+    <p:sldId id="281" r:id="rId29"/>
+    <p:sldId id="282" r:id="rId30"/>
+    <p:sldId id="283" r:id="rId31"/>
+    <p:sldId id="284" r:id="rId32"/>
+    <p:sldId id="285" r:id="rId33"/>
+    <p:sldId id="286" r:id="rId34"/>
+    <p:sldId id="287" r:id="rId35"/>
+    <p:sldId id="288" r:id="rId36"/>
+    <p:sldId id="289" r:id="rId37"/>
+    <p:sldId id="290" r:id="rId38"/>
+    <p:sldId id="291" r:id="rId39"/>
+    <p:sldId id="292" r:id="rId40"/>
+    <p:sldId id="293" r:id="rId41"/>
+    <p:sldId id="294" r:id="rId42"/>
+    <p:sldId id="295" r:id="rId43"/>
   </p:sldIdLst>
   <p:sldSz cx="9144000" cy="6858000" type="screen4x3"/>
   <p:notesSz cx="6858000" cy="9144000"/>
@@ -7731,19 +7734,19 @@
     </dgm:pt>
   </dgm:ptLst>
   <dgm:cxnLst>
+    <dgm:cxn modelId="{8A0261C8-7139-4B8C-88C5-54ECBE74DE29}" type="presOf" srcId="{C887FFC3-293B-435F-A8D8-D49E088FCEBD}" destId="{CBFFB83D-AA45-4B15-AC20-50B80727D7E1}" srcOrd="0" destOrd="0" presId="urn:microsoft.com/office/officeart/2005/8/layout/venn3"/>
+    <dgm:cxn modelId="{F28E9979-E69F-4208-8E3B-DBA478A7DAE4}" srcId="{C52193E7-B1B0-4D83-ACBF-3E4F243A9F10}" destId="{20C9EC5B-FD33-407B-B72D-458BD5B369EC}" srcOrd="0" destOrd="0" parTransId="{A03E7390-FCD1-4DB1-B5DA-1A1D6692E90F}" sibTransId="{D802A6D0-4B39-49D9-A084-9C8E92433DE4}"/>
+    <dgm:cxn modelId="{A3635DF4-9D42-4AF7-91BD-E909BA11D9A3}" type="presOf" srcId="{62F817BD-D997-44BE-A9AF-9F3458AD2A69}" destId="{B176AA14-FAC2-4A57-ABA9-6E825CC73539}" srcOrd="0" destOrd="0" presId="urn:microsoft.com/office/officeart/2005/8/layout/venn3"/>
+    <dgm:cxn modelId="{B25923C7-4011-41D0-B8BF-D0C5F7639430}" srcId="{C52193E7-B1B0-4D83-ACBF-3E4F243A9F10}" destId="{C887FFC3-293B-435F-A8D8-D49E088FCEBD}" srcOrd="3" destOrd="0" parTransId="{7BA32A09-8B14-4BE7-89C2-EE7757C5B70A}" sibTransId="{FFEE094D-1FDF-4CA5-8E17-96CBDE2AE666}"/>
+    <dgm:cxn modelId="{E6C87613-5231-4BC2-9BD6-9721C0D775CC}" type="presOf" srcId="{D6018F32-8DEF-40F9-A9B4-253865D7EE70}" destId="{CF3D7F23-0876-40A8-A613-2810A593F71F}" srcOrd="0" destOrd="0" presId="urn:microsoft.com/office/officeart/2005/8/layout/venn3"/>
+    <dgm:cxn modelId="{5F779FFE-1570-4F15-B6D0-7065862009F6}" srcId="{C52193E7-B1B0-4D83-ACBF-3E4F243A9F10}" destId="{62F817BD-D997-44BE-A9AF-9F3458AD2A69}" srcOrd="2" destOrd="0" parTransId="{3F79AB96-434A-4D1A-A524-FF1B6135FA15}" sibTransId="{8A60ADF7-5744-48C3-8004-FF73561CE6CB}"/>
+    <dgm:cxn modelId="{A10BF889-C5EC-4600-A30D-5F3874A05DAB}" type="presOf" srcId="{20C9EC5B-FD33-407B-B72D-458BD5B369EC}" destId="{69A9F42F-FEB1-4698-AF4D-B38FD8F70BBA}" srcOrd="0" destOrd="0" presId="urn:microsoft.com/office/officeart/2005/8/layout/venn3"/>
+    <dgm:cxn modelId="{650472EC-F1C5-4FA6-B3EC-F54F929534CA}" srcId="{C52193E7-B1B0-4D83-ACBF-3E4F243A9F10}" destId="{482B88A1-27B7-4357-ADEC-C906072D638F}" srcOrd="1" destOrd="0" parTransId="{35866E5D-BB2A-4597-9013-8468366A589F}" sibTransId="{7F15C855-0079-4125-9BF7-E8E1CE7A4EA3}"/>
+    <dgm:cxn modelId="{2A0BE841-5B7C-40D5-8C09-A26FC6A5D567}" type="presOf" srcId="{482B88A1-27B7-4357-ADEC-C906072D638F}" destId="{7594410F-5A0C-4A65-A798-37E721366B1A}" srcOrd="0" destOrd="0" presId="urn:microsoft.com/office/officeart/2005/8/layout/venn3"/>
+    <dgm:cxn modelId="{4F49ACEC-DB7E-4550-B3AD-EB06E300C884}" srcId="{C52193E7-B1B0-4D83-ACBF-3E4F243A9F10}" destId="{D6018F32-8DEF-40F9-A9B4-253865D7EE70}" srcOrd="4" destOrd="0" parTransId="{92A38E36-980C-429D-BC08-FF5ED8A8A06F}" sibTransId="{30415895-89DA-4331-9D45-BFF8902909F1}"/>
+    <dgm:cxn modelId="{1CA570DE-4C08-4514-BD40-484088862743}" type="presOf" srcId="{F8F575CF-1894-46BE-AD33-2A2B6F28B694}" destId="{59D66EC7-6FFB-4EBB-A203-44296DB21A5E}" srcOrd="0" destOrd="0" presId="urn:microsoft.com/office/officeart/2005/8/layout/venn3"/>
     <dgm:cxn modelId="{4397E6B3-CE63-49B7-A306-21E2E66EFACB}" type="presOf" srcId="{C52193E7-B1B0-4D83-ACBF-3E4F243A9F10}" destId="{8764A27A-09A7-4138-A5DF-87E746A50D23}" srcOrd="0" destOrd="0" presId="urn:microsoft.com/office/officeart/2005/8/layout/venn3"/>
-    <dgm:cxn modelId="{1CA570DE-4C08-4514-BD40-484088862743}" type="presOf" srcId="{F8F575CF-1894-46BE-AD33-2A2B6F28B694}" destId="{59D66EC7-6FFB-4EBB-A203-44296DB21A5E}" srcOrd="0" destOrd="0" presId="urn:microsoft.com/office/officeart/2005/8/layout/venn3"/>
-    <dgm:cxn modelId="{B25923C7-4011-41D0-B8BF-D0C5F7639430}" srcId="{C52193E7-B1B0-4D83-ACBF-3E4F243A9F10}" destId="{C887FFC3-293B-435F-A8D8-D49E088FCEBD}" srcOrd="3" destOrd="0" parTransId="{7BA32A09-8B14-4BE7-89C2-EE7757C5B70A}" sibTransId="{FFEE094D-1FDF-4CA5-8E17-96CBDE2AE666}"/>
-    <dgm:cxn modelId="{A3635DF4-9D42-4AF7-91BD-E909BA11D9A3}" type="presOf" srcId="{62F817BD-D997-44BE-A9AF-9F3458AD2A69}" destId="{B176AA14-FAC2-4A57-ABA9-6E825CC73539}" srcOrd="0" destOrd="0" presId="urn:microsoft.com/office/officeart/2005/8/layout/venn3"/>
-    <dgm:cxn modelId="{4F49ACEC-DB7E-4550-B3AD-EB06E300C884}" srcId="{C52193E7-B1B0-4D83-ACBF-3E4F243A9F10}" destId="{D6018F32-8DEF-40F9-A9B4-253865D7EE70}" srcOrd="4" destOrd="0" parTransId="{92A38E36-980C-429D-BC08-FF5ED8A8A06F}" sibTransId="{30415895-89DA-4331-9D45-BFF8902909F1}"/>
     <dgm:cxn modelId="{63BEF097-AD33-4BA3-B33C-CB499846E504}" srcId="{C52193E7-B1B0-4D83-ACBF-3E4F243A9F10}" destId="{F8F575CF-1894-46BE-AD33-2A2B6F28B694}" srcOrd="5" destOrd="0" parTransId="{EC2ED921-9D50-45C6-89D5-99EC1A683D82}" sibTransId="{834F6F9B-255C-4B50-B02D-B1113E92368F}"/>
-    <dgm:cxn modelId="{8A0261C8-7139-4B8C-88C5-54ECBE74DE29}" type="presOf" srcId="{C887FFC3-293B-435F-A8D8-D49E088FCEBD}" destId="{CBFFB83D-AA45-4B15-AC20-50B80727D7E1}" srcOrd="0" destOrd="0" presId="urn:microsoft.com/office/officeart/2005/8/layout/venn3"/>
-    <dgm:cxn modelId="{A10BF889-C5EC-4600-A30D-5F3874A05DAB}" type="presOf" srcId="{20C9EC5B-FD33-407B-B72D-458BD5B369EC}" destId="{69A9F42F-FEB1-4698-AF4D-B38FD8F70BBA}" srcOrd="0" destOrd="0" presId="urn:microsoft.com/office/officeart/2005/8/layout/venn3"/>
-    <dgm:cxn modelId="{E6C87613-5231-4BC2-9BD6-9721C0D775CC}" type="presOf" srcId="{D6018F32-8DEF-40F9-A9B4-253865D7EE70}" destId="{CF3D7F23-0876-40A8-A613-2810A593F71F}" srcOrd="0" destOrd="0" presId="urn:microsoft.com/office/officeart/2005/8/layout/venn3"/>
-    <dgm:cxn modelId="{650472EC-F1C5-4FA6-B3EC-F54F929534CA}" srcId="{C52193E7-B1B0-4D83-ACBF-3E4F243A9F10}" destId="{482B88A1-27B7-4357-ADEC-C906072D638F}" srcOrd="1" destOrd="0" parTransId="{35866E5D-BB2A-4597-9013-8468366A589F}" sibTransId="{7F15C855-0079-4125-9BF7-E8E1CE7A4EA3}"/>
-    <dgm:cxn modelId="{F28E9979-E69F-4208-8E3B-DBA478A7DAE4}" srcId="{C52193E7-B1B0-4D83-ACBF-3E4F243A9F10}" destId="{20C9EC5B-FD33-407B-B72D-458BD5B369EC}" srcOrd="0" destOrd="0" parTransId="{A03E7390-FCD1-4DB1-B5DA-1A1D6692E90F}" sibTransId="{D802A6D0-4B39-49D9-A084-9C8E92433DE4}"/>
-    <dgm:cxn modelId="{5F779FFE-1570-4F15-B6D0-7065862009F6}" srcId="{C52193E7-B1B0-4D83-ACBF-3E4F243A9F10}" destId="{62F817BD-D997-44BE-A9AF-9F3458AD2A69}" srcOrd="2" destOrd="0" parTransId="{3F79AB96-434A-4D1A-A524-FF1B6135FA15}" sibTransId="{8A60ADF7-5744-48C3-8004-FF73561CE6CB}"/>
-    <dgm:cxn modelId="{2A0BE841-5B7C-40D5-8C09-A26FC6A5D567}" type="presOf" srcId="{482B88A1-27B7-4357-ADEC-C906072D638F}" destId="{7594410F-5A0C-4A65-A798-37E721366B1A}" srcOrd="0" destOrd="0" presId="urn:microsoft.com/office/officeart/2005/8/layout/venn3"/>
     <dgm:cxn modelId="{B597D484-9AC5-4A36-B62B-7C7F5F37C44C}" type="presParOf" srcId="{8764A27A-09A7-4138-A5DF-87E746A50D23}" destId="{69A9F42F-FEB1-4698-AF4D-B38FD8F70BBA}" srcOrd="0" destOrd="0" presId="urn:microsoft.com/office/officeart/2005/8/layout/venn3"/>
     <dgm:cxn modelId="{8E2800D1-7E85-49D5-AE5E-B992D12F853D}" type="presParOf" srcId="{8764A27A-09A7-4138-A5DF-87E746A50D23}" destId="{7D3BE575-29AC-4541-80E6-4E5EDBE912EF}" srcOrd="1" destOrd="0" presId="urn:microsoft.com/office/officeart/2005/8/layout/venn3"/>
     <dgm:cxn modelId="{F3B54BCA-A0BD-4E2B-8D85-F1924BAEA622}" type="presParOf" srcId="{8764A27A-09A7-4138-A5DF-87E746A50D23}" destId="{7594410F-5A0C-4A65-A798-37E721366B1A}" srcOrd="2" destOrd="0" presId="urn:microsoft.com/office/officeart/2005/8/layout/venn3"/>
@@ -7774,6 +7777,232 @@
       <dsp:cNvGrpSpPr/>
     </dsp:nvGrpSpPr>
     <dsp:grpSpPr/>
+    <dsp:sp modelId="{70DAE75A-6989-462C-9125-78A166D9FA86}">
+      <dsp:nvSpPr>
+        <dsp:cNvPr id="0" name=""/>
+        <dsp:cNvSpPr/>
+      </dsp:nvSpPr>
+      <dsp:spPr>
+        <a:xfrm>
+          <a:off x="2633662" y="61714"/>
+          <a:ext cx="2962275" cy="2962275"/>
+        </a:xfrm>
+        <a:prstGeom prst="ellipse">
+          <a:avLst/>
+        </a:prstGeom>
+        <a:solidFill>
+          <a:schemeClr val="accent1">
+            <a:alpha val="50000"/>
+            <a:hueOff val="0"/>
+            <a:satOff val="0"/>
+            <a:lumOff val="0"/>
+            <a:alphaOff val="0"/>
+          </a:schemeClr>
+        </a:solidFill>
+        <a:ln w="26425" cap="flat" cmpd="sng" algn="ctr">
+          <a:solidFill>
+            <a:schemeClr val="lt1">
+              <a:hueOff val="0"/>
+              <a:satOff val="0"/>
+              <a:lumOff val="0"/>
+              <a:alphaOff val="0"/>
+            </a:schemeClr>
+          </a:solidFill>
+          <a:prstDash val="solid"/>
+        </a:ln>
+        <a:effectLst/>
+      </dsp:spPr>
+      <dsp:style>
+        <a:lnRef idx="2">
+          <a:scrgbClr r="0" g="0" b="0"/>
+        </a:lnRef>
+        <a:fillRef idx="1">
+          <a:scrgbClr r="0" g="0" b="0"/>
+        </a:fillRef>
+        <a:effectRef idx="0">
+          <a:scrgbClr r="0" g="0" b="0"/>
+        </a:effectRef>
+        <a:fontRef idx="minor">
+          <a:schemeClr val="tx1"/>
+        </a:fontRef>
+      </dsp:style>
+      <dsp:txBody>
+        <a:bodyPr spcFirstLastPara="0" vert="horz" wrap="square" lIns="0" tIns="0" rIns="0" bIns="0" numCol="1" spcCol="1270" anchor="ctr" anchorCtr="0">
+          <a:noAutofit/>
+        </a:bodyPr>
+        <a:lstStyle/>
+        <a:p>
+          <a:pPr lvl="0" algn="ctr" defTabSz="1066800">
+            <a:lnSpc>
+              <a:spcPct val="90000"/>
+            </a:lnSpc>
+            <a:spcBef>
+              <a:spcPct val="0"/>
+            </a:spcBef>
+            <a:spcAft>
+              <a:spcPct val="35000"/>
+            </a:spcAft>
+          </a:pPr>
+          <a:r>
+            <a:rPr lang="en-US" sz="2400" kern="1200" dirty="0" smtClean="0"/>
+            <a:t>Protocols</a:t>
+          </a:r>
+          <a:endParaRPr lang="en-US" sz="2400" kern="1200" dirty="0"/>
+        </a:p>
+      </dsp:txBody>
+      <dsp:txXfrm>
+        <a:off x="3028632" y="580112"/>
+        <a:ext cx="2172335" cy="1333023"/>
+      </dsp:txXfrm>
+    </dsp:sp>
+    <dsp:sp modelId="{A4AE2A36-361C-46AC-AC4F-1999001E76AD}">
+      <dsp:nvSpPr>
+        <dsp:cNvPr id="0" name=""/>
+        <dsp:cNvSpPr/>
+      </dsp:nvSpPr>
+      <dsp:spPr>
+        <a:xfrm>
+          <a:off x="3702550" y="1913135"/>
+          <a:ext cx="2962275" cy="2962275"/>
+        </a:xfrm>
+        <a:prstGeom prst="ellipse">
+          <a:avLst/>
+        </a:prstGeom>
+        <a:solidFill>
+          <a:schemeClr val="accent5">
+            <a:alpha val="50000"/>
+          </a:schemeClr>
+        </a:solidFill>
+        <a:ln w="26425" cap="flat" cmpd="sng" algn="ctr">
+          <a:solidFill>
+            <a:schemeClr val="lt1">
+              <a:hueOff val="0"/>
+              <a:satOff val="0"/>
+              <a:lumOff val="0"/>
+              <a:alphaOff val="0"/>
+            </a:schemeClr>
+          </a:solidFill>
+          <a:prstDash val="solid"/>
+        </a:ln>
+        <a:effectLst/>
+      </dsp:spPr>
+      <dsp:style>
+        <a:lnRef idx="2">
+          <a:scrgbClr r="0" g="0" b="0"/>
+        </a:lnRef>
+        <a:fillRef idx="1">
+          <a:scrgbClr r="0" g="0" b="0"/>
+        </a:fillRef>
+        <a:effectRef idx="0">
+          <a:scrgbClr r="0" g="0" b="0"/>
+        </a:effectRef>
+        <a:fontRef idx="minor">
+          <a:schemeClr val="tx1"/>
+        </a:fontRef>
+      </dsp:style>
+      <dsp:txBody>
+        <a:bodyPr spcFirstLastPara="0" vert="horz" wrap="square" lIns="0" tIns="0" rIns="0" bIns="0" numCol="1" spcCol="1270" anchor="ctr" anchorCtr="0">
+          <a:noAutofit/>
+        </a:bodyPr>
+        <a:lstStyle/>
+        <a:p>
+          <a:pPr lvl="0" algn="ctr" defTabSz="1066800">
+            <a:lnSpc>
+              <a:spcPct val="90000"/>
+            </a:lnSpc>
+            <a:spcBef>
+              <a:spcPct val="0"/>
+            </a:spcBef>
+            <a:spcAft>
+              <a:spcPct val="35000"/>
+            </a:spcAft>
+          </a:pPr>
+          <a:r>
+            <a:rPr lang="en-US" sz="2400" kern="1200" dirty="0" smtClean="0"/>
+            <a:t>Components</a:t>
+          </a:r>
+          <a:endParaRPr lang="en-US" sz="2400" kern="1200" dirty="0"/>
+        </a:p>
+      </dsp:txBody>
+      <dsp:txXfrm>
+        <a:off x="4608512" y="2678390"/>
+        <a:ext cx="1777365" cy="1629251"/>
+      </dsp:txXfrm>
+    </dsp:sp>
+    <dsp:sp modelId="{5B1BB002-2D6C-43E7-85B4-30EBC572CADE}">
+      <dsp:nvSpPr>
+        <dsp:cNvPr id="0" name=""/>
+        <dsp:cNvSpPr/>
+      </dsp:nvSpPr>
+      <dsp:spPr>
+        <a:xfrm>
+          <a:off x="1564774" y="1913135"/>
+          <a:ext cx="2962275" cy="2962275"/>
+        </a:xfrm>
+        <a:prstGeom prst="ellipse">
+          <a:avLst/>
+        </a:prstGeom>
+        <a:solidFill>
+          <a:schemeClr val="accent3">
+            <a:alpha val="50000"/>
+          </a:schemeClr>
+        </a:solidFill>
+        <a:ln w="26425" cap="flat" cmpd="sng" algn="ctr">
+          <a:solidFill>
+            <a:schemeClr val="lt1">
+              <a:hueOff val="0"/>
+              <a:satOff val="0"/>
+              <a:lumOff val="0"/>
+              <a:alphaOff val="0"/>
+            </a:schemeClr>
+          </a:solidFill>
+          <a:prstDash val="solid"/>
+        </a:ln>
+        <a:effectLst/>
+      </dsp:spPr>
+      <dsp:style>
+        <a:lnRef idx="2">
+          <a:scrgbClr r="0" g="0" b="0"/>
+        </a:lnRef>
+        <a:fillRef idx="1">
+          <a:scrgbClr r="0" g="0" b="0"/>
+        </a:fillRef>
+        <a:effectRef idx="0">
+          <a:scrgbClr r="0" g="0" b="0"/>
+        </a:effectRef>
+        <a:fontRef idx="minor">
+          <a:schemeClr val="tx1"/>
+        </a:fontRef>
+      </dsp:style>
+      <dsp:txBody>
+        <a:bodyPr spcFirstLastPara="0" vert="horz" wrap="square" lIns="0" tIns="0" rIns="0" bIns="0" numCol="1" spcCol="1270" anchor="ctr" anchorCtr="0">
+          <a:noAutofit/>
+        </a:bodyPr>
+        <a:lstStyle/>
+        <a:p>
+          <a:pPr lvl="0" algn="ctr" defTabSz="1066800">
+            <a:lnSpc>
+              <a:spcPct val="90000"/>
+            </a:lnSpc>
+            <a:spcBef>
+              <a:spcPct val="0"/>
+            </a:spcBef>
+            <a:spcAft>
+              <a:spcPct val="35000"/>
+            </a:spcAft>
+          </a:pPr>
+          <a:r>
+            <a:rPr lang="en-US" sz="2400" kern="1200" dirty="0" smtClean="0"/>
+            <a:t>APIs</a:t>
+          </a:r>
+          <a:endParaRPr lang="en-US" sz="2400" kern="1200" dirty="0"/>
+        </a:p>
+      </dsp:txBody>
+      <dsp:txXfrm>
+        <a:off x="1843722" y="2678390"/>
+        <a:ext cx="1777365" cy="1629251"/>
+      </dsp:txXfrm>
+    </dsp:sp>
   </dsp:spTree>
 </dsp:drawing>
 </file>
@@ -7786,6 +8015,315 @@
       <dsp:cNvGrpSpPr/>
     </dsp:nvGrpSpPr>
     <dsp:grpSpPr/>
+    <dsp:sp modelId="{70DAE75A-6989-462C-9125-78A166D9FA86}">
+      <dsp:nvSpPr>
+        <dsp:cNvPr id="0" name=""/>
+        <dsp:cNvSpPr/>
+      </dsp:nvSpPr>
+      <dsp:spPr>
+        <a:xfrm>
+          <a:off x="2633662" y="61714"/>
+          <a:ext cx="2962275" cy="2962275"/>
+        </a:xfrm>
+        <a:prstGeom prst="ellipse">
+          <a:avLst/>
+        </a:prstGeom>
+        <a:solidFill>
+          <a:schemeClr val="accent1">
+            <a:alpha val="50000"/>
+            <a:hueOff val="0"/>
+            <a:satOff val="0"/>
+            <a:lumOff val="0"/>
+            <a:alphaOff val="0"/>
+          </a:schemeClr>
+        </a:solidFill>
+        <a:ln w="26425" cap="flat" cmpd="sng" algn="ctr">
+          <a:solidFill>
+            <a:schemeClr val="lt1">
+              <a:hueOff val="0"/>
+              <a:satOff val="0"/>
+              <a:lumOff val="0"/>
+              <a:alphaOff val="0"/>
+            </a:schemeClr>
+          </a:solidFill>
+          <a:prstDash val="solid"/>
+        </a:ln>
+        <a:effectLst/>
+      </dsp:spPr>
+      <dsp:style>
+        <a:lnRef idx="2">
+          <a:scrgbClr r="0" g="0" b="0"/>
+        </a:lnRef>
+        <a:fillRef idx="1">
+          <a:scrgbClr r="0" g="0" b="0"/>
+        </a:fillRef>
+        <a:effectRef idx="0">
+          <a:scrgbClr r="0" g="0" b="0"/>
+        </a:effectRef>
+        <a:fontRef idx="minor">
+          <a:schemeClr val="tx1"/>
+        </a:fontRef>
+      </dsp:style>
+      <dsp:txBody>
+        <a:bodyPr spcFirstLastPara="0" vert="horz" wrap="square" lIns="0" tIns="0" rIns="0" bIns="0" numCol="1" spcCol="1270" anchor="ctr" anchorCtr="0">
+          <a:noAutofit/>
+        </a:bodyPr>
+        <a:lstStyle/>
+        <a:p>
+          <a:pPr lvl="0" algn="ctr" defTabSz="755650">
+            <a:lnSpc>
+              <a:spcPct val="90000"/>
+            </a:lnSpc>
+            <a:spcBef>
+              <a:spcPct val="0"/>
+            </a:spcBef>
+            <a:spcAft>
+              <a:spcPct val="35000"/>
+            </a:spcAft>
+          </a:pPr>
+          <a:r>
+            <a:rPr lang="en-US" sz="1700" b="1" kern="1200" dirty="0" smtClean="0"/>
+            <a:t>Protocols</a:t>
+          </a:r>
+          <a:br>
+            <a:rPr lang="en-US" sz="1700" b="1" kern="1200" dirty="0" smtClean="0"/>
+          </a:br>
+          <a:r>
+            <a:rPr lang="en-US" sz="1700" kern="1200" dirty="0" smtClean="0"/>
+            <a:t>HTTP,  </a:t>
+          </a:r>
+          <a:r>
+            <a:rPr lang="en-US" sz="1700" kern="1200" dirty="0" err="1" smtClean="0"/>
+            <a:t>WebDAV</a:t>
+          </a:r>
+          <a:r>
+            <a:rPr lang="en-US" sz="1700" kern="1200" dirty="0" smtClean="0"/>
+            <a:t>,</a:t>
+          </a:r>
+          <a:br>
+            <a:rPr lang="en-US" sz="1700" kern="1200" dirty="0" smtClean="0"/>
+          </a:br>
+          <a:r>
+            <a:rPr lang="en-US" sz="1700" kern="1200" dirty="0" smtClean="0"/>
+            <a:t>SMTP</a:t>
+          </a:r>
+          <a:endParaRPr lang="en-US" sz="1700" kern="1200" dirty="0"/>
+        </a:p>
+      </dsp:txBody>
+      <dsp:txXfrm>
+        <a:off x="3028632" y="580112"/>
+        <a:ext cx="2172335" cy="1333023"/>
+      </dsp:txXfrm>
+    </dsp:sp>
+    <dsp:sp modelId="{A4AE2A36-361C-46AC-AC4F-1999001E76AD}">
+      <dsp:nvSpPr>
+        <dsp:cNvPr id="0" name=""/>
+        <dsp:cNvSpPr/>
+      </dsp:nvSpPr>
+      <dsp:spPr>
+        <a:xfrm>
+          <a:off x="3702550" y="1913135"/>
+          <a:ext cx="2962275" cy="2962275"/>
+        </a:xfrm>
+        <a:prstGeom prst="ellipse">
+          <a:avLst/>
+        </a:prstGeom>
+        <a:solidFill>
+          <a:schemeClr val="accent5">
+            <a:alpha val="50000"/>
+          </a:schemeClr>
+        </a:solidFill>
+        <a:ln w="26425" cap="flat" cmpd="sng" algn="ctr">
+          <a:solidFill>
+            <a:schemeClr val="lt1">
+              <a:hueOff val="0"/>
+              <a:satOff val="0"/>
+              <a:lumOff val="0"/>
+              <a:alphaOff val="0"/>
+            </a:schemeClr>
+          </a:solidFill>
+          <a:prstDash val="solid"/>
+        </a:ln>
+        <a:effectLst/>
+      </dsp:spPr>
+      <dsp:style>
+        <a:lnRef idx="2">
+          <a:scrgbClr r="0" g="0" b="0"/>
+        </a:lnRef>
+        <a:fillRef idx="1">
+          <a:scrgbClr r="0" g="0" b="0"/>
+        </a:fillRef>
+        <a:effectRef idx="0">
+          <a:scrgbClr r="0" g="0" b="0"/>
+        </a:effectRef>
+        <a:fontRef idx="minor">
+          <a:schemeClr val="tx1"/>
+        </a:fontRef>
+      </dsp:style>
+      <dsp:txBody>
+        <a:bodyPr spcFirstLastPara="0" vert="horz" wrap="square" lIns="0" tIns="0" rIns="0" bIns="0" numCol="1" spcCol="1270" anchor="ctr" anchorCtr="0">
+          <a:noAutofit/>
+        </a:bodyPr>
+        <a:lstStyle/>
+        <a:p>
+          <a:pPr lvl="0" algn="ctr" defTabSz="755650">
+            <a:lnSpc>
+              <a:spcPct val="90000"/>
+            </a:lnSpc>
+            <a:spcBef>
+              <a:spcPct val="0"/>
+            </a:spcBef>
+            <a:spcAft>
+              <a:spcPct val="35000"/>
+            </a:spcAft>
+          </a:pPr>
+          <a:r>
+            <a:rPr lang="en-US" sz="1700" b="1" kern="1200" dirty="0" smtClean="0"/>
+            <a:t>Components</a:t>
+          </a:r>
+          <a:br>
+            <a:rPr lang="en-US" sz="1700" b="1" kern="1200" dirty="0" smtClean="0"/>
+          </a:br>
+          <a:r>
+            <a:rPr lang="en-US" sz="1700" b="0" kern="1200" dirty="0" smtClean="0"/>
+            <a:t>Web Browsers</a:t>
+          </a:r>
+          <a:r>
+            <a:rPr lang="en-US" sz="1700" kern="1200" dirty="0" smtClean="0"/>
+            <a:t> </a:t>
+          </a:r>
+          <a:br>
+            <a:rPr lang="en-US" sz="1700" kern="1200" dirty="0" smtClean="0"/>
+          </a:br>
+          <a:r>
+            <a:rPr lang="en-US" sz="1700" kern="1200" dirty="0" smtClean="0"/>
+            <a:t>Apache Web Server</a:t>
+          </a:r>
+          <a:br>
+            <a:rPr lang="en-US" sz="1700" kern="1200" dirty="0" smtClean="0"/>
+          </a:br>
+          <a:r>
+            <a:rPr lang="en-US" sz="1700" kern="1200" dirty="0" smtClean="0"/>
+            <a:t>PHP Scripting</a:t>
+          </a:r>
+          <a:br>
+            <a:rPr lang="en-US" sz="1700" kern="1200" dirty="0" smtClean="0"/>
+          </a:br>
+          <a:r>
+            <a:rPr lang="en-US" sz="1700" kern="1200" dirty="0" err="1" smtClean="0"/>
+            <a:t>MySQL</a:t>
+          </a:r>
+          <a:r>
+            <a:rPr lang="en-US" sz="1700" kern="1200" dirty="0" smtClean="0"/>
+            <a:t> Database</a:t>
+          </a:r>
+          <a:endParaRPr lang="en-US" sz="1700" kern="1200" dirty="0"/>
+        </a:p>
+      </dsp:txBody>
+      <dsp:txXfrm>
+        <a:off x="4608512" y="2678390"/>
+        <a:ext cx="1777365" cy="1629251"/>
+      </dsp:txXfrm>
+    </dsp:sp>
+    <dsp:sp modelId="{5B1BB002-2D6C-43E7-85B4-30EBC572CADE}">
+      <dsp:nvSpPr>
+        <dsp:cNvPr id="0" name=""/>
+        <dsp:cNvSpPr/>
+      </dsp:nvSpPr>
+      <dsp:spPr>
+        <a:xfrm>
+          <a:off x="1564774" y="1913135"/>
+          <a:ext cx="2962275" cy="2962275"/>
+        </a:xfrm>
+        <a:prstGeom prst="ellipse">
+          <a:avLst/>
+        </a:prstGeom>
+        <a:solidFill>
+          <a:schemeClr val="accent3">
+            <a:alpha val="50000"/>
+          </a:schemeClr>
+        </a:solidFill>
+        <a:ln w="26425" cap="flat" cmpd="sng" algn="ctr">
+          <a:solidFill>
+            <a:schemeClr val="lt1">
+              <a:hueOff val="0"/>
+              <a:satOff val="0"/>
+              <a:lumOff val="0"/>
+              <a:alphaOff val="0"/>
+            </a:schemeClr>
+          </a:solidFill>
+          <a:prstDash val="solid"/>
+        </a:ln>
+        <a:effectLst/>
+      </dsp:spPr>
+      <dsp:style>
+        <a:lnRef idx="2">
+          <a:scrgbClr r="0" g="0" b="0"/>
+        </a:lnRef>
+        <a:fillRef idx="1">
+          <a:scrgbClr r="0" g="0" b="0"/>
+        </a:fillRef>
+        <a:effectRef idx="0">
+          <a:scrgbClr r="0" g="0" b="0"/>
+        </a:effectRef>
+        <a:fontRef idx="minor">
+          <a:schemeClr val="tx1"/>
+        </a:fontRef>
+      </dsp:style>
+      <dsp:txBody>
+        <a:bodyPr spcFirstLastPara="0" vert="horz" wrap="square" lIns="0" tIns="0" rIns="0" bIns="0" numCol="1" spcCol="1270" anchor="ctr" anchorCtr="0">
+          <a:noAutofit/>
+        </a:bodyPr>
+        <a:lstStyle/>
+        <a:p>
+          <a:pPr lvl="0" algn="ctr" defTabSz="755650">
+            <a:lnSpc>
+              <a:spcPct val="90000"/>
+            </a:lnSpc>
+            <a:spcBef>
+              <a:spcPct val="0"/>
+            </a:spcBef>
+            <a:spcAft>
+              <a:spcPct val="35000"/>
+            </a:spcAft>
+          </a:pPr>
+          <a:r>
+            <a:rPr lang="en-US" sz="1700" b="1" kern="1200" dirty="0" smtClean="0"/>
+            <a:t>APIs</a:t>
+          </a:r>
+          <a:r>
+            <a:rPr lang="en-US" sz="1700" b="0" kern="1200" dirty="0" smtClean="0"/>
+            <a:t/>
+          </a:r>
+          <a:br>
+            <a:rPr lang="en-US" sz="1700" b="0" kern="1200" dirty="0" smtClean="0"/>
+          </a:br>
+          <a:r>
+            <a:rPr lang="en-US" sz="1700" b="0" kern="1200" dirty="0" smtClean="0"/>
+            <a:t>XML-RPC</a:t>
+          </a:r>
+          <a:br>
+            <a:rPr lang="en-US" sz="1700" b="0" kern="1200" dirty="0" smtClean="0"/>
+          </a:br>
+          <a:r>
+            <a:rPr lang="en-US" sz="1700" b="0" kern="1200" dirty="0" smtClean="0"/>
+            <a:t>Atom</a:t>
+          </a:r>
+          <a:br>
+            <a:rPr lang="en-US" sz="1700" b="0" kern="1200" dirty="0" smtClean="0"/>
+          </a:br>
+          <a:r>
+            <a:rPr lang="en-US" sz="1700" b="0" kern="1200" dirty="0" smtClean="0"/>
+            <a:t>RSS</a:t>
+          </a:r>
+          <a:endParaRPr lang="en-US" sz="1700" b="1" kern="1200" dirty="0"/>
+        </a:p>
+      </dsp:txBody>
+      <dsp:txXfrm>
+        <a:off x="1843722" y="2678390"/>
+        <a:ext cx="1777365" cy="1629251"/>
+      </dsp:txXfrm>
+    </dsp:sp>
   </dsp:spTree>
 </dsp:drawing>
 </file>
@@ -7798,6 +8336,239 @@
       <dsp:cNvGrpSpPr/>
     </dsp:nvGrpSpPr>
     <dsp:grpSpPr/>
+    <dsp:sp modelId="{53D5CB5D-3356-4A44-BF32-61B66773DF58}">
+      <dsp:nvSpPr>
+        <dsp:cNvPr id="0" name=""/>
+        <dsp:cNvSpPr/>
+      </dsp:nvSpPr>
+      <dsp:spPr>
+        <a:xfrm>
+          <a:off x="2768600" y="0"/>
+          <a:ext cx="2768600" cy="1645708"/>
+        </a:xfrm>
+        <a:prstGeom prst="trapezoid">
+          <a:avLst>
+            <a:gd name="adj" fmla="val 84116"/>
+          </a:avLst>
+        </a:prstGeom>
+        <a:solidFill>
+          <a:schemeClr val="accent1">
+            <a:lumMod val="20000"/>
+            <a:lumOff val="80000"/>
+          </a:schemeClr>
+        </a:solidFill>
+        <a:ln w="26425" cap="flat" cmpd="sng" algn="ctr">
+          <a:solidFill>
+            <a:schemeClr val="lt1">
+              <a:hueOff val="0"/>
+              <a:satOff val="0"/>
+              <a:lumOff val="0"/>
+              <a:alphaOff val="0"/>
+            </a:schemeClr>
+          </a:solidFill>
+          <a:prstDash val="solid"/>
+        </a:ln>
+        <a:effectLst/>
+      </dsp:spPr>
+      <dsp:style>
+        <a:lnRef idx="2">
+          <a:scrgbClr r="0" g="0" b="0"/>
+        </a:lnRef>
+        <a:fillRef idx="1">
+          <a:scrgbClr r="0" g="0" b="0"/>
+        </a:fillRef>
+        <a:effectRef idx="0">
+          <a:scrgbClr r="0" g="0" b="0"/>
+        </a:effectRef>
+        <a:fontRef idx="minor">
+          <a:schemeClr val="lt1"/>
+        </a:fontRef>
+      </dsp:style>
+      <dsp:txBody>
+        <a:bodyPr spcFirstLastPara="0" vert="horz" wrap="square" lIns="53340" tIns="53340" rIns="53340" bIns="53340" numCol="1" spcCol="1270" anchor="ctr" anchorCtr="0">
+          <a:noAutofit/>
+        </a:bodyPr>
+        <a:lstStyle/>
+        <a:p>
+          <a:pPr lvl="0" algn="ctr" defTabSz="1866900">
+            <a:lnSpc>
+              <a:spcPct val="90000"/>
+            </a:lnSpc>
+            <a:spcBef>
+              <a:spcPct val="0"/>
+            </a:spcBef>
+            <a:spcAft>
+              <a:spcPct val="35000"/>
+            </a:spcAft>
+          </a:pPr>
+          <a:r>
+            <a:rPr lang="en-US" sz="4200" kern="1200" dirty="0" smtClean="0"/>
+            <a:t>Application</a:t>
+          </a:r>
+          <a:endParaRPr lang="en-US" sz="4200" kern="1200" dirty="0"/>
+        </a:p>
+      </dsp:txBody>
+      <dsp:txXfrm>
+        <a:off x="2768600" y="0"/>
+        <a:ext cx="2768600" cy="1645708"/>
+      </dsp:txXfrm>
+    </dsp:sp>
+    <dsp:sp modelId="{B3467A7F-FB25-44DC-9154-79FFC4EE6B30}">
+      <dsp:nvSpPr>
+        <dsp:cNvPr id="0" name=""/>
+        <dsp:cNvSpPr/>
+      </dsp:nvSpPr>
+      <dsp:spPr>
+        <a:xfrm>
+          <a:off x="1384300" y="1645708"/>
+          <a:ext cx="5537200" cy="1645708"/>
+        </a:xfrm>
+        <a:prstGeom prst="trapezoid">
+          <a:avLst>
+            <a:gd name="adj" fmla="val 84116"/>
+          </a:avLst>
+        </a:prstGeom>
+        <a:solidFill>
+          <a:schemeClr val="accent1">
+            <a:lumMod val="60000"/>
+            <a:lumOff val="40000"/>
+          </a:schemeClr>
+        </a:solidFill>
+        <a:ln w="26425" cap="flat" cmpd="sng" algn="ctr">
+          <a:solidFill>
+            <a:schemeClr val="lt1">
+              <a:hueOff val="0"/>
+              <a:satOff val="0"/>
+              <a:lumOff val="0"/>
+              <a:alphaOff val="0"/>
+            </a:schemeClr>
+          </a:solidFill>
+          <a:prstDash val="solid"/>
+        </a:ln>
+        <a:effectLst/>
+      </dsp:spPr>
+      <dsp:style>
+        <a:lnRef idx="2">
+          <a:scrgbClr r="0" g="0" b="0"/>
+        </a:lnRef>
+        <a:fillRef idx="1">
+          <a:scrgbClr r="0" g="0" b="0"/>
+        </a:fillRef>
+        <a:effectRef idx="0">
+          <a:scrgbClr r="0" g="0" b="0"/>
+        </a:effectRef>
+        <a:fontRef idx="minor">
+          <a:schemeClr val="lt1"/>
+        </a:fontRef>
+      </dsp:style>
+      <dsp:txBody>
+        <a:bodyPr spcFirstLastPara="0" vert="horz" wrap="square" lIns="53340" tIns="53340" rIns="53340" bIns="53340" numCol="1" spcCol="1270" anchor="ctr" anchorCtr="0">
+          <a:noAutofit/>
+        </a:bodyPr>
+        <a:lstStyle/>
+        <a:p>
+          <a:pPr lvl="0" algn="ctr" defTabSz="1866900">
+            <a:lnSpc>
+              <a:spcPct val="90000"/>
+            </a:lnSpc>
+            <a:spcBef>
+              <a:spcPct val="0"/>
+            </a:spcBef>
+            <a:spcAft>
+              <a:spcPct val="35000"/>
+            </a:spcAft>
+          </a:pPr>
+          <a:r>
+            <a:rPr lang="en-US" sz="4200" kern="1200" dirty="0" smtClean="0"/>
+            <a:t>Network</a:t>
+          </a:r>
+          <a:endParaRPr lang="en-US" sz="4200" kern="1200" dirty="0"/>
+        </a:p>
+      </dsp:txBody>
+      <dsp:txXfrm>
+        <a:off x="2353309" y="1645708"/>
+        <a:ext cx="3599180" cy="1645708"/>
+      </dsp:txXfrm>
+    </dsp:sp>
+    <dsp:sp modelId="{E893878F-A869-478D-B8E0-A002D1DC4A1A}">
+      <dsp:nvSpPr>
+        <dsp:cNvPr id="0" name=""/>
+        <dsp:cNvSpPr/>
+      </dsp:nvSpPr>
+      <dsp:spPr>
+        <a:xfrm>
+          <a:off x="0" y="3291416"/>
+          <a:ext cx="8305799" cy="1645708"/>
+        </a:xfrm>
+        <a:prstGeom prst="trapezoid">
+          <a:avLst>
+            <a:gd name="adj" fmla="val 84116"/>
+          </a:avLst>
+        </a:prstGeom>
+        <a:solidFill>
+          <a:schemeClr val="accent1">
+            <a:hueOff val="0"/>
+            <a:satOff val="0"/>
+            <a:lumOff val="0"/>
+            <a:alphaOff val="0"/>
+          </a:schemeClr>
+        </a:solidFill>
+        <a:ln w="26425" cap="flat" cmpd="sng" algn="ctr">
+          <a:solidFill>
+            <a:schemeClr val="lt1">
+              <a:hueOff val="0"/>
+              <a:satOff val="0"/>
+              <a:lumOff val="0"/>
+              <a:alphaOff val="0"/>
+            </a:schemeClr>
+          </a:solidFill>
+          <a:prstDash val="solid"/>
+        </a:ln>
+        <a:effectLst/>
+      </dsp:spPr>
+      <dsp:style>
+        <a:lnRef idx="2">
+          <a:scrgbClr r="0" g="0" b="0"/>
+        </a:lnRef>
+        <a:fillRef idx="1">
+          <a:scrgbClr r="0" g="0" b="0"/>
+        </a:fillRef>
+        <a:effectRef idx="0">
+          <a:scrgbClr r="0" g="0" b="0"/>
+        </a:effectRef>
+        <a:fontRef idx="minor">
+          <a:schemeClr val="lt1"/>
+        </a:fontRef>
+      </dsp:style>
+      <dsp:txBody>
+        <a:bodyPr spcFirstLastPara="0" vert="horz" wrap="square" lIns="53340" tIns="53340" rIns="53340" bIns="53340" numCol="1" spcCol="1270" anchor="ctr" anchorCtr="0">
+          <a:noAutofit/>
+        </a:bodyPr>
+        <a:lstStyle/>
+        <a:p>
+          <a:pPr lvl="0" algn="ctr" defTabSz="1866900">
+            <a:lnSpc>
+              <a:spcPct val="90000"/>
+            </a:lnSpc>
+            <a:spcBef>
+              <a:spcPct val="0"/>
+            </a:spcBef>
+            <a:spcAft>
+              <a:spcPct val="35000"/>
+            </a:spcAft>
+          </a:pPr>
+          <a:r>
+            <a:rPr lang="en-US" sz="4200" kern="1200" dirty="0" smtClean="0"/>
+            <a:t>Core/Infrastructure</a:t>
+          </a:r>
+          <a:endParaRPr lang="en-US" sz="4200" kern="1200" dirty="0"/>
+        </a:p>
+      </dsp:txBody>
+      <dsp:txXfrm>
+        <a:off x="1453515" y="3291416"/>
+        <a:ext cx="5398770" cy="1645708"/>
+      </dsp:txXfrm>
+    </dsp:sp>
   </dsp:spTree>
 </dsp:drawing>
 </file>
@@ -8625,6 +9396,390 @@
       <dsp:cNvGrpSpPr/>
     </dsp:nvGrpSpPr>
     <dsp:grpSpPr/>
+    <dsp:sp modelId="{384A7A3C-D927-406D-B4C0-763B3DC90AD4}">
+      <dsp:nvSpPr>
+        <dsp:cNvPr id="0" name=""/>
+        <dsp:cNvSpPr/>
+      </dsp:nvSpPr>
+      <dsp:spPr>
+        <a:xfrm>
+          <a:off x="1411427" y="264159"/>
+          <a:ext cx="3413760" cy="3413760"/>
+        </a:xfrm>
+        <a:prstGeom prst="pie">
+          <a:avLst>
+            <a:gd name="adj1" fmla="val 16200000"/>
+            <a:gd name="adj2" fmla="val 1800000"/>
+          </a:avLst>
+        </a:prstGeom>
+        <a:solidFill>
+          <a:schemeClr val="accent1">
+            <a:hueOff val="0"/>
+            <a:satOff val="0"/>
+            <a:lumOff val="0"/>
+            <a:alphaOff val="0"/>
+          </a:schemeClr>
+        </a:solidFill>
+        <a:ln w="26425" cap="flat" cmpd="sng" algn="ctr">
+          <a:solidFill>
+            <a:schemeClr val="lt1">
+              <a:hueOff val="0"/>
+              <a:satOff val="0"/>
+              <a:lumOff val="0"/>
+              <a:alphaOff val="0"/>
+            </a:schemeClr>
+          </a:solidFill>
+          <a:prstDash val="solid"/>
+        </a:ln>
+        <a:effectLst/>
+      </dsp:spPr>
+      <dsp:style>
+        <a:lnRef idx="2">
+          <a:scrgbClr r="0" g="0" b="0"/>
+        </a:lnRef>
+        <a:fillRef idx="1">
+          <a:scrgbClr r="0" g="0" b="0"/>
+        </a:fillRef>
+        <a:effectRef idx="0">
+          <a:scrgbClr r="0" g="0" b="0"/>
+        </a:effectRef>
+        <a:fontRef idx="minor">
+          <a:schemeClr val="lt1"/>
+        </a:fontRef>
+      </dsp:style>
+      <dsp:txBody>
+        <a:bodyPr spcFirstLastPara="0" vert="horz" wrap="square" lIns="52070" tIns="52070" rIns="52070" bIns="52070" numCol="1" spcCol="1270" anchor="ctr" anchorCtr="0">
+          <a:noAutofit/>
+        </a:bodyPr>
+        <a:lstStyle/>
+        <a:p>
+          <a:pPr lvl="0" algn="ctr" defTabSz="1822450">
+            <a:lnSpc>
+              <a:spcPct val="90000"/>
+            </a:lnSpc>
+            <a:spcBef>
+              <a:spcPct val="0"/>
+            </a:spcBef>
+            <a:spcAft>
+              <a:spcPct val="35000"/>
+            </a:spcAft>
+          </a:pPr>
+          <a:r>
+            <a:rPr lang="en-US" sz="4100" kern="1200" dirty="0" smtClean="0"/>
+            <a:t>Dev</a:t>
+          </a:r>
+          <a:endParaRPr lang="en-US" sz="4100" kern="1200" dirty="0"/>
+        </a:p>
+      </dsp:txBody>
+      <dsp:txXfrm>
+        <a:off x="3210560" y="987551"/>
+        <a:ext cx="1219200" cy="1016000"/>
+      </dsp:txXfrm>
+    </dsp:sp>
+    <dsp:sp modelId="{D3F1D94B-5D5F-4645-96EF-A38BE0CFDC7B}">
+      <dsp:nvSpPr>
+        <dsp:cNvPr id="0" name=""/>
+        <dsp:cNvSpPr/>
+      </dsp:nvSpPr>
+      <dsp:spPr>
+        <a:xfrm>
+          <a:off x="1341120" y="386079"/>
+          <a:ext cx="3413760" cy="3413760"/>
+        </a:xfrm>
+        <a:prstGeom prst="pie">
+          <a:avLst>
+            <a:gd name="adj1" fmla="val 1800000"/>
+            <a:gd name="adj2" fmla="val 9000000"/>
+          </a:avLst>
+        </a:prstGeom>
+        <a:solidFill>
+          <a:schemeClr val="accent1">
+            <a:hueOff val="0"/>
+            <a:satOff val="0"/>
+            <a:lumOff val="0"/>
+            <a:alphaOff val="0"/>
+          </a:schemeClr>
+        </a:solidFill>
+        <a:ln w="26425" cap="flat" cmpd="sng" algn="ctr">
+          <a:solidFill>
+            <a:schemeClr val="lt1">
+              <a:hueOff val="0"/>
+              <a:satOff val="0"/>
+              <a:lumOff val="0"/>
+              <a:alphaOff val="0"/>
+            </a:schemeClr>
+          </a:solidFill>
+          <a:prstDash val="solid"/>
+        </a:ln>
+        <a:effectLst/>
+      </dsp:spPr>
+      <dsp:style>
+        <a:lnRef idx="2">
+          <a:scrgbClr r="0" g="0" b="0"/>
+        </a:lnRef>
+        <a:fillRef idx="1">
+          <a:scrgbClr r="0" g="0" b="0"/>
+        </a:fillRef>
+        <a:effectRef idx="0">
+          <a:scrgbClr r="0" g="0" b="0"/>
+        </a:effectRef>
+        <a:fontRef idx="minor">
+          <a:schemeClr val="lt1"/>
+        </a:fontRef>
+      </dsp:style>
+      <dsp:txBody>
+        <a:bodyPr spcFirstLastPara="0" vert="horz" wrap="square" lIns="52070" tIns="52070" rIns="52070" bIns="52070" numCol="1" spcCol="1270" anchor="ctr" anchorCtr="0">
+          <a:noAutofit/>
+        </a:bodyPr>
+        <a:lstStyle/>
+        <a:p>
+          <a:pPr lvl="0" algn="ctr" defTabSz="1822450">
+            <a:lnSpc>
+              <a:spcPct val="90000"/>
+            </a:lnSpc>
+            <a:spcBef>
+              <a:spcPct val="0"/>
+            </a:spcBef>
+            <a:spcAft>
+              <a:spcPct val="35000"/>
+            </a:spcAft>
+          </a:pPr>
+          <a:r>
+            <a:rPr lang="en-US" sz="4100" kern="1200" dirty="0" smtClean="0"/>
+            <a:t>Test</a:t>
+          </a:r>
+          <a:endParaRPr lang="en-US" sz="4100" kern="1200" dirty="0"/>
+        </a:p>
+      </dsp:txBody>
+      <dsp:txXfrm>
+        <a:off x="2153920" y="2600960"/>
+        <a:ext cx="1828800" cy="894080"/>
+      </dsp:txXfrm>
+    </dsp:sp>
+    <dsp:sp modelId="{340A2270-6372-4019-BA75-525473D2911E}">
+      <dsp:nvSpPr>
+        <dsp:cNvPr id="0" name=""/>
+        <dsp:cNvSpPr/>
+      </dsp:nvSpPr>
+      <dsp:spPr>
+        <a:xfrm>
+          <a:off x="1270812" y="264159"/>
+          <a:ext cx="3413760" cy="3413760"/>
+        </a:xfrm>
+        <a:prstGeom prst="pie">
+          <a:avLst>
+            <a:gd name="adj1" fmla="val 9000000"/>
+            <a:gd name="adj2" fmla="val 16200000"/>
+          </a:avLst>
+        </a:prstGeom>
+        <a:solidFill>
+          <a:schemeClr val="accent1">
+            <a:hueOff val="0"/>
+            <a:satOff val="0"/>
+            <a:lumOff val="0"/>
+            <a:alphaOff val="0"/>
+          </a:schemeClr>
+        </a:solidFill>
+        <a:ln w="26425" cap="flat" cmpd="sng" algn="ctr">
+          <a:solidFill>
+            <a:schemeClr val="lt1">
+              <a:hueOff val="0"/>
+              <a:satOff val="0"/>
+              <a:lumOff val="0"/>
+              <a:alphaOff val="0"/>
+            </a:schemeClr>
+          </a:solidFill>
+          <a:prstDash val="solid"/>
+        </a:ln>
+        <a:effectLst/>
+      </dsp:spPr>
+      <dsp:style>
+        <a:lnRef idx="2">
+          <a:scrgbClr r="0" g="0" b="0"/>
+        </a:lnRef>
+        <a:fillRef idx="1">
+          <a:scrgbClr r="0" g="0" b="0"/>
+        </a:fillRef>
+        <a:effectRef idx="0">
+          <a:scrgbClr r="0" g="0" b="0"/>
+        </a:effectRef>
+        <a:fontRef idx="minor">
+          <a:schemeClr val="lt1"/>
+        </a:fontRef>
+      </dsp:style>
+      <dsp:txBody>
+        <a:bodyPr spcFirstLastPara="0" vert="horz" wrap="square" lIns="52070" tIns="52070" rIns="52070" bIns="52070" numCol="1" spcCol="1270" anchor="ctr" anchorCtr="0">
+          <a:noAutofit/>
+        </a:bodyPr>
+        <a:lstStyle/>
+        <a:p>
+          <a:pPr lvl="0" algn="ctr" defTabSz="1822450">
+            <a:lnSpc>
+              <a:spcPct val="90000"/>
+            </a:lnSpc>
+            <a:spcBef>
+              <a:spcPct val="0"/>
+            </a:spcBef>
+            <a:spcAft>
+              <a:spcPct val="35000"/>
+            </a:spcAft>
+          </a:pPr>
+          <a:r>
+            <a:rPr lang="en-US" sz="4100" kern="1200" dirty="0" smtClean="0"/>
+            <a:t>Prod</a:t>
+          </a:r>
+          <a:endParaRPr lang="en-US" sz="4100" kern="1200" dirty="0"/>
+        </a:p>
+      </dsp:txBody>
+      <dsp:txXfrm>
+        <a:off x="1666240" y="987551"/>
+        <a:ext cx="1219200" cy="1016000"/>
+      </dsp:txXfrm>
+    </dsp:sp>
+    <dsp:sp modelId="{C1F70047-4808-49B3-AD50-D056BDA0B699}">
+      <dsp:nvSpPr>
+        <dsp:cNvPr id="0" name=""/>
+        <dsp:cNvSpPr/>
+      </dsp:nvSpPr>
+      <dsp:spPr>
+        <a:xfrm>
+          <a:off x="1200380" y="52831"/>
+          <a:ext cx="3836416" cy="3836416"/>
+        </a:xfrm>
+        <a:prstGeom prst="circularArrow">
+          <a:avLst>
+            <a:gd name="adj1" fmla="val 5085"/>
+            <a:gd name="adj2" fmla="val 327528"/>
+            <a:gd name="adj3" fmla="val 1472472"/>
+            <a:gd name="adj4" fmla="val 16199432"/>
+            <a:gd name="adj5" fmla="val 5932"/>
+          </a:avLst>
+        </a:prstGeom>
+        <a:solidFill>
+          <a:schemeClr val="accent1">
+            <a:tint val="60000"/>
+            <a:hueOff val="0"/>
+            <a:satOff val="0"/>
+            <a:lumOff val="0"/>
+            <a:alphaOff val="0"/>
+          </a:schemeClr>
+        </a:solidFill>
+        <a:ln>
+          <a:noFill/>
+        </a:ln>
+        <a:effectLst/>
+      </dsp:spPr>
+      <dsp:style>
+        <a:lnRef idx="0">
+          <a:scrgbClr r="0" g="0" b="0"/>
+        </a:lnRef>
+        <a:fillRef idx="1">
+          <a:scrgbClr r="0" g="0" b="0"/>
+        </a:fillRef>
+        <a:effectRef idx="0">
+          <a:scrgbClr r="0" g="0" b="0"/>
+        </a:effectRef>
+        <a:fontRef idx="minor">
+          <a:schemeClr val="lt1"/>
+        </a:fontRef>
+      </dsp:style>
+    </dsp:sp>
+    <dsp:sp modelId="{FC4FD943-839A-4BB2-B348-24A346262281}">
+      <dsp:nvSpPr>
+        <dsp:cNvPr id="0" name=""/>
+        <dsp:cNvSpPr/>
+      </dsp:nvSpPr>
+      <dsp:spPr>
+        <a:xfrm>
+          <a:off x="1129792" y="174536"/>
+          <a:ext cx="3836416" cy="3836416"/>
+        </a:xfrm>
+        <a:prstGeom prst="circularArrow">
+          <a:avLst>
+            <a:gd name="adj1" fmla="val 5085"/>
+            <a:gd name="adj2" fmla="val 327528"/>
+            <a:gd name="adj3" fmla="val 8671970"/>
+            <a:gd name="adj4" fmla="val 1800502"/>
+            <a:gd name="adj5" fmla="val 5932"/>
+          </a:avLst>
+        </a:prstGeom>
+        <a:solidFill>
+          <a:schemeClr val="accent1">
+            <a:tint val="60000"/>
+            <a:hueOff val="0"/>
+            <a:satOff val="0"/>
+            <a:lumOff val="0"/>
+            <a:alphaOff val="0"/>
+          </a:schemeClr>
+        </a:solidFill>
+        <a:ln>
+          <a:noFill/>
+        </a:ln>
+        <a:effectLst/>
+      </dsp:spPr>
+      <dsp:style>
+        <a:lnRef idx="0">
+          <a:scrgbClr r="0" g="0" b="0"/>
+        </a:lnRef>
+        <a:fillRef idx="1">
+          <a:scrgbClr r="0" g="0" b="0"/>
+        </a:fillRef>
+        <a:effectRef idx="0">
+          <a:scrgbClr r="0" g="0" b="0"/>
+        </a:effectRef>
+        <a:fontRef idx="minor">
+          <a:schemeClr val="lt1"/>
+        </a:fontRef>
+      </dsp:style>
+    </dsp:sp>
+    <dsp:sp modelId="{83A81BCB-BEBF-446C-A129-C44B92BD7C69}">
+      <dsp:nvSpPr>
+        <dsp:cNvPr id="0" name=""/>
+        <dsp:cNvSpPr/>
+      </dsp:nvSpPr>
+      <dsp:spPr>
+        <a:xfrm>
+          <a:off x="1059203" y="52831"/>
+          <a:ext cx="3836416" cy="3836416"/>
+        </a:xfrm>
+        <a:prstGeom prst="circularArrow">
+          <a:avLst>
+            <a:gd name="adj1" fmla="val 5085"/>
+            <a:gd name="adj2" fmla="val 327528"/>
+            <a:gd name="adj3" fmla="val 15873039"/>
+            <a:gd name="adj4" fmla="val 9000000"/>
+            <a:gd name="adj5" fmla="val 5932"/>
+          </a:avLst>
+        </a:prstGeom>
+        <a:solidFill>
+          <a:schemeClr val="accent1">
+            <a:tint val="60000"/>
+            <a:hueOff val="0"/>
+            <a:satOff val="0"/>
+            <a:lumOff val="0"/>
+            <a:alphaOff val="0"/>
+          </a:schemeClr>
+        </a:solidFill>
+        <a:ln>
+          <a:noFill/>
+        </a:ln>
+        <a:effectLst/>
+      </dsp:spPr>
+      <dsp:style>
+        <a:lnRef idx="0">
+          <a:scrgbClr r="0" g="0" b="0"/>
+        </a:lnRef>
+        <a:fillRef idx="1">
+          <a:scrgbClr r="0" g="0" b="0"/>
+        </a:fillRef>
+        <a:effectRef idx="0">
+          <a:scrgbClr r="0" g="0" b="0"/>
+        </a:effectRef>
+        <a:fontRef idx="minor">
+          <a:schemeClr val="lt1"/>
+        </a:fontRef>
+      </dsp:style>
+    </dsp:sp>
   </dsp:spTree>
 </dsp:drawing>
 </file>
@@ -8637,6 +9792,568 @@
       <dsp:cNvGrpSpPr/>
     </dsp:nvGrpSpPr>
     <dsp:grpSpPr/>
+    <dsp:sp modelId="{69A9F42F-FEB1-4698-AF4D-B38FD8F70BBA}">
+      <dsp:nvSpPr>
+        <dsp:cNvPr id="0" name=""/>
+        <dsp:cNvSpPr/>
+      </dsp:nvSpPr>
+      <dsp:spPr>
+        <a:xfrm>
+          <a:off x="1097" y="1729959"/>
+          <a:ext cx="1797880" cy="1797880"/>
+        </a:xfrm>
+        <a:prstGeom prst="ellipse">
+          <a:avLst/>
+        </a:prstGeom>
+        <a:solidFill>
+          <a:schemeClr val="accent1">
+            <a:alpha val="50000"/>
+            <a:hueOff val="0"/>
+            <a:satOff val="0"/>
+            <a:lumOff val="0"/>
+            <a:alphaOff val="0"/>
+          </a:schemeClr>
+        </a:solidFill>
+        <a:ln w="26425" cap="flat" cmpd="sng" algn="ctr">
+          <a:solidFill>
+            <a:schemeClr val="lt1">
+              <a:hueOff val="0"/>
+              <a:satOff val="0"/>
+              <a:lumOff val="0"/>
+              <a:alphaOff val="0"/>
+            </a:schemeClr>
+          </a:solidFill>
+          <a:prstDash val="solid"/>
+        </a:ln>
+        <a:effectLst/>
+      </dsp:spPr>
+      <dsp:style>
+        <a:lnRef idx="2">
+          <a:scrgbClr r="0" g="0" b="0"/>
+        </a:lnRef>
+        <a:fillRef idx="1">
+          <a:scrgbClr r="0" g="0" b="0"/>
+        </a:fillRef>
+        <a:effectRef idx="0">
+          <a:scrgbClr r="0" g="0" b="0"/>
+        </a:effectRef>
+        <a:fontRef idx="minor">
+          <a:schemeClr val="tx1"/>
+        </a:fontRef>
+      </dsp:style>
+      <dsp:txBody>
+        <a:bodyPr spcFirstLastPara="0" vert="horz" wrap="square" lIns="98943" tIns="21590" rIns="98943" bIns="21590" numCol="1" spcCol="1270" anchor="ctr" anchorCtr="0">
+          <a:noAutofit/>
+        </a:bodyPr>
+        <a:lstStyle/>
+        <a:p>
+          <a:pPr lvl="0" algn="ctr" defTabSz="755650">
+            <a:lnSpc>
+              <a:spcPct val="90000"/>
+            </a:lnSpc>
+            <a:spcBef>
+              <a:spcPct val="0"/>
+            </a:spcBef>
+            <a:spcAft>
+              <a:spcPct val="35000"/>
+            </a:spcAft>
+          </a:pPr>
+          <a:r>
+            <a:rPr lang="en-US" sz="1700" kern="1200" dirty="0" smtClean="0"/>
+            <a:t>Defined</a:t>
+          </a:r>
+          <a:br>
+            <a:rPr lang="en-US" sz="1700" kern="1200" dirty="0" smtClean="0"/>
+          </a:br>
+          <a:endParaRPr lang="en-US" sz="1700" kern="1200" dirty="0" smtClean="0"/>
+        </a:p>
+        <a:p>
+          <a:pPr lvl="0" algn="ctr" defTabSz="755650">
+            <a:lnSpc>
+              <a:spcPct val="90000"/>
+            </a:lnSpc>
+            <a:spcBef>
+              <a:spcPct val="0"/>
+            </a:spcBef>
+            <a:spcAft>
+              <a:spcPct val="35000"/>
+            </a:spcAft>
+          </a:pPr>
+          <a:r>
+            <a:rPr lang="en-US" sz="1700" kern="1200" dirty="0" smtClean="0"/>
+            <a:t>1</a:t>
+          </a:r>
+          <a:endParaRPr lang="en-US" sz="1700" kern="1200" dirty="0"/>
+        </a:p>
+      </dsp:txBody>
+      <dsp:txXfrm>
+        <a:off x="264390" y="1993252"/>
+        <a:ext cx="1271294" cy="1271294"/>
+      </dsp:txXfrm>
+    </dsp:sp>
+    <dsp:sp modelId="{7594410F-5A0C-4A65-A798-37E721366B1A}">
+      <dsp:nvSpPr>
+        <dsp:cNvPr id="0" name=""/>
+        <dsp:cNvSpPr/>
+      </dsp:nvSpPr>
+      <dsp:spPr>
+        <a:xfrm>
+          <a:off x="1439402" y="1729959"/>
+          <a:ext cx="1797880" cy="1797880"/>
+        </a:xfrm>
+        <a:prstGeom prst="ellipse">
+          <a:avLst/>
+        </a:prstGeom>
+        <a:solidFill>
+          <a:schemeClr val="accent1">
+            <a:alpha val="50000"/>
+            <a:hueOff val="0"/>
+            <a:satOff val="0"/>
+            <a:lumOff val="0"/>
+            <a:alphaOff val="0"/>
+          </a:schemeClr>
+        </a:solidFill>
+        <a:ln w="26425" cap="flat" cmpd="sng" algn="ctr">
+          <a:solidFill>
+            <a:schemeClr val="lt1">
+              <a:hueOff val="0"/>
+              <a:satOff val="0"/>
+              <a:lumOff val="0"/>
+              <a:alphaOff val="0"/>
+            </a:schemeClr>
+          </a:solidFill>
+          <a:prstDash val="solid"/>
+        </a:ln>
+        <a:effectLst/>
+      </dsp:spPr>
+      <dsp:style>
+        <a:lnRef idx="2">
+          <a:scrgbClr r="0" g="0" b="0"/>
+        </a:lnRef>
+        <a:fillRef idx="1">
+          <a:scrgbClr r="0" g="0" b="0"/>
+        </a:fillRef>
+        <a:effectRef idx="0">
+          <a:scrgbClr r="0" g="0" b="0"/>
+        </a:effectRef>
+        <a:fontRef idx="minor">
+          <a:schemeClr val="tx1"/>
+        </a:fontRef>
+      </dsp:style>
+      <dsp:txBody>
+        <a:bodyPr spcFirstLastPara="0" vert="horz" wrap="square" lIns="98943" tIns="21590" rIns="98943" bIns="21590" numCol="1" spcCol="1270" anchor="ctr" anchorCtr="0">
+          <a:noAutofit/>
+        </a:bodyPr>
+        <a:lstStyle/>
+        <a:p>
+          <a:pPr lvl="0" algn="ctr" defTabSz="755650">
+            <a:lnSpc>
+              <a:spcPct val="90000"/>
+            </a:lnSpc>
+            <a:spcBef>
+              <a:spcPct val="0"/>
+            </a:spcBef>
+            <a:spcAft>
+              <a:spcPct val="35000"/>
+            </a:spcAft>
+          </a:pPr>
+          <a:r>
+            <a:rPr lang="en-US" sz="1700" kern="1200" dirty="0" smtClean="0"/>
+            <a:t>Reliable</a:t>
+          </a:r>
+          <a:br>
+            <a:rPr lang="en-US" sz="1700" kern="1200" dirty="0" smtClean="0"/>
+          </a:br>
+          <a:endParaRPr lang="en-US" sz="1700" kern="1200" dirty="0" smtClean="0"/>
+        </a:p>
+        <a:p>
+          <a:pPr lvl="0" algn="ctr" defTabSz="755650">
+            <a:lnSpc>
+              <a:spcPct val="90000"/>
+            </a:lnSpc>
+            <a:spcBef>
+              <a:spcPct val="0"/>
+            </a:spcBef>
+            <a:spcAft>
+              <a:spcPct val="35000"/>
+            </a:spcAft>
+          </a:pPr>
+          <a:r>
+            <a:rPr lang="en-US" sz="1700" kern="1200" dirty="0" smtClean="0"/>
+            <a:t>2</a:t>
+          </a:r>
+        </a:p>
+      </dsp:txBody>
+      <dsp:txXfrm>
+        <a:off x="1702695" y="1993252"/>
+        <a:ext cx="1271294" cy="1271294"/>
+      </dsp:txXfrm>
+    </dsp:sp>
+    <dsp:sp modelId="{B176AA14-FAC2-4A57-ABA9-6E825CC73539}">
+      <dsp:nvSpPr>
+        <dsp:cNvPr id="0" name=""/>
+        <dsp:cNvSpPr/>
+      </dsp:nvSpPr>
+      <dsp:spPr>
+        <a:xfrm>
+          <a:off x="2877707" y="1729959"/>
+          <a:ext cx="1797880" cy="1797880"/>
+        </a:xfrm>
+        <a:prstGeom prst="ellipse">
+          <a:avLst/>
+        </a:prstGeom>
+        <a:solidFill>
+          <a:schemeClr val="accent1">
+            <a:alpha val="50000"/>
+            <a:hueOff val="0"/>
+            <a:satOff val="0"/>
+            <a:lumOff val="0"/>
+            <a:alphaOff val="0"/>
+          </a:schemeClr>
+        </a:solidFill>
+        <a:ln w="26425" cap="flat" cmpd="sng" algn="ctr">
+          <a:solidFill>
+            <a:schemeClr val="lt1">
+              <a:hueOff val="0"/>
+              <a:satOff val="0"/>
+              <a:lumOff val="0"/>
+              <a:alphaOff val="0"/>
+            </a:schemeClr>
+          </a:solidFill>
+          <a:prstDash val="solid"/>
+        </a:ln>
+        <a:effectLst/>
+      </dsp:spPr>
+      <dsp:style>
+        <a:lnRef idx="2">
+          <a:scrgbClr r="0" g="0" b="0"/>
+        </a:lnRef>
+        <a:fillRef idx="1">
+          <a:scrgbClr r="0" g="0" b="0"/>
+        </a:fillRef>
+        <a:effectRef idx="0">
+          <a:scrgbClr r="0" g="0" b="0"/>
+        </a:effectRef>
+        <a:fontRef idx="minor">
+          <a:schemeClr val="tx1"/>
+        </a:fontRef>
+      </dsp:style>
+      <dsp:txBody>
+        <a:bodyPr spcFirstLastPara="0" vert="horz" wrap="square" lIns="98943" tIns="21590" rIns="98943" bIns="21590" numCol="1" spcCol="1270" anchor="ctr" anchorCtr="0">
+          <a:noAutofit/>
+        </a:bodyPr>
+        <a:lstStyle/>
+        <a:p>
+          <a:pPr lvl="0" algn="ctr" defTabSz="755650">
+            <a:lnSpc>
+              <a:spcPct val="90000"/>
+            </a:lnSpc>
+            <a:spcBef>
+              <a:spcPct val="0"/>
+            </a:spcBef>
+            <a:spcAft>
+              <a:spcPct val="35000"/>
+            </a:spcAft>
+          </a:pPr>
+          <a:r>
+            <a:rPr lang="en-US" sz="1700" kern="1200" dirty="0" smtClean="0"/>
+            <a:t>Scalable</a:t>
+          </a:r>
+          <a:br>
+            <a:rPr lang="en-US" sz="1700" kern="1200" dirty="0" smtClean="0"/>
+          </a:br>
+          <a:r>
+            <a:rPr lang="en-US" sz="1700" kern="1200" dirty="0" smtClean="0"/>
+            <a:t/>
+          </a:r>
+          <a:br>
+            <a:rPr lang="en-US" sz="1700" kern="1200" dirty="0" smtClean="0"/>
+          </a:br>
+          <a:r>
+            <a:rPr lang="en-US" sz="1700" kern="1200" dirty="0" smtClean="0"/>
+            <a:t>3</a:t>
+          </a:r>
+        </a:p>
+      </dsp:txBody>
+      <dsp:txXfrm>
+        <a:off x="3141000" y="1993252"/>
+        <a:ext cx="1271294" cy="1271294"/>
+      </dsp:txXfrm>
+    </dsp:sp>
+    <dsp:sp modelId="{CBFFB83D-AA45-4B15-AC20-50B80727D7E1}">
+      <dsp:nvSpPr>
+        <dsp:cNvPr id="0" name=""/>
+        <dsp:cNvSpPr/>
+      </dsp:nvSpPr>
+      <dsp:spPr>
+        <a:xfrm>
+          <a:off x="4316011" y="1729959"/>
+          <a:ext cx="1797880" cy="1797880"/>
+        </a:xfrm>
+        <a:prstGeom prst="ellipse">
+          <a:avLst/>
+        </a:prstGeom>
+        <a:solidFill>
+          <a:schemeClr val="accent1">
+            <a:alpha val="50000"/>
+            <a:hueOff val="0"/>
+            <a:satOff val="0"/>
+            <a:lumOff val="0"/>
+            <a:alphaOff val="0"/>
+          </a:schemeClr>
+        </a:solidFill>
+        <a:ln w="26425" cap="flat" cmpd="sng" algn="ctr">
+          <a:solidFill>
+            <a:schemeClr val="lt1">
+              <a:hueOff val="0"/>
+              <a:satOff val="0"/>
+              <a:lumOff val="0"/>
+              <a:alphaOff val="0"/>
+            </a:schemeClr>
+          </a:solidFill>
+          <a:prstDash val="solid"/>
+        </a:ln>
+        <a:effectLst/>
+      </dsp:spPr>
+      <dsp:style>
+        <a:lnRef idx="2">
+          <a:scrgbClr r="0" g="0" b="0"/>
+        </a:lnRef>
+        <a:fillRef idx="1">
+          <a:scrgbClr r="0" g="0" b="0"/>
+        </a:fillRef>
+        <a:effectRef idx="0">
+          <a:scrgbClr r="0" g="0" b="0"/>
+        </a:effectRef>
+        <a:fontRef idx="minor">
+          <a:schemeClr val="tx1"/>
+        </a:fontRef>
+      </dsp:style>
+      <dsp:txBody>
+        <a:bodyPr spcFirstLastPara="0" vert="horz" wrap="square" lIns="98943" tIns="21590" rIns="98943" bIns="21590" numCol="1" spcCol="1270" anchor="ctr" anchorCtr="0">
+          <a:noAutofit/>
+        </a:bodyPr>
+        <a:lstStyle/>
+        <a:p>
+          <a:pPr lvl="0" algn="ctr" defTabSz="755650">
+            <a:lnSpc>
+              <a:spcPct val="90000"/>
+            </a:lnSpc>
+            <a:spcBef>
+              <a:spcPct val="0"/>
+            </a:spcBef>
+            <a:spcAft>
+              <a:spcPct val="35000"/>
+            </a:spcAft>
+          </a:pPr>
+          <a:r>
+            <a:rPr lang="en-US" sz="1700" kern="1200" dirty="0" smtClean="0"/>
+            <a:t>Monitored</a:t>
+          </a:r>
+          <a:br>
+            <a:rPr lang="en-US" sz="1700" kern="1200" dirty="0" smtClean="0"/>
+          </a:br>
+          <a:r>
+            <a:rPr lang="en-US" sz="1700" kern="1200" dirty="0" smtClean="0"/>
+            <a:t/>
+          </a:r>
+          <a:br>
+            <a:rPr lang="en-US" sz="1700" kern="1200" dirty="0" smtClean="0"/>
+          </a:br>
+          <a:r>
+            <a:rPr lang="en-US" sz="1700" kern="1200" dirty="0" smtClean="0"/>
+            <a:t>4</a:t>
+          </a:r>
+        </a:p>
+      </dsp:txBody>
+      <dsp:txXfrm>
+        <a:off x="4579304" y="1993252"/>
+        <a:ext cx="1271294" cy="1271294"/>
+      </dsp:txXfrm>
+    </dsp:sp>
+    <dsp:sp modelId="{CF3D7F23-0876-40A8-A613-2810A593F71F}">
+      <dsp:nvSpPr>
+        <dsp:cNvPr id="0" name=""/>
+        <dsp:cNvSpPr/>
+      </dsp:nvSpPr>
+      <dsp:spPr>
+        <a:xfrm>
+          <a:off x="5754316" y="1729959"/>
+          <a:ext cx="1797880" cy="1797880"/>
+        </a:xfrm>
+        <a:prstGeom prst="ellipse">
+          <a:avLst/>
+        </a:prstGeom>
+        <a:solidFill>
+          <a:schemeClr val="accent1">
+            <a:alpha val="50000"/>
+            <a:hueOff val="0"/>
+            <a:satOff val="0"/>
+            <a:lumOff val="0"/>
+            <a:alphaOff val="0"/>
+          </a:schemeClr>
+        </a:solidFill>
+        <a:ln w="26425" cap="flat" cmpd="sng" algn="ctr">
+          <a:solidFill>
+            <a:schemeClr val="lt1">
+              <a:hueOff val="0"/>
+              <a:satOff val="0"/>
+              <a:lumOff val="0"/>
+              <a:alphaOff val="0"/>
+            </a:schemeClr>
+          </a:solidFill>
+          <a:prstDash val="solid"/>
+        </a:ln>
+        <a:effectLst/>
+      </dsp:spPr>
+      <dsp:style>
+        <a:lnRef idx="2">
+          <a:scrgbClr r="0" g="0" b="0"/>
+        </a:lnRef>
+        <a:fillRef idx="1">
+          <a:scrgbClr r="0" g="0" b="0"/>
+        </a:fillRef>
+        <a:effectRef idx="0">
+          <a:scrgbClr r="0" g="0" b="0"/>
+        </a:effectRef>
+        <a:fontRef idx="minor">
+          <a:schemeClr val="tx1"/>
+        </a:fontRef>
+      </dsp:style>
+      <dsp:txBody>
+        <a:bodyPr spcFirstLastPara="0" vert="horz" wrap="square" lIns="98943" tIns="21590" rIns="98943" bIns="21590" numCol="1" spcCol="1270" anchor="ctr" anchorCtr="0">
+          <a:noAutofit/>
+        </a:bodyPr>
+        <a:lstStyle/>
+        <a:p>
+          <a:pPr lvl="0" algn="ctr" defTabSz="755650">
+            <a:lnSpc>
+              <a:spcPct val="90000"/>
+            </a:lnSpc>
+            <a:spcBef>
+              <a:spcPct val="0"/>
+            </a:spcBef>
+            <a:spcAft>
+              <a:spcPct val="35000"/>
+            </a:spcAft>
+          </a:pPr>
+          <a:r>
+            <a:rPr lang="en-US" sz="1700" kern="1200" dirty="0" smtClean="0"/>
+            <a:t>Maintained</a:t>
+          </a:r>
+          <a:br>
+            <a:rPr lang="en-US" sz="1700" kern="1200" dirty="0" smtClean="0"/>
+          </a:br>
+          <a:r>
+            <a:rPr lang="en-US" sz="1700" kern="1200" dirty="0" smtClean="0"/>
+            <a:t/>
+          </a:r>
+          <a:br>
+            <a:rPr lang="en-US" sz="1700" kern="1200" dirty="0" smtClean="0"/>
+          </a:br>
+          <a:r>
+            <a:rPr lang="en-US" sz="1700" kern="1200" dirty="0" smtClean="0"/>
+            <a:t>5</a:t>
+          </a:r>
+        </a:p>
+      </dsp:txBody>
+      <dsp:txXfrm>
+        <a:off x="6017609" y="1993252"/>
+        <a:ext cx="1271294" cy="1271294"/>
+      </dsp:txXfrm>
+    </dsp:sp>
+    <dsp:sp modelId="{59D66EC7-6FFB-4EBB-A203-44296DB21A5E}">
+      <dsp:nvSpPr>
+        <dsp:cNvPr id="0" name=""/>
+        <dsp:cNvSpPr/>
+      </dsp:nvSpPr>
+      <dsp:spPr>
+        <a:xfrm>
+          <a:off x="7192621" y="1729959"/>
+          <a:ext cx="1797880" cy="1797880"/>
+        </a:xfrm>
+        <a:prstGeom prst="ellipse">
+          <a:avLst/>
+        </a:prstGeom>
+        <a:solidFill>
+          <a:schemeClr val="accent1">
+            <a:alpha val="50000"/>
+            <a:hueOff val="0"/>
+            <a:satOff val="0"/>
+            <a:lumOff val="0"/>
+            <a:alphaOff val="0"/>
+          </a:schemeClr>
+        </a:solidFill>
+        <a:ln w="26425" cap="flat" cmpd="sng" algn="ctr">
+          <a:solidFill>
+            <a:schemeClr val="lt1">
+              <a:hueOff val="0"/>
+              <a:satOff val="0"/>
+              <a:lumOff val="0"/>
+              <a:alphaOff val="0"/>
+            </a:schemeClr>
+          </a:solidFill>
+          <a:prstDash val="solid"/>
+        </a:ln>
+        <a:effectLst/>
+      </dsp:spPr>
+      <dsp:style>
+        <a:lnRef idx="2">
+          <a:scrgbClr r="0" g="0" b="0"/>
+        </a:lnRef>
+        <a:fillRef idx="1">
+          <a:scrgbClr r="0" g="0" b="0"/>
+        </a:fillRef>
+        <a:effectRef idx="0">
+          <a:scrgbClr r="0" g="0" b="0"/>
+        </a:effectRef>
+        <a:fontRef idx="minor">
+          <a:schemeClr val="tx1"/>
+        </a:fontRef>
+      </dsp:style>
+      <dsp:txBody>
+        <a:bodyPr spcFirstLastPara="0" vert="horz" wrap="square" lIns="98943" tIns="21590" rIns="98943" bIns="21590" numCol="1" spcCol="1270" anchor="ctr" anchorCtr="0">
+          <a:noAutofit/>
+        </a:bodyPr>
+        <a:lstStyle/>
+        <a:p>
+          <a:pPr lvl="0" algn="ctr" defTabSz="755650">
+            <a:lnSpc>
+              <a:spcPct val="90000"/>
+            </a:lnSpc>
+            <a:spcBef>
+              <a:spcPct val="0"/>
+            </a:spcBef>
+            <a:spcAft>
+              <a:spcPct val="35000"/>
+            </a:spcAft>
+          </a:pPr>
+          <a:r>
+            <a:rPr lang="en-US" sz="1700" kern="1200" dirty="0" smtClean="0"/>
+            <a:t>Supported</a:t>
+          </a:r>
+          <a:br>
+            <a:rPr lang="en-US" sz="1700" kern="1200" dirty="0" smtClean="0"/>
+          </a:br>
+          <a:r>
+            <a:rPr lang="en-US" sz="1700" kern="1200" dirty="0" smtClean="0"/>
+            <a:t/>
+          </a:r>
+          <a:br>
+            <a:rPr lang="en-US" sz="1700" kern="1200" dirty="0" smtClean="0"/>
+          </a:br>
+          <a:r>
+            <a:rPr lang="en-US" sz="1700" kern="1200" dirty="0" smtClean="0"/>
+            <a:t>6</a:t>
+          </a:r>
+          <a:endParaRPr lang="en-US" sz="1700" kern="1200" dirty="0"/>
+        </a:p>
+      </dsp:txBody>
+      <dsp:txXfrm>
+        <a:off x="7455914" y="1993252"/>
+        <a:ext cx="1271294" cy="1271294"/>
+      </dsp:txXfrm>
+    </dsp:sp>
   </dsp:spTree>
 </dsp:drawing>
 </file>
@@ -20208,7 +21925,7 @@
             <a:fld id="{9BCACACC-4968-4604-9473-70BE5EF6D4C2}" type="datetimeFigureOut">
               <a:rPr lang="en-US" smtClean="0"/>
               <a:pPr/>
-              <a:t>1/5/2014</a:t>
+              <a:t>8/30/2018</a:t>
             </a:fld>
             <a:endParaRPr lang="en-US"/>
           </a:p>
@@ -20564,6 +22281,116 @@
 </p:notes>
 </file>
 
+<file path=ppt/notesSlides/notesSlide10.xml><?xml version="1.0" encoding="utf-8"?>
+<p:notes xmlns:a="http://schemas.openxmlformats.org/drawingml/2006/main" xmlns:r="http://schemas.openxmlformats.org/officeDocument/2006/relationships" xmlns:p="http://schemas.openxmlformats.org/presentationml/2006/main">
+  <p:cSld>
+    <p:spTree>
+      <p:nvGrpSpPr>
+        <p:cNvPr id="1" name=""/>
+        <p:cNvGrpSpPr/>
+        <p:nvPr/>
+      </p:nvGrpSpPr>
+      <p:grpSpPr>
+        <a:xfrm>
+          <a:off x="0" y="0"/>
+          <a:ext cx="0" cy="0"/>
+          <a:chOff x="0" y="0"/>
+          <a:chExt cx="0" cy="0"/>
+        </a:xfrm>
+      </p:grpSpPr>
+      <p:sp>
+        <p:nvSpPr>
+          <p:cNvPr id="2" name="Slide Image Placeholder 1"/>
+          <p:cNvSpPr>
+            <a:spLocks noGrp="1" noRot="1" noChangeAspect="1"/>
+          </p:cNvSpPr>
+          <p:nvPr>
+            <p:ph type="sldImg"/>
+          </p:nvPr>
+        </p:nvSpPr>
+        <p:spPr/>
+      </p:sp>
+      <p:sp>
+        <p:nvSpPr>
+          <p:cNvPr id="3" name="Notes Placeholder 2"/>
+          <p:cNvSpPr>
+            <a:spLocks noGrp="1"/>
+          </p:cNvSpPr>
+          <p:nvPr>
+            <p:ph type="body" idx="1"/>
+          </p:nvPr>
+        </p:nvSpPr>
+        <p:spPr/>
+        <p:txBody>
+          <a:bodyPr/>
+          <a:lstStyle/>
+          <a:p>
+            <a:r>
+              <a:rPr lang="en-US" dirty="0" smtClean="0"/>
+              <a:t>Service monitoring:</a:t>
+            </a:r>
+            <a:r>
+              <a:rPr lang="en-US" baseline="0" dirty="0" smtClean="0"/>
+              <a:t>  SCOM</a:t>
+            </a:r>
+          </a:p>
+          <a:p>
+            <a:r>
+              <a:rPr lang="en-US" baseline="0" dirty="0" smtClean="0"/>
+              <a:t>Service logging:  </a:t>
+            </a:r>
+            <a:r>
+              <a:rPr lang="en-US" baseline="0" dirty="0" err="1" smtClean="0"/>
+              <a:t>Splunk</a:t>
+            </a:r>
+            <a:r>
+              <a:rPr lang="en-US" baseline="0" dirty="0" smtClean="0"/>
+              <a:t>, its-stats-box</a:t>
+            </a:r>
+            <a:endParaRPr lang="en-US" dirty="0" smtClean="0"/>
+          </a:p>
+          <a:p>
+            <a:endParaRPr lang="en-US" dirty="0"/>
+          </a:p>
+        </p:txBody>
+      </p:sp>
+      <p:sp>
+        <p:nvSpPr>
+          <p:cNvPr id="4" name="Slide Number Placeholder 3"/>
+          <p:cNvSpPr>
+            <a:spLocks noGrp="1"/>
+          </p:cNvSpPr>
+          <p:nvPr>
+            <p:ph type="sldNum" sz="quarter" idx="10"/>
+          </p:nvPr>
+        </p:nvSpPr>
+        <p:spPr/>
+        <p:txBody>
+          <a:bodyPr/>
+          <a:lstStyle/>
+          <a:p>
+            <a:fld id="{A18D14DE-E488-4898-9DAD-6800464C8727}" type="slidenum">
+              <a:rPr lang="en-US" smtClean="0"/>
+              <a:pPr/>
+              <a:t>26</a:t>
+            </a:fld>
+            <a:endParaRPr lang="en-US"/>
+          </a:p>
+        </p:txBody>
+      </p:sp>
+    </p:spTree>
+    <p:extLst>
+      <p:ext uri="{BB962C8B-B14F-4D97-AF65-F5344CB8AC3E}">
+        <p14:creationId xmlns:p14="http://schemas.microsoft.com/office/powerpoint/2010/main" val="1681566336"/>
+      </p:ext>
+    </p:extLst>
+  </p:cSld>
+  <p:clrMapOvr>
+    <a:masterClrMapping/>
+  </p:clrMapOvr>
+</p:notes>
+</file>
+
 <file path=ppt/notesSlides/notesSlide2.xml><?xml version="1.0" encoding="utf-8"?>
 <p:notes xmlns:a="http://schemas.openxmlformats.org/drawingml/2006/main" xmlns:r="http://schemas.openxmlformats.org/officeDocument/2006/relationships" xmlns:p="http://schemas.openxmlformats.org/presentationml/2006/main">
   <p:cSld>
@@ -21209,6 +23036,60 @@
           <a:bodyPr/>
           <a:lstStyle/>
           <a:p>
+            <a:pPr marL="171450" indent="-171450">
+              <a:buFont typeface="Arial" panose="020B0604020202020204" pitchFamily="34" charset="0"/>
+              <a:buChar char="•"/>
+            </a:pPr>
+            <a:r>
+              <a:rPr lang="en-US" dirty="0"/>
+              <a:t>Everything is on one server</a:t>
+            </a:r>
+          </a:p>
+          <a:p>
+            <a:pPr marL="171450" indent="-171450">
+              <a:buFont typeface="Arial" panose="020B0604020202020204" pitchFamily="34" charset="0"/>
+              <a:buChar char="•"/>
+            </a:pPr>
+            <a:r>
+              <a:rPr lang="en-US" dirty="0"/>
+              <a:t>Inefficient use of hardware –Dedicated hardware for test and development usually sits idle.</a:t>
+            </a:r>
+          </a:p>
+          <a:p>
+            <a:pPr marL="171450" indent="-171450">
+              <a:buFont typeface="Arial" panose="020B0604020202020204" pitchFamily="34" charset="0"/>
+              <a:buChar char="•"/>
+            </a:pPr>
+            <a:r>
+              <a:rPr lang="en-US" dirty="0"/>
+              <a:t>The only way to scale is to upgrade the hardware. – Buy more memory or upgrade the server.</a:t>
+            </a:r>
+          </a:p>
+          <a:p>
+            <a:pPr marL="171450" indent="-171450">
+              <a:buFont typeface="Arial" panose="020B0604020202020204" pitchFamily="34" charset="0"/>
+              <a:buChar char="•"/>
+            </a:pPr>
+            <a:r>
+              <a:rPr lang="en-US" dirty="0"/>
+              <a:t>Easy to administer and secure – There’s only 3 operating systems to administer and harden</a:t>
+            </a:r>
+          </a:p>
+          <a:p>
+            <a:pPr marL="171450" indent="-171450">
+              <a:buFont typeface="Arial" panose="020B0604020202020204" pitchFamily="34" charset="0"/>
+              <a:buChar char="•"/>
+            </a:pPr>
+            <a:r>
+              <a:rPr lang="en-US" dirty="0"/>
+              <a:t>Need to duplicate the same environment in dev, test and prod which is wasteful – high hardware costs.</a:t>
+            </a:r>
+          </a:p>
+          <a:p>
+            <a:pPr marL="171450" indent="-171450">
+              <a:buFont typeface="Arial" panose="020B0604020202020204" pitchFamily="34" charset="0"/>
+              <a:buChar char="•"/>
+            </a:pPr>
             <a:endParaRPr lang="en-US" dirty="0"/>
           </a:p>
         </p:txBody>
@@ -21228,10 +23109,9 @@
           <a:bodyPr/>
           <a:lstStyle/>
           <a:p>
-            <a:fld id="{A18D14DE-E488-4898-9DAD-6800464C8727}" type="slidenum">
+            <a:fld id="{0E1FE140-0363-44EC-BA88-1BC3F722D67C}" type="slidenum">
               <a:rPr lang="en-US" smtClean="0"/>
-              <a:pPr/>
-              <a:t>22</a:t>
+              <a:t>21</a:t>
             </a:fld>
             <a:endParaRPr lang="en-US"/>
           </a:p>
@@ -21240,7 +23120,7 @@
     </p:spTree>
     <p:extLst>
       <p:ext uri="{BB962C8B-B14F-4D97-AF65-F5344CB8AC3E}">
-        <p14:creationId xmlns:p14="http://schemas.microsoft.com/office/powerpoint/2010/main" val="4218638067"/>
+        <p14:creationId xmlns:p14="http://schemas.microsoft.com/office/powerpoint/2010/main" val="443327333"/>
       </p:ext>
     </p:extLst>
   </p:cSld>
@@ -21295,28 +23175,27 @@
           <a:lstStyle/>
           <a:p>
             <a:r>
-              <a:rPr lang="en-US" dirty="0" smtClean="0"/>
-              <a:t>Service monitoring:</a:t>
-            </a:r>
-            <a:r>
-              <a:rPr lang="en-US" baseline="0" dirty="0" smtClean="0"/>
-              <a:t>  SCOM</a:t>
-            </a:r>
-          </a:p>
-          <a:p>
-            <a:r>
-              <a:rPr lang="en-US" baseline="0" dirty="0" smtClean="0"/>
-              <a:t>Service logging:  </a:t>
-            </a:r>
-            <a:r>
-              <a:rPr lang="en-US" baseline="0" dirty="0" err="1" smtClean="0"/>
-              <a:t>Splunk</a:t>
-            </a:r>
-            <a:r>
-              <a:rPr lang="en-US" baseline="0" dirty="0" smtClean="0"/>
-              <a:t>, its-stats-box</a:t>
-            </a:r>
-            <a:endParaRPr lang="en-US" dirty="0" smtClean="0"/>
+              <a:rPr lang="en-US" dirty="0"/>
+              <a:t>Break up components / services into their own server –we know scaling this way is good, but its also costly</a:t>
+            </a:r>
+          </a:p>
+          <a:p>
+            <a:r>
+              <a:rPr lang="en-US" dirty="0"/>
+              <a:t>This separates concerns and makes the system easier to secure and manage – we can use the web server and the database server independently. We don’t need to install extra libraries on the server – only those needed to accomplish the job.</a:t>
+            </a:r>
+          </a:p>
+          <a:p>
+            <a:r>
+              <a:rPr lang="en-US" dirty="0"/>
+              <a:t>Costs of multiple hardware and operating systems to maintain. – This example has 2X the hardware!</a:t>
+            </a:r>
+          </a:p>
+          <a:p>
+            <a:r>
+              <a:rPr lang="en-US" dirty="0"/>
+              <a:t>Maintain extra versions for test and development – more hardware and operating systems.</a:t>
+            </a:r>
           </a:p>
           <a:p>
             <a:endParaRPr lang="en-US" dirty="0"/>
@@ -21338,10 +23217,9 @@
           <a:bodyPr/>
           <a:lstStyle/>
           <a:p>
-            <a:fld id="{A18D14DE-E488-4898-9DAD-6800464C8727}" type="slidenum">
+            <a:fld id="{0E1FE140-0363-44EC-BA88-1BC3F722D67C}" type="slidenum">
               <a:rPr lang="en-US" smtClean="0"/>
-              <a:pPr/>
-              <a:t>23</a:t>
+              <a:t>22</a:t>
             </a:fld>
             <a:endParaRPr lang="en-US"/>
           </a:p>
@@ -21350,7 +23228,92 @@
     </p:spTree>
     <p:extLst>
       <p:ext uri="{BB962C8B-B14F-4D97-AF65-F5344CB8AC3E}">
-        <p14:creationId xmlns:p14="http://schemas.microsoft.com/office/powerpoint/2010/main" val="1681566336"/>
+        <p14:creationId xmlns:p14="http://schemas.microsoft.com/office/powerpoint/2010/main" val="3460277670"/>
+      </p:ext>
+    </p:extLst>
+  </p:cSld>
+  <p:clrMapOvr>
+    <a:masterClrMapping/>
+  </p:clrMapOvr>
+</p:notes>
+</file>
+
+<file path=ppt/notesSlides/notesSlide9.xml><?xml version="1.0" encoding="utf-8"?>
+<p:notes xmlns:a="http://schemas.openxmlformats.org/drawingml/2006/main" xmlns:r="http://schemas.openxmlformats.org/officeDocument/2006/relationships" xmlns:p="http://schemas.openxmlformats.org/presentationml/2006/main">
+  <p:cSld>
+    <p:spTree>
+      <p:nvGrpSpPr>
+        <p:cNvPr id="1" name=""/>
+        <p:cNvGrpSpPr/>
+        <p:nvPr/>
+      </p:nvGrpSpPr>
+      <p:grpSpPr>
+        <a:xfrm>
+          <a:off x="0" y="0"/>
+          <a:ext cx="0" cy="0"/>
+          <a:chOff x="0" y="0"/>
+          <a:chExt cx="0" cy="0"/>
+        </a:xfrm>
+      </p:grpSpPr>
+      <p:sp>
+        <p:nvSpPr>
+          <p:cNvPr id="2" name="Slide Image Placeholder 1"/>
+          <p:cNvSpPr>
+            <a:spLocks noGrp="1" noRot="1" noChangeAspect="1"/>
+          </p:cNvSpPr>
+          <p:nvPr>
+            <p:ph type="sldImg"/>
+          </p:nvPr>
+        </p:nvSpPr>
+        <p:spPr/>
+      </p:sp>
+      <p:sp>
+        <p:nvSpPr>
+          <p:cNvPr id="3" name="Notes Placeholder 2"/>
+          <p:cNvSpPr>
+            <a:spLocks noGrp="1"/>
+          </p:cNvSpPr>
+          <p:nvPr>
+            <p:ph type="body" idx="1"/>
+          </p:nvPr>
+        </p:nvSpPr>
+        <p:spPr/>
+        <p:txBody>
+          <a:bodyPr/>
+          <a:lstStyle/>
+          <a:p>
+            <a:endParaRPr lang="en-US" dirty="0"/>
+          </a:p>
+        </p:txBody>
+      </p:sp>
+      <p:sp>
+        <p:nvSpPr>
+          <p:cNvPr id="4" name="Slide Number Placeholder 3"/>
+          <p:cNvSpPr>
+            <a:spLocks noGrp="1"/>
+          </p:cNvSpPr>
+          <p:nvPr>
+            <p:ph type="sldNum" sz="quarter" idx="10"/>
+          </p:nvPr>
+        </p:nvSpPr>
+        <p:spPr/>
+        <p:txBody>
+          <a:bodyPr/>
+          <a:lstStyle/>
+          <a:p>
+            <a:fld id="{A18D14DE-E488-4898-9DAD-6800464C8727}" type="slidenum">
+              <a:rPr lang="en-US" smtClean="0"/>
+              <a:pPr/>
+              <a:t>25</a:t>
+            </a:fld>
+            <a:endParaRPr lang="en-US"/>
+          </a:p>
+        </p:txBody>
+      </p:sp>
+    </p:spTree>
+    <p:extLst>
+      <p:ext uri="{BB962C8B-B14F-4D97-AF65-F5344CB8AC3E}">
+        <p14:creationId xmlns:p14="http://schemas.microsoft.com/office/powerpoint/2010/main" val="4218638067"/>
       </p:ext>
     </p:extLst>
   </p:cSld>
@@ -21548,7 +23511,7 @@
           <a:p>
             <a:fld id="{1215613D-3252-4844-9EBB-A239C472E0C9}" type="datetime1">
               <a:rPr lang="en-US" smtClean="0"/>
-              <a:t>1/5/2014</a:t>
+              <a:t>8/30/2018</a:t>
             </a:fld>
             <a:endParaRPr lang="en-US"/>
           </a:p>
@@ -21771,7 +23734,7 @@
           <a:p>
             <a:fld id="{EE67E444-2EAB-4367-AE51-01F8932F7512}" type="datetime1">
               <a:rPr lang="en-US" smtClean="0"/>
-              <a:t>1/5/2014</a:t>
+              <a:t>8/30/2018</a:t>
             </a:fld>
             <a:endParaRPr lang="en-US"/>
           </a:p>
@@ -21952,7 +23915,7 @@
           <a:p>
             <a:fld id="{3D9088F6-B214-4185-A793-A93BB0B4B3D6}" type="datetime1">
               <a:rPr lang="en-US" smtClean="0"/>
-              <a:t>1/5/2014</a:t>
+              <a:t>8/30/2018</a:t>
             </a:fld>
             <a:endParaRPr lang="en-US"/>
           </a:p>
@@ -22099,7 +24062,7 @@
           <a:p>
             <a:fld id="{71B197D2-53B5-445F-828C-00D209D9BA67}" type="datetime1">
               <a:rPr lang="en-US" smtClean="0"/>
-              <a:t>1/5/2014</a:t>
+              <a:t>8/30/2018</a:t>
             </a:fld>
             <a:endParaRPr lang="en-US" dirty="0"/>
           </a:p>
@@ -22389,7 +24352,7 @@
           <a:p>
             <a:fld id="{85017E78-CA1A-4121-841E-CA6851544881}" type="datetime1">
               <a:rPr lang="en-US" smtClean="0"/>
-              <a:t>1/5/2014</a:t>
+              <a:t>8/30/2018</a:t>
             </a:fld>
             <a:endParaRPr lang="en-US"/>
           </a:p>
@@ -22728,7 +24691,7 @@
           <a:p>
             <a:fld id="{698F40F0-E743-4B7A-82AA-A7DD06AE3A3C}" type="datetime1">
               <a:rPr lang="en-US" smtClean="0"/>
-              <a:t>1/5/2014</a:t>
+              <a:t>8/30/2018</a:t>
             </a:fld>
             <a:endParaRPr lang="en-US" dirty="0"/>
           </a:p>
@@ -23215,7 +25178,7 @@
           <a:p>
             <a:fld id="{995BEDC9-EE54-4A26-9D75-CF6165DB15E6}" type="datetime1">
               <a:rPr lang="en-US" smtClean="0"/>
-              <a:t>1/5/2014</a:t>
+              <a:t>8/30/2018</a:t>
             </a:fld>
             <a:endParaRPr lang="en-US"/>
           </a:p>
@@ -23374,7 +25337,7 @@
           <a:p>
             <a:fld id="{DF4EC4FE-48B2-4241-A480-8A4D882E6430}" type="datetime1">
               <a:rPr lang="en-US" smtClean="0"/>
-              <a:t>1/5/2014</a:t>
+              <a:t>8/30/2018</a:t>
             </a:fld>
             <a:endParaRPr lang="en-US"/>
           </a:p>
@@ -23470,7 +25433,7 @@
           <a:p>
             <a:fld id="{33BE202C-C1FE-412B-8C89-5D312DB092D5}" type="datetime1">
               <a:rPr lang="en-US" smtClean="0"/>
-              <a:t>1/5/2014</a:t>
+              <a:t>8/30/2018</a:t>
             </a:fld>
             <a:endParaRPr lang="en-US"/>
           </a:p>
@@ -23749,7 +25712,7 @@
           <a:p>
             <a:fld id="{7C1C1E86-51E3-47C3-A759-4B0AD34C84C4}" type="datetime1">
               <a:rPr lang="en-US" smtClean="0"/>
-              <a:t>1/5/2014</a:t>
+              <a:t>8/30/2018</a:t>
             </a:fld>
             <a:endParaRPr lang="en-US"/>
           </a:p>
@@ -24059,7 +26022,7 @@
           <a:p>
             <a:fld id="{0E6038C0-0B5F-4006-BB3D-FF8F3DE2140D}" type="datetime1">
               <a:rPr lang="en-US" smtClean="0"/>
-              <a:t>1/5/2014</a:t>
+              <a:t>8/30/2018</a:t>
             </a:fld>
             <a:endParaRPr lang="en-US"/>
           </a:p>
@@ -24362,7 +26325,7 @@
           <a:p>
             <a:fld id="{493D8D8A-31D7-416E-8380-B7D95FA7794E}" type="datetime1">
               <a:rPr lang="en-US" smtClean="0"/>
-              <a:t>1/5/2014</a:t>
+              <a:t>8/30/2018</a:t>
             </a:fld>
             <a:endParaRPr lang="en-US" dirty="0"/>
           </a:p>
@@ -24846,7 +26809,7 @@
           <a:p>
             <a:fld id="{54505AD9-A98F-4691-AC88-29BDE7D722B2}" type="datetime1">
               <a:rPr lang="en-US" smtClean="0"/>
-              <a:t>1/5/2014</a:t>
+              <a:t>8/30/2018</a:t>
             </a:fld>
             <a:endParaRPr lang="en-US" dirty="0"/>
           </a:p>
@@ -25137,7 +27100,7 @@
           <a:p>
             <a:fld id="{137D69F4-D4B9-4577-9884-B77A39ED85FB}" type="datetime1">
               <a:rPr lang="en-US" smtClean="0"/>
-              <a:t>1/5/2014</a:t>
+              <a:t>8/30/2018</a:t>
             </a:fld>
             <a:endParaRPr lang="en-US" dirty="0"/>
           </a:p>
@@ -25375,7 +27338,7 @@
           <a:p>
             <a:fld id="{28971667-1CFC-49F1-98A0-628AEF0B181F}" type="datetime1">
               <a:rPr lang="en-US" smtClean="0"/>
-              <a:t>1/5/2014</a:t>
+              <a:t>8/30/2018</a:t>
             </a:fld>
             <a:endParaRPr lang="en-US" dirty="0"/>
           </a:p>
@@ -25549,7 +27512,7 @@
           <a:p>
             <a:fld id="{E07B397A-B64E-4131-B0A8-1CFBB41697CD}" type="datetime1">
               <a:rPr lang="en-US" smtClean="0"/>
-              <a:t>1/5/2014</a:t>
+              <a:t>8/30/2018</a:t>
             </a:fld>
             <a:endParaRPr lang="en-US" dirty="0"/>
           </a:p>
@@ -25890,7 +27853,7 @@
           <a:p>
             <a:fld id="{873CF574-609B-4FAD-B770-B4D9AB27BBDB}" type="datetime1">
               <a:rPr lang="en-US" smtClean="0"/>
-              <a:t>1/5/2014</a:t>
+              <a:t>8/30/2018</a:t>
             </a:fld>
             <a:endParaRPr lang="en-US" dirty="0"/>
           </a:p>
@@ -26239,7 +28202,7 @@
           <a:p>
             <a:fld id="{3F5887CF-4CE6-4E2F-812D-5F276A19C676}" type="datetime1">
               <a:rPr lang="en-US" smtClean="0"/>
-              <a:t>1/5/2014</a:t>
+              <a:t>8/30/2018</a:t>
             </a:fld>
             <a:endParaRPr lang="en-US" dirty="0"/>
           </a:p>
@@ -26609,7 +28572,7 @@
           <a:p>
             <a:fld id="{D7E04776-058D-45D3-93A7-3AF135B5CFF5}" type="datetime1">
               <a:rPr lang="en-US" smtClean="0"/>
-              <a:t>1/5/2014</a:t>
+              <a:t>8/30/2018</a:t>
             </a:fld>
             <a:endParaRPr lang="en-US" dirty="0"/>
           </a:p>
@@ -27107,7 +29070,7 @@
           <a:p>
             <a:fld id="{9E06B2E6-7868-4698-9B74-B4998DAB643F}" type="datetime1">
               <a:rPr lang="en-US" smtClean="0"/>
-              <a:t>1/5/2014</a:t>
+              <a:t>8/30/2018</a:t>
             </a:fld>
             <a:endParaRPr lang="en-US" dirty="0"/>
           </a:p>
@@ -27461,7 +29424,7 @@
           <a:p>
             <a:fld id="{1B076EF9-577A-4878-A3AC-AAA3EA79B012}" type="datetime1">
               <a:rPr lang="en-US" smtClean="0"/>
-              <a:t>1/5/2014</a:t>
+              <a:t>8/30/2018</a:t>
             </a:fld>
             <a:endParaRPr lang="en-US" dirty="0"/>
           </a:p>
@@ -28213,7 +30176,7 @@
           <a:p>
             <a:fld id="{F2E8E942-992A-44E7-82EE-38C2DA1E3DF3}" type="datetime1">
               <a:rPr lang="en-US" smtClean="0"/>
-              <a:t>1/5/2014</a:t>
+              <a:t>8/30/2018</a:t>
             </a:fld>
             <a:endParaRPr lang="en-US"/>
           </a:p>
@@ -28884,7 +30847,7 @@
           <a:p>
             <a:fld id="{F158A94B-9EDB-49F0-B716-10583B9F335E}" type="datetime1">
               <a:rPr lang="en-US" smtClean="0"/>
-              <a:t>1/5/2014</a:t>
+              <a:t>8/30/2018</a:t>
             </a:fld>
             <a:endParaRPr lang="en-US"/>
           </a:p>
@@ -29085,7 +31048,7 @@
           <a:p>
             <a:fld id="{E389CFA4-7C92-4E93-B1C0-3FA6D62AAC5D}" type="datetime1">
               <a:rPr lang="en-US" smtClean="0"/>
-              <a:t>1/5/2014</a:t>
+              <a:t>8/30/2018</a:t>
             </a:fld>
             <a:endParaRPr lang="en-US" dirty="0"/>
           </a:p>
@@ -29586,7 +31549,7 @@
           <a:p>
             <a:fld id="{DAA1667E-EE83-4759-BAAA-EE92D6AE32EE}" type="datetime1">
               <a:rPr lang="en-US" smtClean="0"/>
-              <a:t>1/5/2014</a:t>
+              <a:t>8/30/2018</a:t>
             </a:fld>
             <a:endParaRPr lang="en-US" dirty="0"/>
           </a:p>
@@ -29653,6 +31616,5524 @@
 </file>
 
 <file path=ppt/slides/slide21.xml><?xml version="1.0" encoding="utf-8"?>
+<p:sld xmlns:a="http://schemas.openxmlformats.org/drawingml/2006/main" xmlns:r="http://schemas.openxmlformats.org/officeDocument/2006/relationships" xmlns:p="http://schemas.openxmlformats.org/presentationml/2006/main">
+  <p:cSld>
+    <p:spTree>
+      <p:nvGrpSpPr>
+        <p:cNvPr id="1" name=""/>
+        <p:cNvGrpSpPr/>
+        <p:nvPr/>
+      </p:nvGrpSpPr>
+      <p:grpSpPr>
+        <a:xfrm>
+          <a:off x="0" y="0"/>
+          <a:ext cx="0" cy="0"/>
+          <a:chOff x="0" y="0"/>
+          <a:chExt cx="0" cy="0"/>
+        </a:xfrm>
+      </p:grpSpPr>
+      <p:sp>
+        <p:nvSpPr>
+          <p:cNvPr id="2" name="Title 1">
+            <a:extLst>
+              <a:ext uri="{FF2B5EF4-FFF2-40B4-BE49-F238E27FC236}">
+                <a16:creationId xmlns:a16="http://schemas.microsoft.com/office/drawing/2014/main" id="{D286A025-141F-4C64-ADD8-6AB2E223E623}"/>
+              </a:ext>
+            </a:extLst>
+          </p:cNvPr>
+          <p:cNvSpPr>
+            <a:spLocks noGrp="1"/>
+          </p:cNvSpPr>
+          <p:nvPr>
+            <p:ph type="title"/>
+          </p:nvPr>
+        </p:nvSpPr>
+        <p:spPr>
+          <a:xfrm>
+            <a:off x="628650" y="1131094"/>
+            <a:ext cx="7886700" cy="994172"/>
+          </a:xfrm>
+        </p:spPr>
+        <p:txBody>
+          <a:bodyPr/>
+          <a:lstStyle/>
+          <a:p>
+            <a:r>
+              <a:rPr lang="en-US" dirty="0"/>
+              <a:t>Monolithic Deployment</a:t>
+            </a:r>
+          </a:p>
+        </p:txBody>
+      </p:sp>
+      <p:sp>
+        <p:nvSpPr>
+          <p:cNvPr id="3" name="Content Placeholder 2">
+            <a:extLst>
+              <a:ext uri="{FF2B5EF4-FFF2-40B4-BE49-F238E27FC236}">
+                <a16:creationId xmlns:a16="http://schemas.microsoft.com/office/drawing/2014/main" id="{5BCE06A4-B27A-41EF-8426-F586E354F459}"/>
+              </a:ext>
+            </a:extLst>
+          </p:cNvPr>
+          <p:cNvSpPr>
+            <a:spLocks noGrp="1"/>
+          </p:cNvSpPr>
+          <p:nvPr>
+            <p:ph sz="half" idx="1"/>
+          </p:nvPr>
+        </p:nvSpPr>
+        <p:spPr>
+          <a:xfrm>
+            <a:off x="628651" y="2226469"/>
+            <a:ext cx="3297614" cy="3263504"/>
+          </a:xfrm>
+        </p:spPr>
+        <p:txBody>
+          <a:bodyPr>
+            <a:normAutofit fontScale="70000" lnSpcReduction="20000"/>
+          </a:bodyPr>
+          <a:lstStyle/>
+          <a:p>
+            <a:r>
+              <a:rPr lang="en-US" dirty="0"/>
+              <a:t>Everything is on one server</a:t>
+            </a:r>
+          </a:p>
+          <a:p>
+            <a:r>
+              <a:rPr lang="en-US" dirty="0"/>
+              <a:t>Inefficient use of hardware</a:t>
+            </a:r>
+          </a:p>
+          <a:p>
+            <a:r>
+              <a:rPr lang="en-US" dirty="0"/>
+              <a:t>The only way to scale is to upgrade the hardware.</a:t>
+            </a:r>
+          </a:p>
+          <a:p>
+            <a:r>
+              <a:rPr lang="en-US" dirty="0"/>
+              <a:t>Easy to administer and secure</a:t>
+            </a:r>
+          </a:p>
+          <a:p>
+            <a:r>
+              <a:rPr lang="en-US" dirty="0"/>
+              <a:t>Need to duplicate the same environment in dev, test and prod which is wasteful.</a:t>
+            </a:r>
+          </a:p>
+        </p:txBody>
+      </p:sp>
+      <p:grpSp>
+        <p:nvGrpSpPr>
+          <p:cNvPr id="17" name="Group 16">
+            <a:extLst>
+              <a:ext uri="{FF2B5EF4-FFF2-40B4-BE49-F238E27FC236}">
+                <a16:creationId xmlns:a16="http://schemas.microsoft.com/office/drawing/2014/main" id="{44139E89-BD5D-4EB2-AC84-C0ABA2190D31}"/>
+              </a:ext>
+            </a:extLst>
+          </p:cNvPr>
+          <p:cNvGrpSpPr/>
+          <p:nvPr/>
+        </p:nvGrpSpPr>
+        <p:grpSpPr>
+          <a:xfrm>
+            <a:off x="5389185" y="1514000"/>
+            <a:ext cx="2910526" cy="2276574"/>
+            <a:chOff x="6096000" y="1310325"/>
+            <a:chExt cx="4289196" cy="3305634"/>
+          </a:xfrm>
+        </p:grpSpPr>
+        <p:grpSp>
+          <p:nvGrpSpPr>
+            <p:cNvPr id="15" name="Group 14">
+              <a:extLst>
+                <a:ext uri="{FF2B5EF4-FFF2-40B4-BE49-F238E27FC236}">
+                  <a16:creationId xmlns:a16="http://schemas.microsoft.com/office/drawing/2014/main" id="{353EC11B-FF81-46C6-8972-A4396999A6CE}"/>
+                </a:ext>
+              </a:extLst>
+            </p:cNvPr>
+            <p:cNvGrpSpPr/>
+            <p:nvPr/>
+          </p:nvGrpSpPr>
+          <p:grpSpPr>
+            <a:xfrm>
+              <a:off x="6096000" y="1734647"/>
+              <a:ext cx="4289196" cy="2881312"/>
+              <a:chOff x="6306532" y="1690688"/>
+              <a:chExt cx="4289196" cy="2881312"/>
+            </a:xfrm>
+          </p:grpSpPr>
+          <p:sp>
+            <p:nvSpPr>
+              <p:cNvPr id="14" name="Rectangle 13">
+                <a:extLst>
+                  <a:ext uri="{FF2B5EF4-FFF2-40B4-BE49-F238E27FC236}">
+                    <a16:creationId xmlns:a16="http://schemas.microsoft.com/office/drawing/2014/main" id="{04B45C61-39D6-4C71-B9CF-85F9DAAF5C63}"/>
+                  </a:ext>
+                </a:extLst>
+              </p:cNvPr>
+              <p:cNvSpPr/>
+              <p:nvPr/>
+            </p:nvSpPr>
+            <p:spPr>
+              <a:xfrm>
+                <a:off x="8834880" y="1690688"/>
+                <a:ext cx="1760848" cy="2881312"/>
+              </a:xfrm>
+              <a:prstGeom prst="rect">
+                <a:avLst/>
+              </a:prstGeom>
+            </p:spPr>
+            <p:style>
+              <a:lnRef idx="2">
+                <a:schemeClr val="accent3">
+                  <a:shade val="50000"/>
+                </a:schemeClr>
+              </a:lnRef>
+              <a:fillRef idx="1">
+                <a:schemeClr val="accent3"/>
+              </a:fillRef>
+              <a:effectRef idx="0">
+                <a:schemeClr val="accent3"/>
+              </a:effectRef>
+              <a:fontRef idx="minor">
+                <a:schemeClr val="lt1"/>
+              </a:fontRef>
+            </p:style>
+            <p:txBody>
+              <a:bodyPr rtlCol="0" anchor="ctr"/>
+              <a:lstStyle/>
+              <a:p>
+                <a:pPr algn="ctr"/>
+                <a:endParaRPr lang="en-US" sz="1350" dirty="0"/>
+              </a:p>
+            </p:txBody>
+          </p:sp>
+          <p:sp>
+            <p:nvSpPr>
+              <p:cNvPr id="13" name="Rectangle 12">
+                <a:extLst>
+                  <a:ext uri="{FF2B5EF4-FFF2-40B4-BE49-F238E27FC236}">
+                    <a16:creationId xmlns:a16="http://schemas.microsoft.com/office/drawing/2014/main" id="{26A9FB36-0977-49F4-BA28-DDDB27141EE8}"/>
+                  </a:ext>
+                </a:extLst>
+              </p:cNvPr>
+              <p:cNvSpPr/>
+              <p:nvPr/>
+            </p:nvSpPr>
+            <p:spPr>
+              <a:xfrm>
+                <a:off x="6306532" y="1690688"/>
+                <a:ext cx="2460396" cy="2881312"/>
+              </a:xfrm>
+              <a:prstGeom prst="rect">
+                <a:avLst/>
+              </a:prstGeom>
+            </p:spPr>
+            <p:style>
+              <a:lnRef idx="2">
+                <a:schemeClr val="accent3">
+                  <a:shade val="50000"/>
+                </a:schemeClr>
+              </a:lnRef>
+              <a:fillRef idx="1">
+                <a:schemeClr val="accent3"/>
+              </a:fillRef>
+              <a:effectRef idx="0">
+                <a:schemeClr val="accent3"/>
+              </a:effectRef>
+              <a:fontRef idx="minor">
+                <a:schemeClr val="lt1"/>
+              </a:fontRef>
+            </p:style>
+            <p:txBody>
+              <a:bodyPr rtlCol="0" anchor="ctr"/>
+              <a:lstStyle/>
+              <a:p>
+                <a:pPr algn="ctr"/>
+                <a:endParaRPr lang="en-US" sz="1350" dirty="0"/>
+              </a:p>
+            </p:txBody>
+          </p:sp>
+          <p:sp>
+            <p:nvSpPr>
+              <p:cNvPr id="5" name="Rectangle 4">
+                <a:extLst>
+                  <a:ext uri="{FF2B5EF4-FFF2-40B4-BE49-F238E27FC236}">
+                    <a16:creationId xmlns:a16="http://schemas.microsoft.com/office/drawing/2014/main" id="{A0B7A1C3-72C1-433A-B811-C126412F2351}"/>
+                  </a:ext>
+                </a:extLst>
+              </p:cNvPr>
+              <p:cNvSpPr/>
+              <p:nvPr/>
+            </p:nvSpPr>
+            <p:spPr>
+              <a:xfrm>
+                <a:off x="6391372" y="3874147"/>
+                <a:ext cx="2290713" cy="596295"/>
+              </a:xfrm>
+              <a:prstGeom prst="rect">
+                <a:avLst/>
+              </a:prstGeom>
+            </p:spPr>
+            <p:style>
+              <a:lnRef idx="2">
+                <a:schemeClr val="accent3">
+                  <a:shade val="50000"/>
+                </a:schemeClr>
+              </a:lnRef>
+              <a:fillRef idx="1">
+                <a:schemeClr val="accent3"/>
+              </a:fillRef>
+              <a:effectRef idx="0">
+                <a:schemeClr val="accent3"/>
+              </a:effectRef>
+              <a:fontRef idx="minor">
+                <a:schemeClr val="lt1"/>
+              </a:fontRef>
+            </p:style>
+            <p:txBody>
+              <a:bodyPr rtlCol="0" anchor="ctr"/>
+              <a:lstStyle/>
+              <a:p>
+                <a:pPr algn="ctr"/>
+                <a:r>
+                  <a:rPr lang="en-US" sz="1350" dirty="0"/>
+                  <a:t>Server (Hardware)</a:t>
+                </a:r>
+              </a:p>
+            </p:txBody>
+          </p:sp>
+          <p:sp>
+            <p:nvSpPr>
+              <p:cNvPr id="6" name="Rectangle 5">
+                <a:extLst>
+                  <a:ext uri="{FF2B5EF4-FFF2-40B4-BE49-F238E27FC236}">
+                    <a16:creationId xmlns:a16="http://schemas.microsoft.com/office/drawing/2014/main" id="{F4F91A8C-FDB0-4929-95B8-B9DC94151F98}"/>
+                  </a:ext>
+                </a:extLst>
+              </p:cNvPr>
+              <p:cNvSpPr/>
+              <p:nvPr/>
+            </p:nvSpPr>
+            <p:spPr>
+              <a:xfrm>
+                <a:off x="6391372" y="3196989"/>
+                <a:ext cx="2290713" cy="596295"/>
+              </a:xfrm>
+              <a:prstGeom prst="rect">
+                <a:avLst/>
+              </a:prstGeom>
+            </p:spPr>
+            <p:style>
+              <a:lnRef idx="2">
+                <a:schemeClr val="accent6">
+                  <a:shade val="50000"/>
+                </a:schemeClr>
+              </a:lnRef>
+              <a:fillRef idx="1">
+                <a:schemeClr val="accent6"/>
+              </a:fillRef>
+              <a:effectRef idx="0">
+                <a:schemeClr val="accent6"/>
+              </a:effectRef>
+              <a:fontRef idx="minor">
+                <a:schemeClr val="lt1"/>
+              </a:fontRef>
+            </p:style>
+            <p:txBody>
+              <a:bodyPr rtlCol="0" anchor="ctr"/>
+              <a:lstStyle/>
+              <a:p>
+                <a:pPr algn="ctr"/>
+                <a:r>
+                  <a:rPr lang="en-US" sz="1350" dirty="0"/>
+                  <a:t>Operating System</a:t>
+                </a:r>
+              </a:p>
+            </p:txBody>
+          </p:sp>
+          <p:sp>
+            <p:nvSpPr>
+              <p:cNvPr id="7" name="Rectangle 6">
+                <a:extLst>
+                  <a:ext uri="{FF2B5EF4-FFF2-40B4-BE49-F238E27FC236}">
+                    <a16:creationId xmlns:a16="http://schemas.microsoft.com/office/drawing/2014/main" id="{BBF735FF-B85C-4E95-BB5A-341B97FDA8D7}"/>
+                  </a:ext>
+                </a:extLst>
+              </p:cNvPr>
+              <p:cNvSpPr/>
+              <p:nvPr/>
+            </p:nvSpPr>
+            <p:spPr>
+              <a:xfrm>
+                <a:off x="6391372" y="2519831"/>
+                <a:ext cx="2290713" cy="596295"/>
+              </a:xfrm>
+              <a:prstGeom prst="rect">
+                <a:avLst/>
+              </a:prstGeom>
+            </p:spPr>
+            <p:style>
+              <a:lnRef idx="2">
+                <a:schemeClr val="accent2">
+                  <a:shade val="50000"/>
+                </a:schemeClr>
+              </a:lnRef>
+              <a:fillRef idx="1">
+                <a:schemeClr val="accent2"/>
+              </a:fillRef>
+              <a:effectRef idx="0">
+                <a:schemeClr val="accent2"/>
+              </a:effectRef>
+              <a:fontRef idx="minor">
+                <a:schemeClr val="lt1"/>
+              </a:fontRef>
+            </p:style>
+            <p:txBody>
+              <a:bodyPr rtlCol="0" anchor="ctr"/>
+              <a:lstStyle/>
+              <a:p>
+                <a:pPr algn="ctr"/>
+                <a:r>
+                  <a:rPr lang="en-US" sz="1350" dirty="0"/>
+                  <a:t>App Dependencies / Libraries</a:t>
+                </a:r>
+              </a:p>
+            </p:txBody>
+          </p:sp>
+          <p:sp>
+            <p:nvSpPr>
+              <p:cNvPr id="8" name="Rectangle 7">
+                <a:extLst>
+                  <a:ext uri="{FF2B5EF4-FFF2-40B4-BE49-F238E27FC236}">
+                    <a16:creationId xmlns:a16="http://schemas.microsoft.com/office/drawing/2014/main" id="{949FE86C-4EC4-48CB-B466-EAE4284C3A9B}"/>
+                  </a:ext>
+                </a:extLst>
+              </p:cNvPr>
+              <p:cNvSpPr/>
+              <p:nvPr/>
+            </p:nvSpPr>
+            <p:spPr>
+              <a:xfrm>
+                <a:off x="6391372" y="1825625"/>
+                <a:ext cx="2290713" cy="596295"/>
+              </a:xfrm>
+              <a:prstGeom prst="rect">
+                <a:avLst/>
+              </a:prstGeom>
+            </p:spPr>
+            <p:style>
+              <a:lnRef idx="2">
+                <a:schemeClr val="accent1">
+                  <a:shade val="50000"/>
+                </a:schemeClr>
+              </a:lnRef>
+              <a:fillRef idx="1">
+                <a:schemeClr val="accent1"/>
+              </a:fillRef>
+              <a:effectRef idx="0">
+                <a:schemeClr val="accent1"/>
+              </a:effectRef>
+              <a:fontRef idx="minor">
+                <a:schemeClr val="lt1"/>
+              </a:fontRef>
+            </p:style>
+            <p:txBody>
+              <a:bodyPr rtlCol="0" anchor="ctr"/>
+              <a:lstStyle/>
+              <a:p>
+                <a:pPr algn="ctr"/>
+                <a:r>
+                  <a:rPr lang="en-US" sz="1350" dirty="0"/>
+                  <a:t>Application</a:t>
+                </a:r>
+              </a:p>
+            </p:txBody>
+          </p:sp>
+          <p:sp>
+            <p:nvSpPr>
+              <p:cNvPr id="9" name="Rectangle 8">
+                <a:extLst>
+                  <a:ext uri="{FF2B5EF4-FFF2-40B4-BE49-F238E27FC236}">
+                    <a16:creationId xmlns:a16="http://schemas.microsoft.com/office/drawing/2014/main" id="{5647C10F-4A2D-4932-8005-1FA5D6B0CD13}"/>
+                  </a:ext>
+                </a:extLst>
+              </p:cNvPr>
+              <p:cNvSpPr/>
+              <p:nvPr/>
+            </p:nvSpPr>
+            <p:spPr>
+              <a:xfrm>
+                <a:off x="8909903" y="3874147"/>
+                <a:ext cx="1582132" cy="596295"/>
+              </a:xfrm>
+              <a:prstGeom prst="rect">
+                <a:avLst/>
+              </a:prstGeom>
+            </p:spPr>
+            <p:style>
+              <a:lnRef idx="2">
+                <a:schemeClr val="accent3">
+                  <a:shade val="50000"/>
+                </a:schemeClr>
+              </a:lnRef>
+              <a:fillRef idx="1">
+                <a:schemeClr val="accent3"/>
+              </a:fillRef>
+              <a:effectRef idx="0">
+                <a:schemeClr val="accent3"/>
+              </a:effectRef>
+              <a:fontRef idx="minor">
+                <a:schemeClr val="lt1"/>
+              </a:fontRef>
+            </p:style>
+            <p:txBody>
+              <a:bodyPr rtlCol="0" anchor="ctr"/>
+              <a:lstStyle/>
+              <a:p>
+                <a:pPr algn="ctr"/>
+                <a:r>
+                  <a:rPr lang="en-US" sz="1350" dirty="0"/>
+                  <a:t>Dell</a:t>
+                </a:r>
+                <a:br>
+                  <a:rPr lang="en-US" sz="1350" dirty="0"/>
+                </a:br>
+                <a:r>
+                  <a:rPr lang="en-US" sz="1350" dirty="0"/>
+                  <a:t>PowerEdge</a:t>
+                </a:r>
+              </a:p>
+            </p:txBody>
+          </p:sp>
+          <p:sp>
+            <p:nvSpPr>
+              <p:cNvPr id="10" name="Rectangle 9">
+                <a:extLst>
+                  <a:ext uri="{FF2B5EF4-FFF2-40B4-BE49-F238E27FC236}">
+                    <a16:creationId xmlns:a16="http://schemas.microsoft.com/office/drawing/2014/main" id="{FD2E1FFB-96AF-4BDA-A22A-AAB3D52AADE0}"/>
+                  </a:ext>
+                </a:extLst>
+              </p:cNvPr>
+              <p:cNvSpPr/>
+              <p:nvPr/>
+            </p:nvSpPr>
+            <p:spPr>
+              <a:xfrm>
+                <a:off x="8909903" y="3196989"/>
+                <a:ext cx="1582132" cy="596295"/>
+              </a:xfrm>
+              <a:prstGeom prst="rect">
+                <a:avLst/>
+              </a:prstGeom>
+            </p:spPr>
+            <p:style>
+              <a:lnRef idx="2">
+                <a:schemeClr val="accent6">
+                  <a:shade val="50000"/>
+                </a:schemeClr>
+              </a:lnRef>
+              <a:fillRef idx="1">
+                <a:schemeClr val="accent6"/>
+              </a:fillRef>
+              <a:effectRef idx="0">
+                <a:schemeClr val="accent6"/>
+              </a:effectRef>
+              <a:fontRef idx="minor">
+                <a:schemeClr val="lt1"/>
+              </a:fontRef>
+            </p:style>
+            <p:txBody>
+              <a:bodyPr rtlCol="0" anchor="ctr"/>
+              <a:lstStyle/>
+              <a:p>
+                <a:pPr algn="ctr"/>
+                <a:r>
+                  <a:rPr lang="en-US" sz="1350" dirty="0"/>
+                  <a:t>Ubuntu</a:t>
+                </a:r>
+                <a:br>
+                  <a:rPr lang="en-US" sz="1350" dirty="0"/>
+                </a:br>
+                <a:r>
+                  <a:rPr lang="en-US" sz="1350" dirty="0"/>
+                  <a:t>Linux</a:t>
+                </a:r>
+              </a:p>
+            </p:txBody>
+          </p:sp>
+          <p:sp>
+            <p:nvSpPr>
+              <p:cNvPr id="11" name="Rectangle 10">
+                <a:extLst>
+                  <a:ext uri="{FF2B5EF4-FFF2-40B4-BE49-F238E27FC236}">
+                    <a16:creationId xmlns:a16="http://schemas.microsoft.com/office/drawing/2014/main" id="{BA8E7B05-3192-4905-A43B-1A406472D2C6}"/>
+                  </a:ext>
+                </a:extLst>
+              </p:cNvPr>
+              <p:cNvSpPr/>
+              <p:nvPr/>
+            </p:nvSpPr>
+            <p:spPr>
+              <a:xfrm>
+                <a:off x="8909903" y="2519831"/>
+                <a:ext cx="1582132" cy="596295"/>
+              </a:xfrm>
+              <a:prstGeom prst="rect">
+                <a:avLst/>
+              </a:prstGeom>
+            </p:spPr>
+            <p:style>
+              <a:lnRef idx="2">
+                <a:schemeClr val="accent2">
+                  <a:shade val="50000"/>
+                </a:schemeClr>
+              </a:lnRef>
+              <a:fillRef idx="1">
+                <a:schemeClr val="accent2"/>
+              </a:fillRef>
+              <a:effectRef idx="0">
+                <a:schemeClr val="accent2"/>
+              </a:effectRef>
+              <a:fontRef idx="minor">
+                <a:schemeClr val="lt1"/>
+              </a:fontRef>
+            </p:style>
+            <p:txBody>
+              <a:bodyPr rtlCol="0" anchor="ctr"/>
+              <a:lstStyle/>
+              <a:p>
+                <a:pPr algn="ctr"/>
+                <a:r>
+                  <a:rPr lang="en-US" sz="1350" dirty="0"/>
+                  <a:t>PHP, MySQL, Nginx, Etc.</a:t>
+                </a:r>
+              </a:p>
+            </p:txBody>
+          </p:sp>
+          <p:sp>
+            <p:nvSpPr>
+              <p:cNvPr id="12" name="Rectangle 11">
+                <a:extLst>
+                  <a:ext uri="{FF2B5EF4-FFF2-40B4-BE49-F238E27FC236}">
+                    <a16:creationId xmlns:a16="http://schemas.microsoft.com/office/drawing/2014/main" id="{DEB2F9A2-33B1-4494-BCEE-5690F0AAF9C9}"/>
+                  </a:ext>
+                </a:extLst>
+              </p:cNvPr>
+              <p:cNvSpPr/>
+              <p:nvPr/>
+            </p:nvSpPr>
+            <p:spPr>
+              <a:xfrm>
+                <a:off x="8909903" y="1825625"/>
+                <a:ext cx="1582132" cy="596295"/>
+              </a:xfrm>
+              <a:prstGeom prst="rect">
+                <a:avLst/>
+              </a:prstGeom>
+            </p:spPr>
+            <p:style>
+              <a:lnRef idx="2">
+                <a:schemeClr val="accent1">
+                  <a:shade val="50000"/>
+                </a:schemeClr>
+              </a:lnRef>
+              <a:fillRef idx="1">
+                <a:schemeClr val="accent1"/>
+              </a:fillRef>
+              <a:effectRef idx="0">
+                <a:schemeClr val="accent1"/>
+              </a:effectRef>
+              <a:fontRef idx="minor">
+                <a:schemeClr val="lt1"/>
+              </a:fontRef>
+            </p:style>
+            <p:txBody>
+              <a:bodyPr rtlCol="0" anchor="ctr"/>
+              <a:lstStyle/>
+              <a:p>
+                <a:pPr algn="ctr"/>
+                <a:r>
+                  <a:rPr lang="en-US" sz="1350" dirty="0"/>
+                  <a:t>WordPress</a:t>
+                </a:r>
+              </a:p>
+            </p:txBody>
+          </p:sp>
+        </p:grpSp>
+        <p:sp>
+          <p:nvSpPr>
+            <p:cNvPr id="16" name="Rectangle 15">
+              <a:extLst>
+                <a:ext uri="{FF2B5EF4-FFF2-40B4-BE49-F238E27FC236}">
+                  <a16:creationId xmlns:a16="http://schemas.microsoft.com/office/drawing/2014/main" id="{97ED3645-58B3-4EF7-9B93-70F2414E8E5A}"/>
+                </a:ext>
+              </a:extLst>
+            </p:cNvPr>
+            <p:cNvSpPr/>
+            <p:nvPr/>
+          </p:nvSpPr>
+          <p:spPr>
+            <a:xfrm>
+              <a:off x="6096000" y="1310325"/>
+              <a:ext cx="4289196" cy="424321"/>
+            </a:xfrm>
+            <a:prstGeom prst="rect">
+              <a:avLst/>
+            </a:prstGeom>
+          </p:spPr>
+          <p:style>
+            <a:lnRef idx="2">
+              <a:schemeClr val="accent3"/>
+            </a:lnRef>
+            <a:fillRef idx="1">
+              <a:schemeClr val="lt1"/>
+            </a:fillRef>
+            <a:effectRef idx="0">
+              <a:schemeClr val="accent3"/>
+            </a:effectRef>
+            <a:fontRef idx="minor">
+              <a:schemeClr val="dk1"/>
+            </a:fontRef>
+          </p:style>
+          <p:txBody>
+            <a:bodyPr rtlCol="0" anchor="ctr"/>
+            <a:lstStyle/>
+            <a:p>
+              <a:pPr algn="ctr"/>
+              <a:r>
+                <a:rPr lang="en-US" sz="1350" dirty="0"/>
+                <a:t>Production</a:t>
+              </a:r>
+            </a:p>
+          </p:txBody>
+        </p:sp>
+      </p:grpSp>
+      <p:grpSp>
+        <p:nvGrpSpPr>
+          <p:cNvPr id="31" name="Group 30">
+            <a:extLst>
+              <a:ext uri="{FF2B5EF4-FFF2-40B4-BE49-F238E27FC236}">
+                <a16:creationId xmlns:a16="http://schemas.microsoft.com/office/drawing/2014/main" id="{D9B042D5-2620-4D7F-99B2-8AB65C21A024}"/>
+              </a:ext>
+            </a:extLst>
+          </p:cNvPr>
+          <p:cNvGrpSpPr/>
+          <p:nvPr/>
+        </p:nvGrpSpPr>
+        <p:grpSpPr>
+          <a:xfrm>
+            <a:off x="6725854" y="4130707"/>
+            <a:ext cx="2245517" cy="1740314"/>
+            <a:chOff x="6096000" y="1310325"/>
+            <a:chExt cx="4289196" cy="3305634"/>
+          </a:xfrm>
+        </p:grpSpPr>
+        <p:grpSp>
+          <p:nvGrpSpPr>
+            <p:cNvPr id="32" name="Group 31">
+              <a:extLst>
+                <a:ext uri="{FF2B5EF4-FFF2-40B4-BE49-F238E27FC236}">
+                  <a16:creationId xmlns:a16="http://schemas.microsoft.com/office/drawing/2014/main" id="{C62E5BEB-CB10-4370-A778-85D64A2EF9A9}"/>
+                </a:ext>
+              </a:extLst>
+            </p:cNvPr>
+            <p:cNvGrpSpPr/>
+            <p:nvPr/>
+          </p:nvGrpSpPr>
+          <p:grpSpPr>
+            <a:xfrm>
+              <a:off x="6096000" y="1734647"/>
+              <a:ext cx="4289196" cy="2881312"/>
+              <a:chOff x="6306532" y="1690688"/>
+              <a:chExt cx="4289196" cy="2881312"/>
+            </a:xfrm>
+          </p:grpSpPr>
+          <p:sp>
+            <p:nvSpPr>
+              <p:cNvPr id="34" name="Rectangle 33">
+                <a:extLst>
+                  <a:ext uri="{FF2B5EF4-FFF2-40B4-BE49-F238E27FC236}">
+                    <a16:creationId xmlns:a16="http://schemas.microsoft.com/office/drawing/2014/main" id="{FD86567C-1112-482D-A87D-45731E6626C0}"/>
+                  </a:ext>
+                </a:extLst>
+              </p:cNvPr>
+              <p:cNvSpPr/>
+              <p:nvPr/>
+            </p:nvSpPr>
+            <p:spPr>
+              <a:xfrm>
+                <a:off x="8834880" y="1690688"/>
+                <a:ext cx="1760848" cy="2881312"/>
+              </a:xfrm>
+              <a:prstGeom prst="rect">
+                <a:avLst/>
+              </a:prstGeom>
+            </p:spPr>
+            <p:style>
+              <a:lnRef idx="2">
+                <a:schemeClr val="accent3">
+                  <a:shade val="50000"/>
+                </a:schemeClr>
+              </a:lnRef>
+              <a:fillRef idx="1">
+                <a:schemeClr val="accent3"/>
+              </a:fillRef>
+              <a:effectRef idx="0">
+                <a:schemeClr val="accent3"/>
+              </a:effectRef>
+              <a:fontRef idx="minor">
+                <a:schemeClr val="lt1"/>
+              </a:fontRef>
+            </p:style>
+            <p:txBody>
+              <a:bodyPr rtlCol="0" anchor="ctr"/>
+              <a:lstStyle/>
+              <a:p>
+                <a:pPr algn="ctr"/>
+                <a:endParaRPr lang="en-US" sz="1050" dirty="0"/>
+              </a:p>
+            </p:txBody>
+          </p:sp>
+          <p:sp>
+            <p:nvSpPr>
+              <p:cNvPr id="35" name="Rectangle 34">
+                <a:extLst>
+                  <a:ext uri="{FF2B5EF4-FFF2-40B4-BE49-F238E27FC236}">
+                    <a16:creationId xmlns:a16="http://schemas.microsoft.com/office/drawing/2014/main" id="{50BBC692-96B7-452D-B967-E833F30DF88F}"/>
+                  </a:ext>
+                </a:extLst>
+              </p:cNvPr>
+              <p:cNvSpPr/>
+              <p:nvPr/>
+            </p:nvSpPr>
+            <p:spPr>
+              <a:xfrm>
+                <a:off x="6306532" y="1690688"/>
+                <a:ext cx="2460396" cy="2881312"/>
+              </a:xfrm>
+              <a:prstGeom prst="rect">
+                <a:avLst/>
+              </a:prstGeom>
+            </p:spPr>
+            <p:style>
+              <a:lnRef idx="2">
+                <a:schemeClr val="accent3">
+                  <a:shade val="50000"/>
+                </a:schemeClr>
+              </a:lnRef>
+              <a:fillRef idx="1">
+                <a:schemeClr val="accent3"/>
+              </a:fillRef>
+              <a:effectRef idx="0">
+                <a:schemeClr val="accent3"/>
+              </a:effectRef>
+              <a:fontRef idx="minor">
+                <a:schemeClr val="lt1"/>
+              </a:fontRef>
+            </p:style>
+            <p:txBody>
+              <a:bodyPr rtlCol="0" anchor="ctr"/>
+              <a:lstStyle/>
+              <a:p>
+                <a:pPr algn="ctr"/>
+                <a:endParaRPr lang="en-US" sz="1050" dirty="0"/>
+              </a:p>
+            </p:txBody>
+          </p:sp>
+          <p:sp>
+            <p:nvSpPr>
+              <p:cNvPr id="36" name="Rectangle 35">
+                <a:extLst>
+                  <a:ext uri="{FF2B5EF4-FFF2-40B4-BE49-F238E27FC236}">
+                    <a16:creationId xmlns:a16="http://schemas.microsoft.com/office/drawing/2014/main" id="{3CF999AE-E2FC-4FCA-8DD1-2787F45AC6F2}"/>
+                  </a:ext>
+                </a:extLst>
+              </p:cNvPr>
+              <p:cNvSpPr/>
+              <p:nvPr/>
+            </p:nvSpPr>
+            <p:spPr>
+              <a:xfrm>
+                <a:off x="6391372" y="3874147"/>
+                <a:ext cx="2290713" cy="596295"/>
+              </a:xfrm>
+              <a:prstGeom prst="rect">
+                <a:avLst/>
+              </a:prstGeom>
+            </p:spPr>
+            <p:style>
+              <a:lnRef idx="2">
+                <a:schemeClr val="accent3">
+                  <a:shade val="50000"/>
+                </a:schemeClr>
+              </a:lnRef>
+              <a:fillRef idx="1">
+                <a:schemeClr val="accent3"/>
+              </a:fillRef>
+              <a:effectRef idx="0">
+                <a:schemeClr val="accent3"/>
+              </a:effectRef>
+              <a:fontRef idx="minor">
+                <a:schemeClr val="lt1"/>
+              </a:fontRef>
+            </p:style>
+            <p:txBody>
+              <a:bodyPr rtlCol="0" anchor="ctr"/>
+              <a:lstStyle/>
+              <a:p>
+                <a:pPr algn="ctr"/>
+                <a:r>
+                  <a:rPr lang="en-US" sz="1050" dirty="0"/>
+                  <a:t>Server (Hardware)</a:t>
+                </a:r>
+              </a:p>
+            </p:txBody>
+          </p:sp>
+          <p:sp>
+            <p:nvSpPr>
+              <p:cNvPr id="37" name="Rectangle 36">
+                <a:extLst>
+                  <a:ext uri="{FF2B5EF4-FFF2-40B4-BE49-F238E27FC236}">
+                    <a16:creationId xmlns:a16="http://schemas.microsoft.com/office/drawing/2014/main" id="{E2FF47E8-60EF-4BB3-84EF-C45FB710247B}"/>
+                  </a:ext>
+                </a:extLst>
+              </p:cNvPr>
+              <p:cNvSpPr/>
+              <p:nvPr/>
+            </p:nvSpPr>
+            <p:spPr>
+              <a:xfrm>
+                <a:off x="6391372" y="3196989"/>
+                <a:ext cx="2290713" cy="596295"/>
+              </a:xfrm>
+              <a:prstGeom prst="rect">
+                <a:avLst/>
+              </a:prstGeom>
+            </p:spPr>
+            <p:style>
+              <a:lnRef idx="2">
+                <a:schemeClr val="accent6">
+                  <a:shade val="50000"/>
+                </a:schemeClr>
+              </a:lnRef>
+              <a:fillRef idx="1">
+                <a:schemeClr val="accent6"/>
+              </a:fillRef>
+              <a:effectRef idx="0">
+                <a:schemeClr val="accent6"/>
+              </a:effectRef>
+              <a:fontRef idx="minor">
+                <a:schemeClr val="lt1"/>
+              </a:fontRef>
+            </p:style>
+            <p:txBody>
+              <a:bodyPr rtlCol="0" anchor="ctr"/>
+              <a:lstStyle/>
+              <a:p>
+                <a:pPr algn="ctr"/>
+                <a:r>
+                  <a:rPr lang="en-US" sz="1050" dirty="0"/>
+                  <a:t>Operating System</a:t>
+                </a:r>
+              </a:p>
+            </p:txBody>
+          </p:sp>
+          <p:sp>
+            <p:nvSpPr>
+              <p:cNvPr id="38" name="Rectangle 37">
+                <a:extLst>
+                  <a:ext uri="{FF2B5EF4-FFF2-40B4-BE49-F238E27FC236}">
+                    <a16:creationId xmlns:a16="http://schemas.microsoft.com/office/drawing/2014/main" id="{8EAD91A0-2B77-4F26-B09D-A4A0EDD37F3C}"/>
+                  </a:ext>
+                </a:extLst>
+              </p:cNvPr>
+              <p:cNvSpPr/>
+              <p:nvPr/>
+            </p:nvSpPr>
+            <p:spPr>
+              <a:xfrm>
+                <a:off x="6391372" y="2519831"/>
+                <a:ext cx="2290713" cy="596295"/>
+              </a:xfrm>
+              <a:prstGeom prst="rect">
+                <a:avLst/>
+              </a:prstGeom>
+            </p:spPr>
+            <p:style>
+              <a:lnRef idx="2">
+                <a:schemeClr val="accent2">
+                  <a:shade val="50000"/>
+                </a:schemeClr>
+              </a:lnRef>
+              <a:fillRef idx="1">
+                <a:schemeClr val="accent2"/>
+              </a:fillRef>
+              <a:effectRef idx="0">
+                <a:schemeClr val="accent2"/>
+              </a:effectRef>
+              <a:fontRef idx="minor">
+                <a:schemeClr val="lt1"/>
+              </a:fontRef>
+            </p:style>
+            <p:txBody>
+              <a:bodyPr rtlCol="0" anchor="ctr"/>
+              <a:lstStyle/>
+              <a:p>
+                <a:pPr algn="ctr"/>
+                <a:r>
+                  <a:rPr lang="en-US" sz="1050" dirty="0"/>
+                  <a:t>App Dependencies / Libraries</a:t>
+                </a:r>
+              </a:p>
+            </p:txBody>
+          </p:sp>
+          <p:sp>
+            <p:nvSpPr>
+              <p:cNvPr id="39" name="Rectangle 38">
+                <a:extLst>
+                  <a:ext uri="{FF2B5EF4-FFF2-40B4-BE49-F238E27FC236}">
+                    <a16:creationId xmlns:a16="http://schemas.microsoft.com/office/drawing/2014/main" id="{680A7514-E266-4247-A6E1-E71F131D8B2A}"/>
+                  </a:ext>
+                </a:extLst>
+              </p:cNvPr>
+              <p:cNvSpPr/>
+              <p:nvPr/>
+            </p:nvSpPr>
+            <p:spPr>
+              <a:xfrm>
+                <a:off x="6391372" y="1825625"/>
+                <a:ext cx="2290713" cy="596295"/>
+              </a:xfrm>
+              <a:prstGeom prst="rect">
+                <a:avLst/>
+              </a:prstGeom>
+            </p:spPr>
+            <p:style>
+              <a:lnRef idx="2">
+                <a:schemeClr val="accent1">
+                  <a:shade val="50000"/>
+                </a:schemeClr>
+              </a:lnRef>
+              <a:fillRef idx="1">
+                <a:schemeClr val="accent1"/>
+              </a:fillRef>
+              <a:effectRef idx="0">
+                <a:schemeClr val="accent1"/>
+              </a:effectRef>
+              <a:fontRef idx="minor">
+                <a:schemeClr val="lt1"/>
+              </a:fontRef>
+            </p:style>
+            <p:txBody>
+              <a:bodyPr rtlCol="0" anchor="ctr"/>
+              <a:lstStyle/>
+              <a:p>
+                <a:pPr algn="ctr"/>
+                <a:r>
+                  <a:rPr lang="en-US" sz="1050" dirty="0"/>
+                  <a:t>Application</a:t>
+                </a:r>
+              </a:p>
+            </p:txBody>
+          </p:sp>
+          <p:sp>
+            <p:nvSpPr>
+              <p:cNvPr id="40" name="Rectangle 39">
+                <a:extLst>
+                  <a:ext uri="{FF2B5EF4-FFF2-40B4-BE49-F238E27FC236}">
+                    <a16:creationId xmlns:a16="http://schemas.microsoft.com/office/drawing/2014/main" id="{7E1EC1BC-A7C0-493C-BB96-7A457991FAC9}"/>
+                  </a:ext>
+                </a:extLst>
+              </p:cNvPr>
+              <p:cNvSpPr/>
+              <p:nvPr/>
+            </p:nvSpPr>
+            <p:spPr>
+              <a:xfrm>
+                <a:off x="8909903" y="3874147"/>
+                <a:ext cx="1582132" cy="596295"/>
+              </a:xfrm>
+              <a:prstGeom prst="rect">
+                <a:avLst/>
+              </a:prstGeom>
+            </p:spPr>
+            <p:style>
+              <a:lnRef idx="2">
+                <a:schemeClr val="accent3">
+                  <a:shade val="50000"/>
+                </a:schemeClr>
+              </a:lnRef>
+              <a:fillRef idx="1">
+                <a:schemeClr val="accent3"/>
+              </a:fillRef>
+              <a:effectRef idx="0">
+                <a:schemeClr val="accent3"/>
+              </a:effectRef>
+              <a:fontRef idx="minor">
+                <a:schemeClr val="lt1"/>
+              </a:fontRef>
+            </p:style>
+            <p:txBody>
+              <a:bodyPr rtlCol="0" anchor="ctr"/>
+              <a:lstStyle/>
+              <a:p>
+                <a:pPr algn="ctr"/>
+                <a:r>
+                  <a:rPr lang="en-US" sz="1050" dirty="0"/>
+                  <a:t>Dell</a:t>
+                </a:r>
+                <a:br>
+                  <a:rPr lang="en-US" sz="1050" dirty="0"/>
+                </a:br>
+                <a:r>
+                  <a:rPr lang="en-US" sz="1050" dirty="0"/>
+                  <a:t>PowerEdge</a:t>
+                </a:r>
+              </a:p>
+            </p:txBody>
+          </p:sp>
+          <p:sp>
+            <p:nvSpPr>
+              <p:cNvPr id="41" name="Rectangle 40">
+                <a:extLst>
+                  <a:ext uri="{FF2B5EF4-FFF2-40B4-BE49-F238E27FC236}">
+                    <a16:creationId xmlns:a16="http://schemas.microsoft.com/office/drawing/2014/main" id="{CED43DF5-BFF5-4C40-8391-498FB863B77D}"/>
+                  </a:ext>
+                </a:extLst>
+              </p:cNvPr>
+              <p:cNvSpPr/>
+              <p:nvPr/>
+            </p:nvSpPr>
+            <p:spPr>
+              <a:xfrm>
+                <a:off x="8909903" y="3196989"/>
+                <a:ext cx="1582132" cy="596295"/>
+              </a:xfrm>
+              <a:prstGeom prst="rect">
+                <a:avLst/>
+              </a:prstGeom>
+            </p:spPr>
+            <p:style>
+              <a:lnRef idx="2">
+                <a:schemeClr val="accent6">
+                  <a:shade val="50000"/>
+                </a:schemeClr>
+              </a:lnRef>
+              <a:fillRef idx="1">
+                <a:schemeClr val="accent6"/>
+              </a:fillRef>
+              <a:effectRef idx="0">
+                <a:schemeClr val="accent6"/>
+              </a:effectRef>
+              <a:fontRef idx="minor">
+                <a:schemeClr val="lt1"/>
+              </a:fontRef>
+            </p:style>
+            <p:txBody>
+              <a:bodyPr rtlCol="0" anchor="ctr"/>
+              <a:lstStyle/>
+              <a:p>
+                <a:pPr algn="ctr"/>
+                <a:r>
+                  <a:rPr lang="en-US" sz="1050" dirty="0"/>
+                  <a:t>Ubuntu</a:t>
+                </a:r>
+                <a:br>
+                  <a:rPr lang="en-US" sz="1050" dirty="0"/>
+                </a:br>
+                <a:r>
+                  <a:rPr lang="en-US" sz="1050" dirty="0"/>
+                  <a:t>Linux</a:t>
+                </a:r>
+              </a:p>
+            </p:txBody>
+          </p:sp>
+          <p:sp>
+            <p:nvSpPr>
+              <p:cNvPr id="42" name="Rectangle 41">
+                <a:extLst>
+                  <a:ext uri="{FF2B5EF4-FFF2-40B4-BE49-F238E27FC236}">
+                    <a16:creationId xmlns:a16="http://schemas.microsoft.com/office/drawing/2014/main" id="{AC33B0F8-9790-49B9-AA7A-18E02A34BEBF}"/>
+                  </a:ext>
+                </a:extLst>
+              </p:cNvPr>
+              <p:cNvSpPr/>
+              <p:nvPr/>
+            </p:nvSpPr>
+            <p:spPr>
+              <a:xfrm>
+                <a:off x="8909903" y="2519831"/>
+                <a:ext cx="1582132" cy="596295"/>
+              </a:xfrm>
+              <a:prstGeom prst="rect">
+                <a:avLst/>
+              </a:prstGeom>
+            </p:spPr>
+            <p:style>
+              <a:lnRef idx="2">
+                <a:schemeClr val="accent2">
+                  <a:shade val="50000"/>
+                </a:schemeClr>
+              </a:lnRef>
+              <a:fillRef idx="1">
+                <a:schemeClr val="accent2"/>
+              </a:fillRef>
+              <a:effectRef idx="0">
+                <a:schemeClr val="accent2"/>
+              </a:effectRef>
+              <a:fontRef idx="minor">
+                <a:schemeClr val="lt1"/>
+              </a:fontRef>
+            </p:style>
+            <p:txBody>
+              <a:bodyPr rtlCol="0" anchor="ctr"/>
+              <a:lstStyle/>
+              <a:p>
+                <a:pPr algn="ctr"/>
+                <a:r>
+                  <a:rPr lang="en-US" sz="1050" dirty="0"/>
+                  <a:t>PHP, MySQL, Nginx, Etc.</a:t>
+                </a:r>
+              </a:p>
+            </p:txBody>
+          </p:sp>
+          <p:sp>
+            <p:nvSpPr>
+              <p:cNvPr id="43" name="Rectangle 42">
+                <a:extLst>
+                  <a:ext uri="{FF2B5EF4-FFF2-40B4-BE49-F238E27FC236}">
+                    <a16:creationId xmlns:a16="http://schemas.microsoft.com/office/drawing/2014/main" id="{BECE37B7-30A7-4318-96FD-6D3509FEE813}"/>
+                  </a:ext>
+                </a:extLst>
+              </p:cNvPr>
+              <p:cNvSpPr/>
+              <p:nvPr/>
+            </p:nvSpPr>
+            <p:spPr>
+              <a:xfrm>
+                <a:off x="8909903" y="1825625"/>
+                <a:ext cx="1582132" cy="596295"/>
+              </a:xfrm>
+              <a:prstGeom prst="rect">
+                <a:avLst/>
+              </a:prstGeom>
+            </p:spPr>
+            <p:style>
+              <a:lnRef idx="2">
+                <a:schemeClr val="accent1">
+                  <a:shade val="50000"/>
+                </a:schemeClr>
+              </a:lnRef>
+              <a:fillRef idx="1">
+                <a:schemeClr val="accent1"/>
+              </a:fillRef>
+              <a:effectRef idx="0">
+                <a:schemeClr val="accent1"/>
+              </a:effectRef>
+              <a:fontRef idx="minor">
+                <a:schemeClr val="lt1"/>
+              </a:fontRef>
+            </p:style>
+            <p:txBody>
+              <a:bodyPr rtlCol="0" anchor="ctr"/>
+              <a:lstStyle/>
+              <a:p>
+                <a:pPr algn="ctr"/>
+                <a:r>
+                  <a:rPr lang="en-US" sz="1050" dirty="0"/>
+                  <a:t>WordPress</a:t>
+                </a:r>
+              </a:p>
+            </p:txBody>
+          </p:sp>
+        </p:grpSp>
+        <p:sp>
+          <p:nvSpPr>
+            <p:cNvPr id="33" name="Rectangle 32">
+              <a:extLst>
+                <a:ext uri="{FF2B5EF4-FFF2-40B4-BE49-F238E27FC236}">
+                  <a16:creationId xmlns:a16="http://schemas.microsoft.com/office/drawing/2014/main" id="{C2318F88-FAFA-4CB0-BFB4-8EF8901EE404}"/>
+                </a:ext>
+              </a:extLst>
+            </p:cNvPr>
+            <p:cNvSpPr/>
+            <p:nvPr/>
+          </p:nvSpPr>
+          <p:spPr>
+            <a:xfrm>
+              <a:off x="6096000" y="1310325"/>
+              <a:ext cx="4289196" cy="424321"/>
+            </a:xfrm>
+            <a:prstGeom prst="rect">
+              <a:avLst/>
+            </a:prstGeom>
+          </p:spPr>
+          <p:style>
+            <a:lnRef idx="2">
+              <a:schemeClr val="accent3"/>
+            </a:lnRef>
+            <a:fillRef idx="1">
+              <a:schemeClr val="lt1"/>
+            </a:fillRef>
+            <a:effectRef idx="0">
+              <a:schemeClr val="accent3"/>
+            </a:effectRef>
+            <a:fontRef idx="minor">
+              <a:schemeClr val="dk1"/>
+            </a:fontRef>
+          </p:style>
+          <p:txBody>
+            <a:bodyPr rtlCol="0" anchor="ctr"/>
+            <a:lstStyle/>
+            <a:p>
+              <a:pPr algn="ctr"/>
+              <a:r>
+                <a:rPr lang="en-US" sz="1050" dirty="0"/>
+                <a:t>Development</a:t>
+              </a:r>
+            </a:p>
+          </p:txBody>
+        </p:sp>
+      </p:grpSp>
+      <p:grpSp>
+        <p:nvGrpSpPr>
+          <p:cNvPr id="44" name="Group 43">
+            <a:extLst>
+              <a:ext uri="{FF2B5EF4-FFF2-40B4-BE49-F238E27FC236}">
+                <a16:creationId xmlns:a16="http://schemas.microsoft.com/office/drawing/2014/main" id="{CDA8C17E-0EEA-4759-A254-8A441A8AACAF}"/>
+              </a:ext>
+            </a:extLst>
+          </p:cNvPr>
+          <p:cNvGrpSpPr/>
+          <p:nvPr/>
+        </p:nvGrpSpPr>
+        <p:grpSpPr>
+          <a:xfrm>
+            <a:off x="4323997" y="4130707"/>
+            <a:ext cx="2245517" cy="1740314"/>
+            <a:chOff x="6096000" y="1310325"/>
+            <a:chExt cx="4289196" cy="3305634"/>
+          </a:xfrm>
+        </p:grpSpPr>
+        <p:grpSp>
+          <p:nvGrpSpPr>
+            <p:cNvPr id="45" name="Group 44">
+              <a:extLst>
+                <a:ext uri="{FF2B5EF4-FFF2-40B4-BE49-F238E27FC236}">
+                  <a16:creationId xmlns:a16="http://schemas.microsoft.com/office/drawing/2014/main" id="{BA224522-C4D3-45CD-BC9B-9CABB45B9DA9}"/>
+                </a:ext>
+              </a:extLst>
+            </p:cNvPr>
+            <p:cNvGrpSpPr/>
+            <p:nvPr/>
+          </p:nvGrpSpPr>
+          <p:grpSpPr>
+            <a:xfrm>
+              <a:off x="6096000" y="1734647"/>
+              <a:ext cx="4289196" cy="2881312"/>
+              <a:chOff x="6306532" y="1690688"/>
+              <a:chExt cx="4289196" cy="2881312"/>
+            </a:xfrm>
+          </p:grpSpPr>
+          <p:sp>
+            <p:nvSpPr>
+              <p:cNvPr id="47" name="Rectangle 46">
+                <a:extLst>
+                  <a:ext uri="{FF2B5EF4-FFF2-40B4-BE49-F238E27FC236}">
+                    <a16:creationId xmlns:a16="http://schemas.microsoft.com/office/drawing/2014/main" id="{FB1E51BF-06AA-42FC-9CAC-91C3CDB0B9B6}"/>
+                  </a:ext>
+                </a:extLst>
+              </p:cNvPr>
+              <p:cNvSpPr/>
+              <p:nvPr/>
+            </p:nvSpPr>
+            <p:spPr>
+              <a:xfrm>
+                <a:off x="8834880" y="1690688"/>
+                <a:ext cx="1760848" cy="2881312"/>
+              </a:xfrm>
+              <a:prstGeom prst="rect">
+                <a:avLst/>
+              </a:prstGeom>
+            </p:spPr>
+            <p:style>
+              <a:lnRef idx="2">
+                <a:schemeClr val="accent3">
+                  <a:shade val="50000"/>
+                </a:schemeClr>
+              </a:lnRef>
+              <a:fillRef idx="1">
+                <a:schemeClr val="accent3"/>
+              </a:fillRef>
+              <a:effectRef idx="0">
+                <a:schemeClr val="accent3"/>
+              </a:effectRef>
+              <a:fontRef idx="minor">
+                <a:schemeClr val="lt1"/>
+              </a:fontRef>
+            </p:style>
+            <p:txBody>
+              <a:bodyPr rtlCol="0" anchor="ctr"/>
+              <a:lstStyle/>
+              <a:p>
+                <a:pPr algn="ctr"/>
+                <a:endParaRPr lang="en-US" sz="1050" dirty="0"/>
+              </a:p>
+            </p:txBody>
+          </p:sp>
+          <p:sp>
+            <p:nvSpPr>
+              <p:cNvPr id="48" name="Rectangle 47">
+                <a:extLst>
+                  <a:ext uri="{FF2B5EF4-FFF2-40B4-BE49-F238E27FC236}">
+                    <a16:creationId xmlns:a16="http://schemas.microsoft.com/office/drawing/2014/main" id="{52E36818-E3AD-45CF-B197-A77FDF8BD33B}"/>
+                  </a:ext>
+                </a:extLst>
+              </p:cNvPr>
+              <p:cNvSpPr/>
+              <p:nvPr/>
+            </p:nvSpPr>
+            <p:spPr>
+              <a:xfrm>
+                <a:off x="6306532" y="1690688"/>
+                <a:ext cx="2460396" cy="2881312"/>
+              </a:xfrm>
+              <a:prstGeom prst="rect">
+                <a:avLst/>
+              </a:prstGeom>
+            </p:spPr>
+            <p:style>
+              <a:lnRef idx="2">
+                <a:schemeClr val="accent3">
+                  <a:shade val="50000"/>
+                </a:schemeClr>
+              </a:lnRef>
+              <a:fillRef idx="1">
+                <a:schemeClr val="accent3"/>
+              </a:fillRef>
+              <a:effectRef idx="0">
+                <a:schemeClr val="accent3"/>
+              </a:effectRef>
+              <a:fontRef idx="minor">
+                <a:schemeClr val="lt1"/>
+              </a:fontRef>
+            </p:style>
+            <p:txBody>
+              <a:bodyPr rtlCol="0" anchor="ctr"/>
+              <a:lstStyle/>
+              <a:p>
+                <a:pPr algn="ctr"/>
+                <a:endParaRPr lang="en-US" sz="1050" dirty="0"/>
+              </a:p>
+            </p:txBody>
+          </p:sp>
+          <p:sp>
+            <p:nvSpPr>
+              <p:cNvPr id="49" name="Rectangle 48">
+                <a:extLst>
+                  <a:ext uri="{FF2B5EF4-FFF2-40B4-BE49-F238E27FC236}">
+                    <a16:creationId xmlns:a16="http://schemas.microsoft.com/office/drawing/2014/main" id="{A98546E2-A188-44A4-827E-C308F54E9095}"/>
+                  </a:ext>
+                </a:extLst>
+              </p:cNvPr>
+              <p:cNvSpPr/>
+              <p:nvPr/>
+            </p:nvSpPr>
+            <p:spPr>
+              <a:xfrm>
+                <a:off x="6391372" y="3874147"/>
+                <a:ext cx="2290713" cy="596295"/>
+              </a:xfrm>
+              <a:prstGeom prst="rect">
+                <a:avLst/>
+              </a:prstGeom>
+            </p:spPr>
+            <p:style>
+              <a:lnRef idx="2">
+                <a:schemeClr val="accent3">
+                  <a:shade val="50000"/>
+                </a:schemeClr>
+              </a:lnRef>
+              <a:fillRef idx="1">
+                <a:schemeClr val="accent3"/>
+              </a:fillRef>
+              <a:effectRef idx="0">
+                <a:schemeClr val="accent3"/>
+              </a:effectRef>
+              <a:fontRef idx="minor">
+                <a:schemeClr val="lt1"/>
+              </a:fontRef>
+            </p:style>
+            <p:txBody>
+              <a:bodyPr rtlCol="0" anchor="ctr"/>
+              <a:lstStyle/>
+              <a:p>
+                <a:pPr algn="ctr"/>
+                <a:r>
+                  <a:rPr lang="en-US" sz="1050" dirty="0"/>
+                  <a:t>Server (Hardware)</a:t>
+                </a:r>
+              </a:p>
+            </p:txBody>
+          </p:sp>
+          <p:sp>
+            <p:nvSpPr>
+              <p:cNvPr id="50" name="Rectangle 49">
+                <a:extLst>
+                  <a:ext uri="{FF2B5EF4-FFF2-40B4-BE49-F238E27FC236}">
+                    <a16:creationId xmlns:a16="http://schemas.microsoft.com/office/drawing/2014/main" id="{5BF54332-21CC-4600-9BB7-F3395D5C0DA3}"/>
+                  </a:ext>
+                </a:extLst>
+              </p:cNvPr>
+              <p:cNvSpPr/>
+              <p:nvPr/>
+            </p:nvSpPr>
+            <p:spPr>
+              <a:xfrm>
+                <a:off x="6391372" y="3196989"/>
+                <a:ext cx="2290713" cy="596295"/>
+              </a:xfrm>
+              <a:prstGeom prst="rect">
+                <a:avLst/>
+              </a:prstGeom>
+            </p:spPr>
+            <p:style>
+              <a:lnRef idx="2">
+                <a:schemeClr val="accent6">
+                  <a:shade val="50000"/>
+                </a:schemeClr>
+              </a:lnRef>
+              <a:fillRef idx="1">
+                <a:schemeClr val="accent6"/>
+              </a:fillRef>
+              <a:effectRef idx="0">
+                <a:schemeClr val="accent6"/>
+              </a:effectRef>
+              <a:fontRef idx="minor">
+                <a:schemeClr val="lt1"/>
+              </a:fontRef>
+            </p:style>
+            <p:txBody>
+              <a:bodyPr rtlCol="0" anchor="ctr"/>
+              <a:lstStyle/>
+              <a:p>
+                <a:pPr algn="ctr"/>
+                <a:r>
+                  <a:rPr lang="en-US" sz="1050" dirty="0"/>
+                  <a:t>Operating System</a:t>
+                </a:r>
+              </a:p>
+            </p:txBody>
+          </p:sp>
+          <p:sp>
+            <p:nvSpPr>
+              <p:cNvPr id="51" name="Rectangle 50">
+                <a:extLst>
+                  <a:ext uri="{FF2B5EF4-FFF2-40B4-BE49-F238E27FC236}">
+                    <a16:creationId xmlns:a16="http://schemas.microsoft.com/office/drawing/2014/main" id="{0F937D22-22EE-4DD2-9379-99C6B66395BF}"/>
+                  </a:ext>
+                </a:extLst>
+              </p:cNvPr>
+              <p:cNvSpPr/>
+              <p:nvPr/>
+            </p:nvSpPr>
+            <p:spPr>
+              <a:xfrm>
+                <a:off x="6391372" y="2519831"/>
+                <a:ext cx="2290713" cy="596295"/>
+              </a:xfrm>
+              <a:prstGeom prst="rect">
+                <a:avLst/>
+              </a:prstGeom>
+            </p:spPr>
+            <p:style>
+              <a:lnRef idx="2">
+                <a:schemeClr val="accent2">
+                  <a:shade val="50000"/>
+                </a:schemeClr>
+              </a:lnRef>
+              <a:fillRef idx="1">
+                <a:schemeClr val="accent2"/>
+              </a:fillRef>
+              <a:effectRef idx="0">
+                <a:schemeClr val="accent2"/>
+              </a:effectRef>
+              <a:fontRef idx="minor">
+                <a:schemeClr val="lt1"/>
+              </a:fontRef>
+            </p:style>
+            <p:txBody>
+              <a:bodyPr rtlCol="0" anchor="ctr"/>
+              <a:lstStyle/>
+              <a:p>
+                <a:pPr algn="ctr"/>
+                <a:r>
+                  <a:rPr lang="en-US" sz="1050" dirty="0"/>
+                  <a:t>App Dependencies / Libraries</a:t>
+                </a:r>
+              </a:p>
+            </p:txBody>
+          </p:sp>
+          <p:sp>
+            <p:nvSpPr>
+              <p:cNvPr id="52" name="Rectangle 51">
+                <a:extLst>
+                  <a:ext uri="{FF2B5EF4-FFF2-40B4-BE49-F238E27FC236}">
+                    <a16:creationId xmlns:a16="http://schemas.microsoft.com/office/drawing/2014/main" id="{6FDF739D-DB68-453D-9A8F-95FF9F3D8F7A}"/>
+                  </a:ext>
+                </a:extLst>
+              </p:cNvPr>
+              <p:cNvSpPr/>
+              <p:nvPr/>
+            </p:nvSpPr>
+            <p:spPr>
+              <a:xfrm>
+                <a:off x="6391372" y="1825625"/>
+                <a:ext cx="2290713" cy="596295"/>
+              </a:xfrm>
+              <a:prstGeom prst="rect">
+                <a:avLst/>
+              </a:prstGeom>
+            </p:spPr>
+            <p:style>
+              <a:lnRef idx="2">
+                <a:schemeClr val="accent1">
+                  <a:shade val="50000"/>
+                </a:schemeClr>
+              </a:lnRef>
+              <a:fillRef idx="1">
+                <a:schemeClr val="accent1"/>
+              </a:fillRef>
+              <a:effectRef idx="0">
+                <a:schemeClr val="accent1"/>
+              </a:effectRef>
+              <a:fontRef idx="minor">
+                <a:schemeClr val="lt1"/>
+              </a:fontRef>
+            </p:style>
+            <p:txBody>
+              <a:bodyPr rtlCol="0" anchor="ctr"/>
+              <a:lstStyle/>
+              <a:p>
+                <a:pPr algn="ctr"/>
+                <a:r>
+                  <a:rPr lang="en-US" sz="1050" dirty="0"/>
+                  <a:t>Application</a:t>
+                </a:r>
+              </a:p>
+            </p:txBody>
+          </p:sp>
+          <p:sp>
+            <p:nvSpPr>
+              <p:cNvPr id="53" name="Rectangle 52">
+                <a:extLst>
+                  <a:ext uri="{FF2B5EF4-FFF2-40B4-BE49-F238E27FC236}">
+                    <a16:creationId xmlns:a16="http://schemas.microsoft.com/office/drawing/2014/main" id="{11FAC885-3349-404B-B5E4-494995393E5F}"/>
+                  </a:ext>
+                </a:extLst>
+              </p:cNvPr>
+              <p:cNvSpPr/>
+              <p:nvPr/>
+            </p:nvSpPr>
+            <p:spPr>
+              <a:xfrm>
+                <a:off x="8909903" y="3874147"/>
+                <a:ext cx="1582132" cy="596295"/>
+              </a:xfrm>
+              <a:prstGeom prst="rect">
+                <a:avLst/>
+              </a:prstGeom>
+            </p:spPr>
+            <p:style>
+              <a:lnRef idx="2">
+                <a:schemeClr val="accent3">
+                  <a:shade val="50000"/>
+                </a:schemeClr>
+              </a:lnRef>
+              <a:fillRef idx="1">
+                <a:schemeClr val="accent3"/>
+              </a:fillRef>
+              <a:effectRef idx="0">
+                <a:schemeClr val="accent3"/>
+              </a:effectRef>
+              <a:fontRef idx="minor">
+                <a:schemeClr val="lt1"/>
+              </a:fontRef>
+            </p:style>
+            <p:txBody>
+              <a:bodyPr rtlCol="0" anchor="ctr"/>
+              <a:lstStyle/>
+              <a:p>
+                <a:pPr algn="ctr"/>
+                <a:r>
+                  <a:rPr lang="en-US" sz="1050" dirty="0"/>
+                  <a:t>Dell</a:t>
+                </a:r>
+                <a:br>
+                  <a:rPr lang="en-US" sz="1050" dirty="0"/>
+                </a:br>
+                <a:r>
+                  <a:rPr lang="en-US" sz="1050" dirty="0"/>
+                  <a:t>PowerEdge</a:t>
+                </a:r>
+              </a:p>
+            </p:txBody>
+          </p:sp>
+          <p:sp>
+            <p:nvSpPr>
+              <p:cNvPr id="54" name="Rectangle 53">
+                <a:extLst>
+                  <a:ext uri="{FF2B5EF4-FFF2-40B4-BE49-F238E27FC236}">
+                    <a16:creationId xmlns:a16="http://schemas.microsoft.com/office/drawing/2014/main" id="{1204E6C6-830F-40A5-902B-9665DDDDFEEE}"/>
+                  </a:ext>
+                </a:extLst>
+              </p:cNvPr>
+              <p:cNvSpPr/>
+              <p:nvPr/>
+            </p:nvSpPr>
+            <p:spPr>
+              <a:xfrm>
+                <a:off x="8909903" y="3196989"/>
+                <a:ext cx="1582132" cy="596295"/>
+              </a:xfrm>
+              <a:prstGeom prst="rect">
+                <a:avLst/>
+              </a:prstGeom>
+            </p:spPr>
+            <p:style>
+              <a:lnRef idx="2">
+                <a:schemeClr val="accent6">
+                  <a:shade val="50000"/>
+                </a:schemeClr>
+              </a:lnRef>
+              <a:fillRef idx="1">
+                <a:schemeClr val="accent6"/>
+              </a:fillRef>
+              <a:effectRef idx="0">
+                <a:schemeClr val="accent6"/>
+              </a:effectRef>
+              <a:fontRef idx="minor">
+                <a:schemeClr val="lt1"/>
+              </a:fontRef>
+            </p:style>
+            <p:txBody>
+              <a:bodyPr rtlCol="0" anchor="ctr"/>
+              <a:lstStyle/>
+              <a:p>
+                <a:pPr algn="ctr"/>
+                <a:r>
+                  <a:rPr lang="en-US" sz="1050" dirty="0"/>
+                  <a:t>Ubuntu</a:t>
+                </a:r>
+                <a:br>
+                  <a:rPr lang="en-US" sz="1050" dirty="0"/>
+                </a:br>
+                <a:r>
+                  <a:rPr lang="en-US" sz="1050" dirty="0"/>
+                  <a:t>Linux</a:t>
+                </a:r>
+              </a:p>
+            </p:txBody>
+          </p:sp>
+          <p:sp>
+            <p:nvSpPr>
+              <p:cNvPr id="55" name="Rectangle 54">
+                <a:extLst>
+                  <a:ext uri="{FF2B5EF4-FFF2-40B4-BE49-F238E27FC236}">
+                    <a16:creationId xmlns:a16="http://schemas.microsoft.com/office/drawing/2014/main" id="{E92291E7-2ABE-4106-A5EE-84922A8B5E40}"/>
+                  </a:ext>
+                </a:extLst>
+              </p:cNvPr>
+              <p:cNvSpPr/>
+              <p:nvPr/>
+            </p:nvSpPr>
+            <p:spPr>
+              <a:xfrm>
+                <a:off x="8909903" y="2519831"/>
+                <a:ext cx="1582132" cy="596295"/>
+              </a:xfrm>
+              <a:prstGeom prst="rect">
+                <a:avLst/>
+              </a:prstGeom>
+            </p:spPr>
+            <p:style>
+              <a:lnRef idx="2">
+                <a:schemeClr val="accent2">
+                  <a:shade val="50000"/>
+                </a:schemeClr>
+              </a:lnRef>
+              <a:fillRef idx="1">
+                <a:schemeClr val="accent2"/>
+              </a:fillRef>
+              <a:effectRef idx="0">
+                <a:schemeClr val="accent2"/>
+              </a:effectRef>
+              <a:fontRef idx="minor">
+                <a:schemeClr val="lt1"/>
+              </a:fontRef>
+            </p:style>
+            <p:txBody>
+              <a:bodyPr rtlCol="0" anchor="ctr"/>
+              <a:lstStyle/>
+              <a:p>
+                <a:pPr algn="ctr"/>
+                <a:r>
+                  <a:rPr lang="en-US" sz="1050" dirty="0"/>
+                  <a:t>PHP, MySQL, Nginx, Etc.</a:t>
+                </a:r>
+              </a:p>
+            </p:txBody>
+          </p:sp>
+          <p:sp>
+            <p:nvSpPr>
+              <p:cNvPr id="56" name="Rectangle 55">
+                <a:extLst>
+                  <a:ext uri="{FF2B5EF4-FFF2-40B4-BE49-F238E27FC236}">
+                    <a16:creationId xmlns:a16="http://schemas.microsoft.com/office/drawing/2014/main" id="{FDA71F8A-18D9-42E8-8A3A-4091363D35AF}"/>
+                  </a:ext>
+                </a:extLst>
+              </p:cNvPr>
+              <p:cNvSpPr/>
+              <p:nvPr/>
+            </p:nvSpPr>
+            <p:spPr>
+              <a:xfrm>
+                <a:off x="8909903" y="1825625"/>
+                <a:ext cx="1582132" cy="596295"/>
+              </a:xfrm>
+              <a:prstGeom prst="rect">
+                <a:avLst/>
+              </a:prstGeom>
+            </p:spPr>
+            <p:style>
+              <a:lnRef idx="2">
+                <a:schemeClr val="accent1">
+                  <a:shade val="50000"/>
+                </a:schemeClr>
+              </a:lnRef>
+              <a:fillRef idx="1">
+                <a:schemeClr val="accent1"/>
+              </a:fillRef>
+              <a:effectRef idx="0">
+                <a:schemeClr val="accent1"/>
+              </a:effectRef>
+              <a:fontRef idx="minor">
+                <a:schemeClr val="lt1"/>
+              </a:fontRef>
+            </p:style>
+            <p:txBody>
+              <a:bodyPr rtlCol="0" anchor="ctr"/>
+              <a:lstStyle/>
+              <a:p>
+                <a:pPr algn="ctr"/>
+                <a:r>
+                  <a:rPr lang="en-US" sz="1050" dirty="0"/>
+                  <a:t>WordPress</a:t>
+                </a:r>
+              </a:p>
+            </p:txBody>
+          </p:sp>
+        </p:grpSp>
+        <p:sp>
+          <p:nvSpPr>
+            <p:cNvPr id="46" name="Rectangle 45">
+              <a:extLst>
+                <a:ext uri="{FF2B5EF4-FFF2-40B4-BE49-F238E27FC236}">
+                  <a16:creationId xmlns:a16="http://schemas.microsoft.com/office/drawing/2014/main" id="{DE413EAE-ECCB-4D06-A845-D16C033A5B20}"/>
+                </a:ext>
+              </a:extLst>
+            </p:cNvPr>
+            <p:cNvSpPr/>
+            <p:nvPr/>
+          </p:nvSpPr>
+          <p:spPr>
+            <a:xfrm>
+              <a:off x="6096000" y="1310325"/>
+              <a:ext cx="4289196" cy="424321"/>
+            </a:xfrm>
+            <a:prstGeom prst="rect">
+              <a:avLst/>
+            </a:prstGeom>
+          </p:spPr>
+          <p:style>
+            <a:lnRef idx="2">
+              <a:schemeClr val="accent3"/>
+            </a:lnRef>
+            <a:fillRef idx="1">
+              <a:schemeClr val="lt1"/>
+            </a:fillRef>
+            <a:effectRef idx="0">
+              <a:schemeClr val="accent3"/>
+            </a:effectRef>
+            <a:fontRef idx="minor">
+              <a:schemeClr val="dk1"/>
+            </a:fontRef>
+          </p:style>
+          <p:txBody>
+            <a:bodyPr rtlCol="0" anchor="ctr"/>
+            <a:lstStyle/>
+            <a:p>
+              <a:pPr algn="ctr"/>
+              <a:r>
+                <a:rPr lang="en-US" sz="1050" dirty="0"/>
+                <a:t>Test</a:t>
+              </a:r>
+            </a:p>
+          </p:txBody>
+        </p:sp>
+      </p:grpSp>
+    </p:spTree>
+    <p:extLst>
+      <p:ext uri="{BB962C8B-B14F-4D97-AF65-F5344CB8AC3E}">
+        <p14:creationId xmlns:p14="http://schemas.microsoft.com/office/powerpoint/2010/main" val="157820571"/>
+      </p:ext>
+    </p:extLst>
+  </p:cSld>
+  <p:clrMapOvr>
+    <a:masterClrMapping/>
+  </p:clrMapOvr>
+</p:sld>
+</file>
+
+<file path=ppt/slides/slide22.xml><?xml version="1.0" encoding="utf-8"?>
+<p:sld xmlns:a="http://schemas.openxmlformats.org/drawingml/2006/main" xmlns:r="http://schemas.openxmlformats.org/officeDocument/2006/relationships" xmlns:p="http://schemas.openxmlformats.org/presentationml/2006/main">
+  <p:cSld>
+    <p:spTree>
+      <p:nvGrpSpPr>
+        <p:cNvPr id="1" name=""/>
+        <p:cNvGrpSpPr/>
+        <p:nvPr/>
+      </p:nvGrpSpPr>
+      <p:grpSpPr>
+        <a:xfrm>
+          <a:off x="0" y="0"/>
+          <a:ext cx="0" cy="0"/>
+          <a:chOff x="0" y="0"/>
+          <a:chExt cx="0" cy="0"/>
+        </a:xfrm>
+      </p:grpSpPr>
+      <p:sp>
+        <p:nvSpPr>
+          <p:cNvPr id="2" name="Title 1">
+            <a:extLst>
+              <a:ext uri="{FF2B5EF4-FFF2-40B4-BE49-F238E27FC236}">
+                <a16:creationId xmlns:a16="http://schemas.microsoft.com/office/drawing/2014/main" id="{49D0D13C-60E1-4BCC-9E7A-A9A705405CC0}"/>
+              </a:ext>
+            </a:extLst>
+          </p:cNvPr>
+          <p:cNvSpPr>
+            <a:spLocks noGrp="1"/>
+          </p:cNvSpPr>
+          <p:nvPr>
+            <p:ph type="title"/>
+          </p:nvPr>
+        </p:nvSpPr>
+        <p:spPr/>
+        <p:txBody>
+          <a:bodyPr>
+            <a:normAutofit fontScale="90000"/>
+          </a:bodyPr>
+          <a:lstStyle/>
+          <a:p>
+            <a:r>
+              <a:rPr lang="en-US" dirty="0"/>
+              <a:t>Horizontal Scaling</a:t>
+            </a:r>
+          </a:p>
+        </p:txBody>
+      </p:sp>
+      <p:sp>
+        <p:nvSpPr>
+          <p:cNvPr id="3" name="Content Placeholder 2">
+            <a:extLst>
+              <a:ext uri="{FF2B5EF4-FFF2-40B4-BE49-F238E27FC236}">
+                <a16:creationId xmlns:a16="http://schemas.microsoft.com/office/drawing/2014/main" id="{3664D709-ACED-40AE-80D4-C24358F7C249}"/>
+              </a:ext>
+            </a:extLst>
+          </p:cNvPr>
+          <p:cNvSpPr>
+            <a:spLocks noGrp="1"/>
+          </p:cNvSpPr>
+          <p:nvPr>
+            <p:ph sz="half" idx="1"/>
+          </p:nvPr>
+        </p:nvSpPr>
+        <p:spPr>
+          <a:xfrm>
+            <a:off x="628650" y="2226469"/>
+            <a:ext cx="3886200" cy="3500438"/>
+          </a:xfrm>
+        </p:spPr>
+        <p:txBody>
+          <a:bodyPr>
+            <a:normAutofit fontScale="70000" lnSpcReduction="20000"/>
+          </a:bodyPr>
+          <a:lstStyle/>
+          <a:p>
+            <a:r>
+              <a:rPr lang="en-US" dirty="0"/>
+              <a:t>Break up components / services into their own server</a:t>
+            </a:r>
+          </a:p>
+          <a:p>
+            <a:r>
+              <a:rPr lang="en-US" dirty="0"/>
+              <a:t>This separates concerns and makes the system easier to secure and manage.</a:t>
+            </a:r>
+          </a:p>
+          <a:p>
+            <a:r>
+              <a:rPr lang="en-US" dirty="0"/>
+              <a:t>Costs of multiple hardware and operating systems to maintain.</a:t>
+            </a:r>
+          </a:p>
+          <a:p>
+            <a:r>
+              <a:rPr lang="en-US" dirty="0"/>
+              <a:t>Maintain extra versions for test and development</a:t>
+            </a:r>
+          </a:p>
+        </p:txBody>
+      </p:sp>
+      <p:grpSp>
+        <p:nvGrpSpPr>
+          <p:cNvPr id="5" name="Group 4">
+            <a:extLst>
+              <a:ext uri="{FF2B5EF4-FFF2-40B4-BE49-F238E27FC236}">
+                <a16:creationId xmlns:a16="http://schemas.microsoft.com/office/drawing/2014/main" id="{E32067E8-8E7F-4A86-97E0-47FC5C9B6611}"/>
+              </a:ext>
+            </a:extLst>
+          </p:cNvPr>
+          <p:cNvGrpSpPr/>
+          <p:nvPr/>
+        </p:nvGrpSpPr>
+        <p:grpSpPr>
+          <a:xfrm>
+            <a:off x="4467890" y="1598886"/>
+            <a:ext cx="2192147" cy="2090468"/>
+            <a:chOff x="6096000" y="1310325"/>
+            <a:chExt cx="4289196" cy="3305634"/>
+          </a:xfrm>
+        </p:grpSpPr>
+        <p:grpSp>
+          <p:nvGrpSpPr>
+            <p:cNvPr id="6" name="Group 5">
+              <a:extLst>
+                <a:ext uri="{FF2B5EF4-FFF2-40B4-BE49-F238E27FC236}">
+                  <a16:creationId xmlns:a16="http://schemas.microsoft.com/office/drawing/2014/main" id="{B3D4B622-2B4D-43C3-A166-A09EFD8E5DED}"/>
+                </a:ext>
+              </a:extLst>
+            </p:cNvPr>
+            <p:cNvGrpSpPr/>
+            <p:nvPr/>
+          </p:nvGrpSpPr>
+          <p:grpSpPr>
+            <a:xfrm>
+              <a:off x="6096000" y="1734647"/>
+              <a:ext cx="4289196" cy="2881312"/>
+              <a:chOff x="6306532" y="1690688"/>
+              <a:chExt cx="4289196" cy="2881312"/>
+            </a:xfrm>
+          </p:grpSpPr>
+          <p:sp>
+            <p:nvSpPr>
+              <p:cNvPr id="8" name="Rectangle 7">
+                <a:extLst>
+                  <a:ext uri="{FF2B5EF4-FFF2-40B4-BE49-F238E27FC236}">
+                    <a16:creationId xmlns:a16="http://schemas.microsoft.com/office/drawing/2014/main" id="{EBDA67F6-C74B-4188-84B7-110580373468}"/>
+                  </a:ext>
+                </a:extLst>
+              </p:cNvPr>
+              <p:cNvSpPr/>
+              <p:nvPr/>
+            </p:nvSpPr>
+            <p:spPr>
+              <a:xfrm>
+                <a:off x="8834880" y="1690688"/>
+                <a:ext cx="1760848" cy="2881312"/>
+              </a:xfrm>
+              <a:prstGeom prst="rect">
+                <a:avLst/>
+              </a:prstGeom>
+            </p:spPr>
+            <p:style>
+              <a:lnRef idx="2">
+                <a:schemeClr val="accent3">
+                  <a:shade val="50000"/>
+                </a:schemeClr>
+              </a:lnRef>
+              <a:fillRef idx="1">
+                <a:schemeClr val="accent3"/>
+              </a:fillRef>
+              <a:effectRef idx="0">
+                <a:schemeClr val="accent3"/>
+              </a:effectRef>
+              <a:fontRef idx="minor">
+                <a:schemeClr val="lt1"/>
+              </a:fontRef>
+            </p:style>
+            <p:txBody>
+              <a:bodyPr rtlCol="0" anchor="ctr"/>
+              <a:lstStyle/>
+              <a:p>
+                <a:pPr algn="ctr"/>
+                <a:endParaRPr lang="en-US" sz="1200" dirty="0"/>
+              </a:p>
+            </p:txBody>
+          </p:sp>
+          <p:sp>
+            <p:nvSpPr>
+              <p:cNvPr id="9" name="Rectangle 8">
+                <a:extLst>
+                  <a:ext uri="{FF2B5EF4-FFF2-40B4-BE49-F238E27FC236}">
+                    <a16:creationId xmlns:a16="http://schemas.microsoft.com/office/drawing/2014/main" id="{F0B1E9BA-2CAC-4E7C-B346-8A7F9229CE20}"/>
+                  </a:ext>
+                </a:extLst>
+              </p:cNvPr>
+              <p:cNvSpPr/>
+              <p:nvPr/>
+            </p:nvSpPr>
+            <p:spPr>
+              <a:xfrm>
+                <a:off x="6306532" y="1690688"/>
+                <a:ext cx="2460396" cy="2881312"/>
+              </a:xfrm>
+              <a:prstGeom prst="rect">
+                <a:avLst/>
+              </a:prstGeom>
+            </p:spPr>
+            <p:style>
+              <a:lnRef idx="2">
+                <a:schemeClr val="accent3">
+                  <a:shade val="50000"/>
+                </a:schemeClr>
+              </a:lnRef>
+              <a:fillRef idx="1">
+                <a:schemeClr val="accent3"/>
+              </a:fillRef>
+              <a:effectRef idx="0">
+                <a:schemeClr val="accent3"/>
+              </a:effectRef>
+              <a:fontRef idx="minor">
+                <a:schemeClr val="lt1"/>
+              </a:fontRef>
+            </p:style>
+            <p:txBody>
+              <a:bodyPr rtlCol="0" anchor="ctr"/>
+              <a:lstStyle/>
+              <a:p>
+                <a:pPr algn="ctr"/>
+                <a:endParaRPr lang="en-US" sz="1200" dirty="0"/>
+              </a:p>
+            </p:txBody>
+          </p:sp>
+          <p:sp>
+            <p:nvSpPr>
+              <p:cNvPr id="10" name="Rectangle 9">
+                <a:extLst>
+                  <a:ext uri="{FF2B5EF4-FFF2-40B4-BE49-F238E27FC236}">
+                    <a16:creationId xmlns:a16="http://schemas.microsoft.com/office/drawing/2014/main" id="{DA110BA2-1AFF-4DF7-BDAE-9341D829CA93}"/>
+                  </a:ext>
+                </a:extLst>
+              </p:cNvPr>
+              <p:cNvSpPr/>
+              <p:nvPr/>
+            </p:nvSpPr>
+            <p:spPr>
+              <a:xfrm>
+                <a:off x="6391372" y="3874147"/>
+                <a:ext cx="2290713" cy="596295"/>
+              </a:xfrm>
+              <a:prstGeom prst="rect">
+                <a:avLst/>
+              </a:prstGeom>
+            </p:spPr>
+            <p:style>
+              <a:lnRef idx="2">
+                <a:schemeClr val="accent3">
+                  <a:shade val="50000"/>
+                </a:schemeClr>
+              </a:lnRef>
+              <a:fillRef idx="1">
+                <a:schemeClr val="accent3"/>
+              </a:fillRef>
+              <a:effectRef idx="0">
+                <a:schemeClr val="accent3"/>
+              </a:effectRef>
+              <a:fontRef idx="minor">
+                <a:schemeClr val="lt1"/>
+              </a:fontRef>
+            </p:style>
+            <p:txBody>
+              <a:bodyPr rtlCol="0" anchor="ctr"/>
+              <a:lstStyle/>
+              <a:p>
+                <a:pPr algn="ctr"/>
+                <a:r>
+                  <a:rPr lang="en-US" sz="1200" dirty="0"/>
+                  <a:t>Server (HW)</a:t>
+                </a:r>
+              </a:p>
+            </p:txBody>
+          </p:sp>
+          <p:sp>
+            <p:nvSpPr>
+              <p:cNvPr id="11" name="Rectangle 10">
+                <a:extLst>
+                  <a:ext uri="{FF2B5EF4-FFF2-40B4-BE49-F238E27FC236}">
+                    <a16:creationId xmlns:a16="http://schemas.microsoft.com/office/drawing/2014/main" id="{E552A8F8-9B74-4C1A-A8DF-8DCCCB9EBBA8}"/>
+                  </a:ext>
+                </a:extLst>
+              </p:cNvPr>
+              <p:cNvSpPr/>
+              <p:nvPr/>
+            </p:nvSpPr>
+            <p:spPr>
+              <a:xfrm>
+                <a:off x="6391372" y="3196989"/>
+                <a:ext cx="2290713" cy="596295"/>
+              </a:xfrm>
+              <a:prstGeom prst="rect">
+                <a:avLst/>
+              </a:prstGeom>
+            </p:spPr>
+            <p:style>
+              <a:lnRef idx="2">
+                <a:schemeClr val="accent6">
+                  <a:shade val="50000"/>
+                </a:schemeClr>
+              </a:lnRef>
+              <a:fillRef idx="1">
+                <a:schemeClr val="accent6"/>
+              </a:fillRef>
+              <a:effectRef idx="0">
+                <a:schemeClr val="accent6"/>
+              </a:effectRef>
+              <a:fontRef idx="minor">
+                <a:schemeClr val="lt1"/>
+              </a:fontRef>
+            </p:style>
+            <p:txBody>
+              <a:bodyPr rtlCol="0" anchor="ctr"/>
+              <a:lstStyle/>
+              <a:p>
+                <a:pPr algn="ctr"/>
+                <a:r>
+                  <a:rPr lang="en-US" sz="1200" dirty="0"/>
+                  <a:t>OS</a:t>
+                </a:r>
+              </a:p>
+            </p:txBody>
+          </p:sp>
+          <p:sp>
+            <p:nvSpPr>
+              <p:cNvPr id="12" name="Rectangle 11">
+                <a:extLst>
+                  <a:ext uri="{FF2B5EF4-FFF2-40B4-BE49-F238E27FC236}">
+                    <a16:creationId xmlns:a16="http://schemas.microsoft.com/office/drawing/2014/main" id="{8AEFB7A2-7FE2-448E-B9CE-75E3FD3D5E2D}"/>
+                  </a:ext>
+                </a:extLst>
+              </p:cNvPr>
+              <p:cNvSpPr/>
+              <p:nvPr/>
+            </p:nvSpPr>
+            <p:spPr>
+              <a:xfrm>
+                <a:off x="6391372" y="2519831"/>
+                <a:ext cx="2290713" cy="596295"/>
+              </a:xfrm>
+              <a:prstGeom prst="rect">
+                <a:avLst/>
+              </a:prstGeom>
+            </p:spPr>
+            <p:style>
+              <a:lnRef idx="2">
+                <a:schemeClr val="accent2">
+                  <a:shade val="50000"/>
+                </a:schemeClr>
+              </a:lnRef>
+              <a:fillRef idx="1">
+                <a:schemeClr val="accent2"/>
+              </a:fillRef>
+              <a:effectRef idx="0">
+                <a:schemeClr val="accent2"/>
+              </a:effectRef>
+              <a:fontRef idx="minor">
+                <a:schemeClr val="lt1"/>
+              </a:fontRef>
+            </p:style>
+            <p:txBody>
+              <a:bodyPr rtlCol="0" anchor="ctr"/>
+              <a:lstStyle/>
+              <a:p>
+                <a:pPr algn="ctr"/>
+                <a:r>
+                  <a:rPr lang="en-US" sz="1200" dirty="0"/>
+                  <a:t>App Deps / Libraries</a:t>
+                </a:r>
+              </a:p>
+            </p:txBody>
+          </p:sp>
+          <p:sp>
+            <p:nvSpPr>
+              <p:cNvPr id="13" name="Rectangle 12">
+                <a:extLst>
+                  <a:ext uri="{FF2B5EF4-FFF2-40B4-BE49-F238E27FC236}">
+                    <a16:creationId xmlns:a16="http://schemas.microsoft.com/office/drawing/2014/main" id="{6FA66B9F-AF92-4F7C-B522-14C670B77F36}"/>
+                  </a:ext>
+                </a:extLst>
+              </p:cNvPr>
+              <p:cNvSpPr/>
+              <p:nvPr/>
+            </p:nvSpPr>
+            <p:spPr>
+              <a:xfrm>
+                <a:off x="6391372" y="1825625"/>
+                <a:ext cx="2290713" cy="596295"/>
+              </a:xfrm>
+              <a:prstGeom prst="rect">
+                <a:avLst/>
+              </a:prstGeom>
+            </p:spPr>
+            <p:style>
+              <a:lnRef idx="2">
+                <a:schemeClr val="accent1">
+                  <a:shade val="50000"/>
+                </a:schemeClr>
+              </a:lnRef>
+              <a:fillRef idx="1">
+                <a:schemeClr val="accent1"/>
+              </a:fillRef>
+              <a:effectRef idx="0">
+                <a:schemeClr val="accent1"/>
+              </a:effectRef>
+              <a:fontRef idx="minor">
+                <a:schemeClr val="lt1"/>
+              </a:fontRef>
+            </p:style>
+            <p:txBody>
+              <a:bodyPr rtlCol="0" anchor="ctr"/>
+              <a:lstStyle/>
+              <a:p>
+                <a:pPr algn="ctr"/>
+                <a:r>
+                  <a:rPr lang="en-US" sz="1200" dirty="0"/>
+                  <a:t>Application</a:t>
+                </a:r>
+              </a:p>
+            </p:txBody>
+          </p:sp>
+          <p:sp>
+            <p:nvSpPr>
+              <p:cNvPr id="14" name="Rectangle 13">
+                <a:extLst>
+                  <a:ext uri="{FF2B5EF4-FFF2-40B4-BE49-F238E27FC236}">
+                    <a16:creationId xmlns:a16="http://schemas.microsoft.com/office/drawing/2014/main" id="{296531F2-7CDF-4656-9EDC-A4D4D9A5BDF9}"/>
+                  </a:ext>
+                </a:extLst>
+              </p:cNvPr>
+              <p:cNvSpPr/>
+              <p:nvPr/>
+            </p:nvSpPr>
+            <p:spPr>
+              <a:xfrm>
+                <a:off x="8909903" y="3874147"/>
+                <a:ext cx="1582132" cy="596295"/>
+              </a:xfrm>
+              <a:prstGeom prst="rect">
+                <a:avLst/>
+              </a:prstGeom>
+            </p:spPr>
+            <p:style>
+              <a:lnRef idx="2">
+                <a:schemeClr val="accent3">
+                  <a:shade val="50000"/>
+                </a:schemeClr>
+              </a:lnRef>
+              <a:fillRef idx="1">
+                <a:schemeClr val="accent3"/>
+              </a:fillRef>
+              <a:effectRef idx="0">
+                <a:schemeClr val="accent3"/>
+              </a:effectRef>
+              <a:fontRef idx="minor">
+                <a:schemeClr val="lt1"/>
+              </a:fontRef>
+            </p:style>
+            <p:txBody>
+              <a:bodyPr rtlCol="0" anchor="ctr"/>
+              <a:lstStyle/>
+              <a:p>
+                <a:pPr algn="ctr"/>
+                <a:r>
+                  <a:rPr lang="en-US" sz="1200" dirty="0"/>
+                  <a:t>Dell</a:t>
+                </a:r>
+                <a:br>
+                  <a:rPr lang="en-US" sz="1200" dirty="0"/>
+                </a:br>
+                <a:r>
+                  <a:rPr lang="en-US" sz="1200" dirty="0"/>
+                  <a:t>Server</a:t>
+                </a:r>
+              </a:p>
+            </p:txBody>
+          </p:sp>
+          <p:sp>
+            <p:nvSpPr>
+              <p:cNvPr id="15" name="Rectangle 14">
+                <a:extLst>
+                  <a:ext uri="{FF2B5EF4-FFF2-40B4-BE49-F238E27FC236}">
+                    <a16:creationId xmlns:a16="http://schemas.microsoft.com/office/drawing/2014/main" id="{8C57BC5D-9B8C-4711-ACE6-61234D4619D8}"/>
+                  </a:ext>
+                </a:extLst>
+              </p:cNvPr>
+              <p:cNvSpPr/>
+              <p:nvPr/>
+            </p:nvSpPr>
+            <p:spPr>
+              <a:xfrm>
+                <a:off x="8909903" y="3196989"/>
+                <a:ext cx="1582132" cy="596295"/>
+              </a:xfrm>
+              <a:prstGeom prst="rect">
+                <a:avLst/>
+              </a:prstGeom>
+            </p:spPr>
+            <p:style>
+              <a:lnRef idx="2">
+                <a:schemeClr val="accent6">
+                  <a:shade val="50000"/>
+                </a:schemeClr>
+              </a:lnRef>
+              <a:fillRef idx="1">
+                <a:schemeClr val="accent6"/>
+              </a:fillRef>
+              <a:effectRef idx="0">
+                <a:schemeClr val="accent6"/>
+              </a:effectRef>
+              <a:fontRef idx="minor">
+                <a:schemeClr val="lt1"/>
+              </a:fontRef>
+            </p:style>
+            <p:txBody>
+              <a:bodyPr rtlCol="0" anchor="ctr"/>
+              <a:lstStyle/>
+              <a:p>
+                <a:pPr algn="ctr"/>
+                <a:r>
+                  <a:rPr lang="en-US" sz="1200" dirty="0"/>
+                  <a:t>Ubuntu</a:t>
+                </a:r>
+                <a:br>
+                  <a:rPr lang="en-US" sz="1200" dirty="0"/>
+                </a:br>
+                <a:r>
+                  <a:rPr lang="en-US" sz="1200" dirty="0"/>
+                  <a:t>Linux</a:t>
+                </a:r>
+              </a:p>
+            </p:txBody>
+          </p:sp>
+          <p:sp>
+            <p:nvSpPr>
+              <p:cNvPr id="16" name="Rectangle 15">
+                <a:extLst>
+                  <a:ext uri="{FF2B5EF4-FFF2-40B4-BE49-F238E27FC236}">
+                    <a16:creationId xmlns:a16="http://schemas.microsoft.com/office/drawing/2014/main" id="{9D7E8740-8ACE-4C3A-B798-271F27BCE50C}"/>
+                  </a:ext>
+                </a:extLst>
+              </p:cNvPr>
+              <p:cNvSpPr/>
+              <p:nvPr/>
+            </p:nvSpPr>
+            <p:spPr>
+              <a:xfrm>
+                <a:off x="8909903" y="2519831"/>
+                <a:ext cx="1582132" cy="596295"/>
+              </a:xfrm>
+              <a:prstGeom prst="rect">
+                <a:avLst/>
+              </a:prstGeom>
+            </p:spPr>
+            <p:style>
+              <a:lnRef idx="2">
+                <a:schemeClr val="accent2">
+                  <a:shade val="50000"/>
+                </a:schemeClr>
+              </a:lnRef>
+              <a:fillRef idx="1">
+                <a:schemeClr val="accent2"/>
+              </a:fillRef>
+              <a:effectRef idx="0">
+                <a:schemeClr val="accent2"/>
+              </a:effectRef>
+              <a:fontRef idx="minor">
+                <a:schemeClr val="lt1"/>
+              </a:fontRef>
+            </p:style>
+            <p:txBody>
+              <a:bodyPr rtlCol="0" anchor="ctr"/>
+              <a:lstStyle/>
+              <a:p>
+                <a:pPr algn="ctr"/>
+                <a:r>
+                  <a:rPr lang="en-US" sz="1200" dirty="0"/>
+                  <a:t>PHP, Nginx</a:t>
+                </a:r>
+              </a:p>
+            </p:txBody>
+          </p:sp>
+          <p:sp>
+            <p:nvSpPr>
+              <p:cNvPr id="17" name="Rectangle 16">
+                <a:extLst>
+                  <a:ext uri="{FF2B5EF4-FFF2-40B4-BE49-F238E27FC236}">
+                    <a16:creationId xmlns:a16="http://schemas.microsoft.com/office/drawing/2014/main" id="{AFED58D2-FB4F-4332-A523-C58BECACF643}"/>
+                  </a:ext>
+                </a:extLst>
+              </p:cNvPr>
+              <p:cNvSpPr/>
+              <p:nvPr/>
+            </p:nvSpPr>
+            <p:spPr>
+              <a:xfrm>
+                <a:off x="8909903" y="1825625"/>
+                <a:ext cx="1582132" cy="596295"/>
+              </a:xfrm>
+              <a:prstGeom prst="rect">
+                <a:avLst/>
+              </a:prstGeom>
+            </p:spPr>
+            <p:style>
+              <a:lnRef idx="2">
+                <a:schemeClr val="accent1">
+                  <a:shade val="50000"/>
+                </a:schemeClr>
+              </a:lnRef>
+              <a:fillRef idx="1">
+                <a:schemeClr val="accent1"/>
+              </a:fillRef>
+              <a:effectRef idx="0">
+                <a:schemeClr val="accent1"/>
+              </a:effectRef>
+              <a:fontRef idx="minor">
+                <a:schemeClr val="lt1"/>
+              </a:fontRef>
+            </p:style>
+            <p:txBody>
+              <a:bodyPr rtlCol="0" anchor="ctr"/>
+              <a:lstStyle/>
+              <a:p>
+                <a:pPr algn="ctr"/>
+                <a:r>
+                  <a:rPr lang="en-US" sz="1200" dirty="0"/>
+                  <a:t>WordPress</a:t>
+                </a:r>
+                <a:br>
+                  <a:rPr lang="en-US" sz="1200" dirty="0"/>
+                </a:br>
+                <a:r>
+                  <a:rPr lang="en-US" sz="1200" dirty="0"/>
+                  <a:t>Website</a:t>
+                </a:r>
+              </a:p>
+            </p:txBody>
+          </p:sp>
+        </p:grpSp>
+        <p:sp>
+          <p:nvSpPr>
+            <p:cNvPr id="7" name="Rectangle 6">
+              <a:extLst>
+                <a:ext uri="{FF2B5EF4-FFF2-40B4-BE49-F238E27FC236}">
+                  <a16:creationId xmlns:a16="http://schemas.microsoft.com/office/drawing/2014/main" id="{6EC6C86D-8D9F-45C7-A27B-FB2A0515B590}"/>
+                </a:ext>
+              </a:extLst>
+            </p:cNvPr>
+            <p:cNvSpPr/>
+            <p:nvPr/>
+          </p:nvSpPr>
+          <p:spPr>
+            <a:xfrm>
+              <a:off x="6096000" y="1310325"/>
+              <a:ext cx="4289196" cy="424321"/>
+            </a:xfrm>
+            <a:prstGeom prst="rect">
+              <a:avLst/>
+            </a:prstGeom>
+          </p:spPr>
+          <p:style>
+            <a:lnRef idx="2">
+              <a:schemeClr val="accent3"/>
+            </a:lnRef>
+            <a:fillRef idx="1">
+              <a:schemeClr val="lt1"/>
+            </a:fillRef>
+            <a:effectRef idx="0">
+              <a:schemeClr val="accent3"/>
+            </a:effectRef>
+            <a:fontRef idx="minor">
+              <a:schemeClr val="dk1"/>
+            </a:fontRef>
+          </p:style>
+          <p:txBody>
+            <a:bodyPr rtlCol="0" anchor="ctr"/>
+            <a:lstStyle/>
+            <a:p>
+              <a:pPr algn="ctr"/>
+              <a:r>
+                <a:rPr lang="en-US" sz="1200" dirty="0"/>
+                <a:t>Production - Web</a:t>
+              </a:r>
+            </a:p>
+          </p:txBody>
+        </p:sp>
+      </p:grpSp>
+      <p:grpSp>
+        <p:nvGrpSpPr>
+          <p:cNvPr id="18" name="Group 17">
+            <a:extLst>
+              <a:ext uri="{FF2B5EF4-FFF2-40B4-BE49-F238E27FC236}">
+                <a16:creationId xmlns:a16="http://schemas.microsoft.com/office/drawing/2014/main" id="{364D979D-597F-437F-B30E-5A119FDA053B}"/>
+              </a:ext>
+            </a:extLst>
+          </p:cNvPr>
+          <p:cNvGrpSpPr/>
+          <p:nvPr/>
+        </p:nvGrpSpPr>
+        <p:grpSpPr>
+          <a:xfrm>
+            <a:off x="6775958" y="1606907"/>
+            <a:ext cx="2192147" cy="2052848"/>
+            <a:chOff x="6096000" y="1310325"/>
+            <a:chExt cx="4289196" cy="3305634"/>
+          </a:xfrm>
+        </p:grpSpPr>
+        <p:grpSp>
+          <p:nvGrpSpPr>
+            <p:cNvPr id="19" name="Group 18">
+              <a:extLst>
+                <a:ext uri="{FF2B5EF4-FFF2-40B4-BE49-F238E27FC236}">
+                  <a16:creationId xmlns:a16="http://schemas.microsoft.com/office/drawing/2014/main" id="{F8176DA5-33F1-441B-99E3-6DD2A83F05B9}"/>
+                </a:ext>
+              </a:extLst>
+            </p:cNvPr>
+            <p:cNvGrpSpPr/>
+            <p:nvPr/>
+          </p:nvGrpSpPr>
+          <p:grpSpPr>
+            <a:xfrm>
+              <a:off x="6096000" y="1734647"/>
+              <a:ext cx="4289196" cy="2881312"/>
+              <a:chOff x="6306532" y="1690688"/>
+              <a:chExt cx="4289196" cy="2881312"/>
+            </a:xfrm>
+          </p:grpSpPr>
+          <p:sp>
+            <p:nvSpPr>
+              <p:cNvPr id="21" name="Rectangle 20">
+                <a:extLst>
+                  <a:ext uri="{FF2B5EF4-FFF2-40B4-BE49-F238E27FC236}">
+                    <a16:creationId xmlns:a16="http://schemas.microsoft.com/office/drawing/2014/main" id="{738850E5-7881-4AFC-9351-020E640B42CC}"/>
+                  </a:ext>
+                </a:extLst>
+              </p:cNvPr>
+              <p:cNvSpPr/>
+              <p:nvPr/>
+            </p:nvSpPr>
+            <p:spPr>
+              <a:xfrm>
+                <a:off x="8834880" y="1690688"/>
+                <a:ext cx="1760848" cy="2881312"/>
+              </a:xfrm>
+              <a:prstGeom prst="rect">
+                <a:avLst/>
+              </a:prstGeom>
+            </p:spPr>
+            <p:style>
+              <a:lnRef idx="2">
+                <a:schemeClr val="accent3">
+                  <a:shade val="50000"/>
+                </a:schemeClr>
+              </a:lnRef>
+              <a:fillRef idx="1">
+                <a:schemeClr val="accent3"/>
+              </a:fillRef>
+              <a:effectRef idx="0">
+                <a:schemeClr val="accent3"/>
+              </a:effectRef>
+              <a:fontRef idx="minor">
+                <a:schemeClr val="lt1"/>
+              </a:fontRef>
+            </p:style>
+            <p:txBody>
+              <a:bodyPr rtlCol="0" anchor="ctr"/>
+              <a:lstStyle/>
+              <a:p>
+                <a:pPr algn="ctr"/>
+                <a:endParaRPr lang="en-US" sz="1200" dirty="0"/>
+              </a:p>
+            </p:txBody>
+          </p:sp>
+          <p:sp>
+            <p:nvSpPr>
+              <p:cNvPr id="22" name="Rectangle 21">
+                <a:extLst>
+                  <a:ext uri="{FF2B5EF4-FFF2-40B4-BE49-F238E27FC236}">
+                    <a16:creationId xmlns:a16="http://schemas.microsoft.com/office/drawing/2014/main" id="{CDC5AD8F-CBB5-4248-B059-5D37F0242F81}"/>
+                  </a:ext>
+                </a:extLst>
+              </p:cNvPr>
+              <p:cNvSpPr/>
+              <p:nvPr/>
+            </p:nvSpPr>
+            <p:spPr>
+              <a:xfrm>
+                <a:off x="6306532" y="1690688"/>
+                <a:ext cx="2460396" cy="2881312"/>
+              </a:xfrm>
+              <a:prstGeom prst="rect">
+                <a:avLst/>
+              </a:prstGeom>
+            </p:spPr>
+            <p:style>
+              <a:lnRef idx="2">
+                <a:schemeClr val="accent3">
+                  <a:shade val="50000"/>
+                </a:schemeClr>
+              </a:lnRef>
+              <a:fillRef idx="1">
+                <a:schemeClr val="accent3"/>
+              </a:fillRef>
+              <a:effectRef idx="0">
+                <a:schemeClr val="accent3"/>
+              </a:effectRef>
+              <a:fontRef idx="minor">
+                <a:schemeClr val="lt1"/>
+              </a:fontRef>
+            </p:style>
+            <p:txBody>
+              <a:bodyPr rtlCol="0" anchor="ctr"/>
+              <a:lstStyle/>
+              <a:p>
+                <a:pPr algn="ctr"/>
+                <a:endParaRPr lang="en-US" sz="1200" dirty="0"/>
+              </a:p>
+            </p:txBody>
+          </p:sp>
+          <p:sp>
+            <p:nvSpPr>
+              <p:cNvPr id="23" name="Rectangle 22">
+                <a:extLst>
+                  <a:ext uri="{FF2B5EF4-FFF2-40B4-BE49-F238E27FC236}">
+                    <a16:creationId xmlns:a16="http://schemas.microsoft.com/office/drawing/2014/main" id="{6C5EAD3A-18D3-4560-9876-1EAAB54EDCE5}"/>
+                  </a:ext>
+                </a:extLst>
+              </p:cNvPr>
+              <p:cNvSpPr/>
+              <p:nvPr/>
+            </p:nvSpPr>
+            <p:spPr>
+              <a:xfrm>
+                <a:off x="6391372" y="3874147"/>
+                <a:ext cx="2290713" cy="596295"/>
+              </a:xfrm>
+              <a:prstGeom prst="rect">
+                <a:avLst/>
+              </a:prstGeom>
+            </p:spPr>
+            <p:style>
+              <a:lnRef idx="2">
+                <a:schemeClr val="accent3">
+                  <a:shade val="50000"/>
+                </a:schemeClr>
+              </a:lnRef>
+              <a:fillRef idx="1">
+                <a:schemeClr val="accent3"/>
+              </a:fillRef>
+              <a:effectRef idx="0">
+                <a:schemeClr val="accent3"/>
+              </a:effectRef>
+              <a:fontRef idx="minor">
+                <a:schemeClr val="lt1"/>
+              </a:fontRef>
+            </p:style>
+            <p:txBody>
+              <a:bodyPr rtlCol="0" anchor="ctr"/>
+              <a:lstStyle/>
+              <a:p>
+                <a:pPr algn="ctr"/>
+                <a:r>
+                  <a:rPr lang="en-US" sz="1200" dirty="0"/>
+                  <a:t>Server (HW)</a:t>
+                </a:r>
+              </a:p>
+            </p:txBody>
+          </p:sp>
+          <p:sp>
+            <p:nvSpPr>
+              <p:cNvPr id="24" name="Rectangle 23">
+                <a:extLst>
+                  <a:ext uri="{FF2B5EF4-FFF2-40B4-BE49-F238E27FC236}">
+                    <a16:creationId xmlns:a16="http://schemas.microsoft.com/office/drawing/2014/main" id="{4A9FD3C0-9DEB-4327-B04F-D91D73E2304A}"/>
+                  </a:ext>
+                </a:extLst>
+              </p:cNvPr>
+              <p:cNvSpPr/>
+              <p:nvPr/>
+            </p:nvSpPr>
+            <p:spPr>
+              <a:xfrm>
+                <a:off x="6391372" y="3196989"/>
+                <a:ext cx="2290713" cy="596295"/>
+              </a:xfrm>
+              <a:prstGeom prst="rect">
+                <a:avLst/>
+              </a:prstGeom>
+            </p:spPr>
+            <p:style>
+              <a:lnRef idx="2">
+                <a:schemeClr val="accent6">
+                  <a:shade val="50000"/>
+                </a:schemeClr>
+              </a:lnRef>
+              <a:fillRef idx="1">
+                <a:schemeClr val="accent6"/>
+              </a:fillRef>
+              <a:effectRef idx="0">
+                <a:schemeClr val="accent6"/>
+              </a:effectRef>
+              <a:fontRef idx="minor">
+                <a:schemeClr val="lt1"/>
+              </a:fontRef>
+            </p:style>
+            <p:txBody>
+              <a:bodyPr rtlCol="0" anchor="ctr"/>
+              <a:lstStyle/>
+              <a:p>
+                <a:pPr algn="ctr"/>
+                <a:r>
+                  <a:rPr lang="en-US" sz="1200" dirty="0"/>
+                  <a:t>OW</a:t>
+                </a:r>
+              </a:p>
+            </p:txBody>
+          </p:sp>
+          <p:sp>
+            <p:nvSpPr>
+              <p:cNvPr id="25" name="Rectangle 24">
+                <a:extLst>
+                  <a:ext uri="{FF2B5EF4-FFF2-40B4-BE49-F238E27FC236}">
+                    <a16:creationId xmlns:a16="http://schemas.microsoft.com/office/drawing/2014/main" id="{8E5AD51D-95F9-4B9A-8D84-AA518629FDE7}"/>
+                  </a:ext>
+                </a:extLst>
+              </p:cNvPr>
+              <p:cNvSpPr/>
+              <p:nvPr/>
+            </p:nvSpPr>
+            <p:spPr>
+              <a:xfrm>
+                <a:off x="6391372" y="2519831"/>
+                <a:ext cx="2290713" cy="596295"/>
+              </a:xfrm>
+              <a:prstGeom prst="rect">
+                <a:avLst/>
+              </a:prstGeom>
+            </p:spPr>
+            <p:style>
+              <a:lnRef idx="2">
+                <a:schemeClr val="accent2">
+                  <a:shade val="50000"/>
+                </a:schemeClr>
+              </a:lnRef>
+              <a:fillRef idx="1">
+                <a:schemeClr val="accent2"/>
+              </a:fillRef>
+              <a:effectRef idx="0">
+                <a:schemeClr val="accent2"/>
+              </a:effectRef>
+              <a:fontRef idx="minor">
+                <a:schemeClr val="lt1"/>
+              </a:fontRef>
+            </p:style>
+            <p:txBody>
+              <a:bodyPr rtlCol="0" anchor="ctr"/>
+              <a:lstStyle/>
+              <a:p>
+                <a:pPr algn="ctr"/>
+                <a:r>
+                  <a:rPr lang="en-US" sz="1200" dirty="0"/>
+                  <a:t>App Deps / Libraries</a:t>
+                </a:r>
+              </a:p>
+            </p:txBody>
+          </p:sp>
+          <p:sp>
+            <p:nvSpPr>
+              <p:cNvPr id="26" name="Rectangle 25">
+                <a:extLst>
+                  <a:ext uri="{FF2B5EF4-FFF2-40B4-BE49-F238E27FC236}">
+                    <a16:creationId xmlns:a16="http://schemas.microsoft.com/office/drawing/2014/main" id="{2B6EC6DE-404F-46BF-A11A-802E8E2EE725}"/>
+                  </a:ext>
+                </a:extLst>
+              </p:cNvPr>
+              <p:cNvSpPr/>
+              <p:nvPr/>
+            </p:nvSpPr>
+            <p:spPr>
+              <a:xfrm>
+                <a:off x="6391372" y="1825625"/>
+                <a:ext cx="2290713" cy="596295"/>
+              </a:xfrm>
+              <a:prstGeom prst="rect">
+                <a:avLst/>
+              </a:prstGeom>
+            </p:spPr>
+            <p:style>
+              <a:lnRef idx="2">
+                <a:schemeClr val="accent1">
+                  <a:shade val="50000"/>
+                </a:schemeClr>
+              </a:lnRef>
+              <a:fillRef idx="1">
+                <a:schemeClr val="accent1"/>
+              </a:fillRef>
+              <a:effectRef idx="0">
+                <a:schemeClr val="accent1"/>
+              </a:effectRef>
+              <a:fontRef idx="minor">
+                <a:schemeClr val="lt1"/>
+              </a:fontRef>
+            </p:style>
+            <p:txBody>
+              <a:bodyPr rtlCol="0" anchor="ctr"/>
+              <a:lstStyle/>
+              <a:p>
+                <a:pPr algn="ctr"/>
+                <a:r>
+                  <a:rPr lang="en-US" sz="1200" dirty="0"/>
+                  <a:t>Application</a:t>
+                </a:r>
+              </a:p>
+            </p:txBody>
+          </p:sp>
+          <p:sp>
+            <p:nvSpPr>
+              <p:cNvPr id="27" name="Rectangle 26">
+                <a:extLst>
+                  <a:ext uri="{FF2B5EF4-FFF2-40B4-BE49-F238E27FC236}">
+                    <a16:creationId xmlns:a16="http://schemas.microsoft.com/office/drawing/2014/main" id="{705F0A71-54BA-4CA6-B75D-2A1A0DB7CF12}"/>
+                  </a:ext>
+                </a:extLst>
+              </p:cNvPr>
+              <p:cNvSpPr/>
+              <p:nvPr/>
+            </p:nvSpPr>
+            <p:spPr>
+              <a:xfrm>
+                <a:off x="8909903" y="3874147"/>
+                <a:ext cx="1582132" cy="596295"/>
+              </a:xfrm>
+              <a:prstGeom prst="rect">
+                <a:avLst/>
+              </a:prstGeom>
+            </p:spPr>
+            <p:style>
+              <a:lnRef idx="2">
+                <a:schemeClr val="accent3">
+                  <a:shade val="50000"/>
+                </a:schemeClr>
+              </a:lnRef>
+              <a:fillRef idx="1">
+                <a:schemeClr val="accent3"/>
+              </a:fillRef>
+              <a:effectRef idx="0">
+                <a:schemeClr val="accent3"/>
+              </a:effectRef>
+              <a:fontRef idx="minor">
+                <a:schemeClr val="lt1"/>
+              </a:fontRef>
+            </p:style>
+            <p:txBody>
+              <a:bodyPr rtlCol="0" anchor="ctr"/>
+              <a:lstStyle/>
+              <a:p>
+                <a:pPr algn="ctr"/>
+                <a:r>
+                  <a:rPr lang="en-US" sz="1200" dirty="0"/>
+                  <a:t>IBM</a:t>
+                </a:r>
+                <a:br>
+                  <a:rPr lang="en-US" sz="1200" dirty="0"/>
+                </a:br>
+                <a:r>
+                  <a:rPr lang="en-US" sz="1200" dirty="0"/>
+                  <a:t>Server</a:t>
+                </a:r>
+              </a:p>
+            </p:txBody>
+          </p:sp>
+          <p:sp>
+            <p:nvSpPr>
+              <p:cNvPr id="28" name="Rectangle 27">
+                <a:extLst>
+                  <a:ext uri="{FF2B5EF4-FFF2-40B4-BE49-F238E27FC236}">
+                    <a16:creationId xmlns:a16="http://schemas.microsoft.com/office/drawing/2014/main" id="{D9ACDE48-4A0D-4873-BCFE-379924568B6D}"/>
+                  </a:ext>
+                </a:extLst>
+              </p:cNvPr>
+              <p:cNvSpPr/>
+              <p:nvPr/>
+            </p:nvSpPr>
+            <p:spPr>
+              <a:xfrm>
+                <a:off x="8909903" y="3196989"/>
+                <a:ext cx="1582132" cy="596295"/>
+              </a:xfrm>
+              <a:prstGeom prst="rect">
+                <a:avLst/>
+              </a:prstGeom>
+            </p:spPr>
+            <p:style>
+              <a:lnRef idx="2">
+                <a:schemeClr val="accent6">
+                  <a:shade val="50000"/>
+                </a:schemeClr>
+              </a:lnRef>
+              <a:fillRef idx="1">
+                <a:schemeClr val="accent6"/>
+              </a:fillRef>
+              <a:effectRef idx="0">
+                <a:schemeClr val="accent6"/>
+              </a:effectRef>
+              <a:fontRef idx="minor">
+                <a:schemeClr val="lt1"/>
+              </a:fontRef>
+            </p:style>
+            <p:txBody>
+              <a:bodyPr rtlCol="0" anchor="ctr"/>
+              <a:lstStyle/>
+              <a:p>
+                <a:pPr algn="ctr"/>
+                <a:r>
+                  <a:rPr lang="en-US" sz="1200" dirty="0"/>
+                  <a:t>Ubuntu</a:t>
+                </a:r>
+                <a:br>
+                  <a:rPr lang="en-US" sz="1200" dirty="0"/>
+                </a:br>
+                <a:r>
+                  <a:rPr lang="en-US" sz="1200" dirty="0"/>
+                  <a:t>Linux</a:t>
+                </a:r>
+              </a:p>
+            </p:txBody>
+          </p:sp>
+          <p:sp>
+            <p:nvSpPr>
+              <p:cNvPr id="29" name="Rectangle 28">
+                <a:extLst>
+                  <a:ext uri="{FF2B5EF4-FFF2-40B4-BE49-F238E27FC236}">
+                    <a16:creationId xmlns:a16="http://schemas.microsoft.com/office/drawing/2014/main" id="{AB375684-410C-42A5-9B6D-DDE08A17B0C7}"/>
+                  </a:ext>
+                </a:extLst>
+              </p:cNvPr>
+              <p:cNvSpPr/>
+              <p:nvPr/>
+            </p:nvSpPr>
+            <p:spPr>
+              <a:xfrm>
+                <a:off x="8909903" y="2519831"/>
+                <a:ext cx="1582132" cy="596295"/>
+              </a:xfrm>
+              <a:prstGeom prst="rect">
+                <a:avLst/>
+              </a:prstGeom>
+            </p:spPr>
+            <p:style>
+              <a:lnRef idx="2">
+                <a:schemeClr val="accent2">
+                  <a:shade val="50000"/>
+                </a:schemeClr>
+              </a:lnRef>
+              <a:fillRef idx="1">
+                <a:schemeClr val="accent2"/>
+              </a:fillRef>
+              <a:effectRef idx="0">
+                <a:schemeClr val="accent2"/>
+              </a:effectRef>
+              <a:fontRef idx="minor">
+                <a:schemeClr val="lt1"/>
+              </a:fontRef>
+            </p:style>
+            <p:txBody>
+              <a:bodyPr rtlCol="0" anchor="ctr"/>
+              <a:lstStyle/>
+              <a:p>
+                <a:pPr algn="ctr"/>
+                <a:r>
+                  <a:rPr lang="en-US" sz="1200" dirty="0"/>
+                  <a:t>MySQL</a:t>
+                </a:r>
+              </a:p>
+            </p:txBody>
+          </p:sp>
+          <p:sp>
+            <p:nvSpPr>
+              <p:cNvPr id="30" name="Rectangle 29">
+                <a:extLst>
+                  <a:ext uri="{FF2B5EF4-FFF2-40B4-BE49-F238E27FC236}">
+                    <a16:creationId xmlns:a16="http://schemas.microsoft.com/office/drawing/2014/main" id="{BFCCDC80-DE21-4357-A230-AED84D8BB619}"/>
+                  </a:ext>
+                </a:extLst>
+              </p:cNvPr>
+              <p:cNvSpPr/>
+              <p:nvPr/>
+            </p:nvSpPr>
+            <p:spPr>
+              <a:xfrm>
+                <a:off x="8909903" y="1825625"/>
+                <a:ext cx="1582132" cy="596295"/>
+              </a:xfrm>
+              <a:prstGeom prst="rect">
+                <a:avLst/>
+              </a:prstGeom>
+            </p:spPr>
+            <p:style>
+              <a:lnRef idx="2">
+                <a:schemeClr val="accent1">
+                  <a:shade val="50000"/>
+                </a:schemeClr>
+              </a:lnRef>
+              <a:fillRef idx="1">
+                <a:schemeClr val="accent1"/>
+              </a:fillRef>
+              <a:effectRef idx="0">
+                <a:schemeClr val="accent1"/>
+              </a:effectRef>
+              <a:fontRef idx="minor">
+                <a:schemeClr val="lt1"/>
+              </a:fontRef>
+            </p:style>
+            <p:txBody>
+              <a:bodyPr rtlCol="0" anchor="ctr"/>
+              <a:lstStyle/>
+              <a:p>
+                <a:pPr algn="ctr"/>
+                <a:r>
+                  <a:rPr lang="en-US" sz="1200" dirty="0"/>
+                  <a:t>WordPress</a:t>
+                </a:r>
+                <a:br>
+                  <a:rPr lang="en-US" sz="1200" dirty="0"/>
+                </a:br>
+                <a:r>
+                  <a:rPr lang="en-US" sz="1200" dirty="0"/>
+                  <a:t>Database</a:t>
+                </a:r>
+              </a:p>
+            </p:txBody>
+          </p:sp>
+        </p:grpSp>
+        <p:sp>
+          <p:nvSpPr>
+            <p:cNvPr id="20" name="Rectangle 19">
+              <a:extLst>
+                <a:ext uri="{FF2B5EF4-FFF2-40B4-BE49-F238E27FC236}">
+                  <a16:creationId xmlns:a16="http://schemas.microsoft.com/office/drawing/2014/main" id="{ED5D10EE-253B-43EB-9EFB-1D2AD2F79FA4}"/>
+                </a:ext>
+              </a:extLst>
+            </p:cNvPr>
+            <p:cNvSpPr/>
+            <p:nvPr/>
+          </p:nvSpPr>
+          <p:spPr>
+            <a:xfrm>
+              <a:off x="6096000" y="1310325"/>
+              <a:ext cx="4289196" cy="424321"/>
+            </a:xfrm>
+            <a:prstGeom prst="rect">
+              <a:avLst/>
+            </a:prstGeom>
+          </p:spPr>
+          <p:style>
+            <a:lnRef idx="2">
+              <a:schemeClr val="accent3"/>
+            </a:lnRef>
+            <a:fillRef idx="1">
+              <a:schemeClr val="lt1"/>
+            </a:fillRef>
+            <a:effectRef idx="0">
+              <a:schemeClr val="accent3"/>
+            </a:effectRef>
+            <a:fontRef idx="minor">
+              <a:schemeClr val="dk1"/>
+            </a:fontRef>
+          </p:style>
+          <p:txBody>
+            <a:bodyPr rtlCol="0" anchor="ctr"/>
+            <a:lstStyle/>
+            <a:p>
+              <a:pPr algn="ctr"/>
+              <a:r>
+                <a:rPr lang="en-US" sz="1200" dirty="0"/>
+                <a:t>Production - Database</a:t>
+              </a:r>
+            </a:p>
+          </p:txBody>
+        </p:sp>
+      </p:grpSp>
+      <p:grpSp>
+        <p:nvGrpSpPr>
+          <p:cNvPr id="44" name="Group 43">
+            <a:extLst>
+              <a:ext uri="{FF2B5EF4-FFF2-40B4-BE49-F238E27FC236}">
+                <a16:creationId xmlns:a16="http://schemas.microsoft.com/office/drawing/2014/main" id="{12E36FD9-C6AA-4FEB-ACD5-DF581891051B}"/>
+              </a:ext>
+            </a:extLst>
+          </p:cNvPr>
+          <p:cNvGrpSpPr/>
+          <p:nvPr/>
+        </p:nvGrpSpPr>
+        <p:grpSpPr>
+          <a:xfrm>
+            <a:off x="4352605" y="3896821"/>
+            <a:ext cx="1257473" cy="1132554"/>
+            <a:chOff x="6096000" y="1310325"/>
+            <a:chExt cx="4289196" cy="3305634"/>
+          </a:xfrm>
+        </p:grpSpPr>
+        <p:grpSp>
+          <p:nvGrpSpPr>
+            <p:cNvPr id="45" name="Group 44">
+              <a:extLst>
+                <a:ext uri="{FF2B5EF4-FFF2-40B4-BE49-F238E27FC236}">
+                  <a16:creationId xmlns:a16="http://schemas.microsoft.com/office/drawing/2014/main" id="{A878CB7E-A29A-44DF-9398-ECA453458820}"/>
+                </a:ext>
+              </a:extLst>
+            </p:cNvPr>
+            <p:cNvGrpSpPr/>
+            <p:nvPr/>
+          </p:nvGrpSpPr>
+          <p:grpSpPr>
+            <a:xfrm>
+              <a:off x="6096000" y="1734647"/>
+              <a:ext cx="4289196" cy="2881312"/>
+              <a:chOff x="6306532" y="1690688"/>
+              <a:chExt cx="4289196" cy="2881312"/>
+            </a:xfrm>
+          </p:grpSpPr>
+          <p:sp>
+            <p:nvSpPr>
+              <p:cNvPr id="47" name="Rectangle 46">
+                <a:extLst>
+                  <a:ext uri="{FF2B5EF4-FFF2-40B4-BE49-F238E27FC236}">
+                    <a16:creationId xmlns:a16="http://schemas.microsoft.com/office/drawing/2014/main" id="{4B1C8101-E1AA-4D1F-8DD8-355A26252203}"/>
+                  </a:ext>
+                </a:extLst>
+              </p:cNvPr>
+              <p:cNvSpPr/>
+              <p:nvPr/>
+            </p:nvSpPr>
+            <p:spPr>
+              <a:xfrm>
+                <a:off x="8834880" y="1690688"/>
+                <a:ext cx="1760848" cy="2881312"/>
+              </a:xfrm>
+              <a:prstGeom prst="rect">
+                <a:avLst/>
+              </a:prstGeom>
+            </p:spPr>
+            <p:style>
+              <a:lnRef idx="2">
+                <a:schemeClr val="accent3">
+                  <a:shade val="50000"/>
+                </a:schemeClr>
+              </a:lnRef>
+              <a:fillRef idx="1">
+                <a:schemeClr val="accent3"/>
+              </a:fillRef>
+              <a:effectRef idx="0">
+                <a:schemeClr val="accent3"/>
+              </a:effectRef>
+              <a:fontRef idx="minor">
+                <a:schemeClr val="lt1"/>
+              </a:fontRef>
+            </p:style>
+            <p:txBody>
+              <a:bodyPr rtlCol="0" anchor="ctr"/>
+              <a:lstStyle/>
+              <a:p>
+                <a:pPr algn="ctr"/>
+                <a:endParaRPr lang="en-US" sz="1200" dirty="0"/>
+              </a:p>
+            </p:txBody>
+          </p:sp>
+          <p:sp>
+            <p:nvSpPr>
+              <p:cNvPr id="48" name="Rectangle 47">
+                <a:extLst>
+                  <a:ext uri="{FF2B5EF4-FFF2-40B4-BE49-F238E27FC236}">
+                    <a16:creationId xmlns:a16="http://schemas.microsoft.com/office/drawing/2014/main" id="{8BB04002-3930-43B1-967C-9741A33361DD}"/>
+                  </a:ext>
+                </a:extLst>
+              </p:cNvPr>
+              <p:cNvSpPr/>
+              <p:nvPr/>
+            </p:nvSpPr>
+            <p:spPr>
+              <a:xfrm>
+                <a:off x="6306532" y="1690688"/>
+                <a:ext cx="2460396" cy="2881312"/>
+              </a:xfrm>
+              <a:prstGeom prst="rect">
+                <a:avLst/>
+              </a:prstGeom>
+            </p:spPr>
+            <p:style>
+              <a:lnRef idx="2">
+                <a:schemeClr val="accent3">
+                  <a:shade val="50000"/>
+                </a:schemeClr>
+              </a:lnRef>
+              <a:fillRef idx="1">
+                <a:schemeClr val="accent3"/>
+              </a:fillRef>
+              <a:effectRef idx="0">
+                <a:schemeClr val="accent3"/>
+              </a:effectRef>
+              <a:fontRef idx="minor">
+                <a:schemeClr val="lt1"/>
+              </a:fontRef>
+            </p:style>
+            <p:txBody>
+              <a:bodyPr rtlCol="0" anchor="ctr"/>
+              <a:lstStyle/>
+              <a:p>
+                <a:pPr algn="ctr"/>
+                <a:endParaRPr lang="en-US" sz="1200" dirty="0"/>
+              </a:p>
+            </p:txBody>
+          </p:sp>
+          <p:sp>
+            <p:nvSpPr>
+              <p:cNvPr id="49" name="Rectangle 48">
+                <a:extLst>
+                  <a:ext uri="{FF2B5EF4-FFF2-40B4-BE49-F238E27FC236}">
+                    <a16:creationId xmlns:a16="http://schemas.microsoft.com/office/drawing/2014/main" id="{C3036C01-51F5-484D-8B6A-DF0A3A88314D}"/>
+                  </a:ext>
+                </a:extLst>
+              </p:cNvPr>
+              <p:cNvSpPr/>
+              <p:nvPr/>
+            </p:nvSpPr>
+            <p:spPr>
+              <a:xfrm>
+                <a:off x="6391372" y="3874147"/>
+                <a:ext cx="2290713" cy="596295"/>
+              </a:xfrm>
+              <a:prstGeom prst="rect">
+                <a:avLst/>
+              </a:prstGeom>
+            </p:spPr>
+            <p:style>
+              <a:lnRef idx="2">
+                <a:schemeClr val="accent3">
+                  <a:shade val="50000"/>
+                </a:schemeClr>
+              </a:lnRef>
+              <a:fillRef idx="1">
+                <a:schemeClr val="accent3"/>
+              </a:fillRef>
+              <a:effectRef idx="0">
+                <a:schemeClr val="accent3"/>
+              </a:effectRef>
+              <a:fontRef idx="minor">
+                <a:schemeClr val="lt1"/>
+              </a:fontRef>
+            </p:style>
+            <p:txBody>
+              <a:bodyPr rtlCol="0" anchor="ctr"/>
+              <a:lstStyle/>
+              <a:p>
+                <a:pPr algn="ctr"/>
+                <a:endParaRPr lang="en-US" sz="1200" dirty="0"/>
+              </a:p>
+            </p:txBody>
+          </p:sp>
+          <p:sp>
+            <p:nvSpPr>
+              <p:cNvPr id="50" name="Rectangle 49">
+                <a:extLst>
+                  <a:ext uri="{FF2B5EF4-FFF2-40B4-BE49-F238E27FC236}">
+                    <a16:creationId xmlns:a16="http://schemas.microsoft.com/office/drawing/2014/main" id="{9452F5BC-9BF5-4CD6-83B3-E8202E6788BC}"/>
+                  </a:ext>
+                </a:extLst>
+              </p:cNvPr>
+              <p:cNvSpPr/>
+              <p:nvPr/>
+            </p:nvSpPr>
+            <p:spPr>
+              <a:xfrm>
+                <a:off x="6391372" y="3196989"/>
+                <a:ext cx="2290713" cy="596295"/>
+              </a:xfrm>
+              <a:prstGeom prst="rect">
+                <a:avLst/>
+              </a:prstGeom>
+            </p:spPr>
+            <p:style>
+              <a:lnRef idx="2">
+                <a:schemeClr val="accent6">
+                  <a:shade val="50000"/>
+                </a:schemeClr>
+              </a:lnRef>
+              <a:fillRef idx="1">
+                <a:schemeClr val="accent6"/>
+              </a:fillRef>
+              <a:effectRef idx="0">
+                <a:schemeClr val="accent6"/>
+              </a:effectRef>
+              <a:fontRef idx="minor">
+                <a:schemeClr val="lt1"/>
+              </a:fontRef>
+            </p:style>
+            <p:txBody>
+              <a:bodyPr rtlCol="0" anchor="ctr"/>
+              <a:lstStyle/>
+              <a:p>
+                <a:pPr algn="ctr"/>
+                <a:endParaRPr lang="en-US" sz="1200" dirty="0"/>
+              </a:p>
+            </p:txBody>
+          </p:sp>
+          <p:sp>
+            <p:nvSpPr>
+              <p:cNvPr id="51" name="Rectangle 50">
+                <a:extLst>
+                  <a:ext uri="{FF2B5EF4-FFF2-40B4-BE49-F238E27FC236}">
+                    <a16:creationId xmlns:a16="http://schemas.microsoft.com/office/drawing/2014/main" id="{9030A999-64B8-4C1C-8A41-AD9AC0B597E0}"/>
+                  </a:ext>
+                </a:extLst>
+              </p:cNvPr>
+              <p:cNvSpPr/>
+              <p:nvPr/>
+            </p:nvSpPr>
+            <p:spPr>
+              <a:xfrm>
+                <a:off x="6391372" y="2519831"/>
+                <a:ext cx="2290713" cy="596295"/>
+              </a:xfrm>
+              <a:prstGeom prst="rect">
+                <a:avLst/>
+              </a:prstGeom>
+            </p:spPr>
+            <p:style>
+              <a:lnRef idx="2">
+                <a:schemeClr val="accent2">
+                  <a:shade val="50000"/>
+                </a:schemeClr>
+              </a:lnRef>
+              <a:fillRef idx="1">
+                <a:schemeClr val="accent2"/>
+              </a:fillRef>
+              <a:effectRef idx="0">
+                <a:schemeClr val="accent2"/>
+              </a:effectRef>
+              <a:fontRef idx="minor">
+                <a:schemeClr val="lt1"/>
+              </a:fontRef>
+            </p:style>
+            <p:txBody>
+              <a:bodyPr rtlCol="0" anchor="ctr"/>
+              <a:lstStyle/>
+              <a:p>
+                <a:pPr algn="ctr"/>
+                <a:endParaRPr lang="en-US" sz="1200" dirty="0"/>
+              </a:p>
+            </p:txBody>
+          </p:sp>
+          <p:sp>
+            <p:nvSpPr>
+              <p:cNvPr id="52" name="Rectangle 51">
+                <a:extLst>
+                  <a:ext uri="{FF2B5EF4-FFF2-40B4-BE49-F238E27FC236}">
+                    <a16:creationId xmlns:a16="http://schemas.microsoft.com/office/drawing/2014/main" id="{66D76D26-2910-4F38-B8D1-6139612C6883}"/>
+                  </a:ext>
+                </a:extLst>
+              </p:cNvPr>
+              <p:cNvSpPr/>
+              <p:nvPr/>
+            </p:nvSpPr>
+            <p:spPr>
+              <a:xfrm>
+                <a:off x="6391372" y="1825625"/>
+                <a:ext cx="2290713" cy="596295"/>
+              </a:xfrm>
+              <a:prstGeom prst="rect">
+                <a:avLst/>
+              </a:prstGeom>
+            </p:spPr>
+            <p:style>
+              <a:lnRef idx="2">
+                <a:schemeClr val="accent1">
+                  <a:shade val="50000"/>
+                </a:schemeClr>
+              </a:lnRef>
+              <a:fillRef idx="1">
+                <a:schemeClr val="accent1"/>
+              </a:fillRef>
+              <a:effectRef idx="0">
+                <a:schemeClr val="accent1"/>
+              </a:effectRef>
+              <a:fontRef idx="minor">
+                <a:schemeClr val="lt1"/>
+              </a:fontRef>
+            </p:style>
+            <p:txBody>
+              <a:bodyPr rtlCol="0" anchor="ctr"/>
+              <a:lstStyle/>
+              <a:p>
+                <a:pPr algn="ctr"/>
+                <a:endParaRPr lang="en-US" sz="1200" dirty="0"/>
+              </a:p>
+            </p:txBody>
+          </p:sp>
+          <p:sp>
+            <p:nvSpPr>
+              <p:cNvPr id="53" name="Rectangle 52">
+                <a:extLst>
+                  <a:ext uri="{FF2B5EF4-FFF2-40B4-BE49-F238E27FC236}">
+                    <a16:creationId xmlns:a16="http://schemas.microsoft.com/office/drawing/2014/main" id="{2E457D14-359B-4B26-AA3B-D7971A29B84B}"/>
+                  </a:ext>
+                </a:extLst>
+              </p:cNvPr>
+              <p:cNvSpPr/>
+              <p:nvPr/>
+            </p:nvSpPr>
+            <p:spPr>
+              <a:xfrm>
+                <a:off x="8909903" y="3874147"/>
+                <a:ext cx="1582132" cy="596295"/>
+              </a:xfrm>
+              <a:prstGeom prst="rect">
+                <a:avLst/>
+              </a:prstGeom>
+            </p:spPr>
+            <p:style>
+              <a:lnRef idx="2">
+                <a:schemeClr val="accent3">
+                  <a:shade val="50000"/>
+                </a:schemeClr>
+              </a:lnRef>
+              <a:fillRef idx="1">
+                <a:schemeClr val="accent3"/>
+              </a:fillRef>
+              <a:effectRef idx="0">
+                <a:schemeClr val="accent3"/>
+              </a:effectRef>
+              <a:fontRef idx="minor">
+                <a:schemeClr val="lt1"/>
+              </a:fontRef>
+            </p:style>
+            <p:txBody>
+              <a:bodyPr rtlCol="0" anchor="ctr"/>
+              <a:lstStyle/>
+              <a:p>
+                <a:pPr algn="ctr"/>
+                <a:endParaRPr lang="en-US" sz="1200" dirty="0"/>
+              </a:p>
+            </p:txBody>
+          </p:sp>
+          <p:sp>
+            <p:nvSpPr>
+              <p:cNvPr id="54" name="Rectangle 53">
+                <a:extLst>
+                  <a:ext uri="{FF2B5EF4-FFF2-40B4-BE49-F238E27FC236}">
+                    <a16:creationId xmlns:a16="http://schemas.microsoft.com/office/drawing/2014/main" id="{149966C6-041C-4BF8-AAF7-AA00AB52BD58}"/>
+                  </a:ext>
+                </a:extLst>
+              </p:cNvPr>
+              <p:cNvSpPr/>
+              <p:nvPr/>
+            </p:nvSpPr>
+            <p:spPr>
+              <a:xfrm>
+                <a:off x="8909903" y="3196989"/>
+                <a:ext cx="1582132" cy="596295"/>
+              </a:xfrm>
+              <a:prstGeom prst="rect">
+                <a:avLst/>
+              </a:prstGeom>
+            </p:spPr>
+            <p:style>
+              <a:lnRef idx="2">
+                <a:schemeClr val="accent6">
+                  <a:shade val="50000"/>
+                </a:schemeClr>
+              </a:lnRef>
+              <a:fillRef idx="1">
+                <a:schemeClr val="accent6"/>
+              </a:fillRef>
+              <a:effectRef idx="0">
+                <a:schemeClr val="accent6"/>
+              </a:effectRef>
+              <a:fontRef idx="minor">
+                <a:schemeClr val="lt1"/>
+              </a:fontRef>
+            </p:style>
+            <p:txBody>
+              <a:bodyPr rtlCol="0" anchor="ctr"/>
+              <a:lstStyle/>
+              <a:p>
+                <a:pPr algn="ctr"/>
+                <a:endParaRPr lang="en-US" sz="1200" dirty="0"/>
+              </a:p>
+            </p:txBody>
+          </p:sp>
+          <p:sp>
+            <p:nvSpPr>
+              <p:cNvPr id="55" name="Rectangle 54">
+                <a:extLst>
+                  <a:ext uri="{FF2B5EF4-FFF2-40B4-BE49-F238E27FC236}">
+                    <a16:creationId xmlns:a16="http://schemas.microsoft.com/office/drawing/2014/main" id="{52D2C6DC-B6F8-46CE-9183-7B85CE5BA8E2}"/>
+                  </a:ext>
+                </a:extLst>
+              </p:cNvPr>
+              <p:cNvSpPr/>
+              <p:nvPr/>
+            </p:nvSpPr>
+            <p:spPr>
+              <a:xfrm>
+                <a:off x="8909903" y="2519831"/>
+                <a:ext cx="1582132" cy="596295"/>
+              </a:xfrm>
+              <a:prstGeom prst="rect">
+                <a:avLst/>
+              </a:prstGeom>
+            </p:spPr>
+            <p:style>
+              <a:lnRef idx="2">
+                <a:schemeClr val="accent2">
+                  <a:shade val="50000"/>
+                </a:schemeClr>
+              </a:lnRef>
+              <a:fillRef idx="1">
+                <a:schemeClr val="accent2"/>
+              </a:fillRef>
+              <a:effectRef idx="0">
+                <a:schemeClr val="accent2"/>
+              </a:effectRef>
+              <a:fontRef idx="minor">
+                <a:schemeClr val="lt1"/>
+              </a:fontRef>
+            </p:style>
+            <p:txBody>
+              <a:bodyPr rtlCol="0" anchor="ctr"/>
+              <a:lstStyle/>
+              <a:p>
+                <a:pPr algn="ctr"/>
+                <a:endParaRPr lang="en-US" sz="1200" dirty="0"/>
+              </a:p>
+            </p:txBody>
+          </p:sp>
+          <p:sp>
+            <p:nvSpPr>
+              <p:cNvPr id="56" name="Rectangle 55">
+                <a:extLst>
+                  <a:ext uri="{FF2B5EF4-FFF2-40B4-BE49-F238E27FC236}">
+                    <a16:creationId xmlns:a16="http://schemas.microsoft.com/office/drawing/2014/main" id="{9E9C3943-8082-4E77-A7A5-720291CF38B1}"/>
+                  </a:ext>
+                </a:extLst>
+              </p:cNvPr>
+              <p:cNvSpPr/>
+              <p:nvPr/>
+            </p:nvSpPr>
+            <p:spPr>
+              <a:xfrm>
+                <a:off x="8909903" y="1825625"/>
+                <a:ext cx="1582132" cy="596295"/>
+              </a:xfrm>
+              <a:prstGeom prst="rect">
+                <a:avLst/>
+              </a:prstGeom>
+            </p:spPr>
+            <p:style>
+              <a:lnRef idx="2">
+                <a:schemeClr val="accent1">
+                  <a:shade val="50000"/>
+                </a:schemeClr>
+              </a:lnRef>
+              <a:fillRef idx="1">
+                <a:schemeClr val="accent1"/>
+              </a:fillRef>
+              <a:effectRef idx="0">
+                <a:schemeClr val="accent1"/>
+              </a:effectRef>
+              <a:fontRef idx="minor">
+                <a:schemeClr val="lt1"/>
+              </a:fontRef>
+            </p:style>
+            <p:txBody>
+              <a:bodyPr rtlCol="0" anchor="ctr"/>
+              <a:lstStyle/>
+              <a:p>
+                <a:pPr algn="ctr"/>
+                <a:endParaRPr lang="en-US" sz="1200" dirty="0"/>
+              </a:p>
+            </p:txBody>
+          </p:sp>
+        </p:grpSp>
+        <p:sp>
+          <p:nvSpPr>
+            <p:cNvPr id="46" name="Rectangle 45">
+              <a:extLst>
+                <a:ext uri="{FF2B5EF4-FFF2-40B4-BE49-F238E27FC236}">
+                  <a16:creationId xmlns:a16="http://schemas.microsoft.com/office/drawing/2014/main" id="{5489F7C3-F53C-48BC-9A41-D7BBE8C9D4F7}"/>
+                </a:ext>
+              </a:extLst>
+            </p:cNvPr>
+            <p:cNvSpPr/>
+            <p:nvPr/>
+          </p:nvSpPr>
+          <p:spPr>
+            <a:xfrm>
+              <a:off x="6096000" y="1310325"/>
+              <a:ext cx="4289196" cy="424321"/>
+            </a:xfrm>
+            <a:prstGeom prst="rect">
+              <a:avLst/>
+            </a:prstGeom>
+          </p:spPr>
+          <p:style>
+            <a:lnRef idx="2">
+              <a:schemeClr val="accent3"/>
+            </a:lnRef>
+            <a:fillRef idx="1">
+              <a:schemeClr val="lt1"/>
+            </a:fillRef>
+            <a:effectRef idx="0">
+              <a:schemeClr val="accent3"/>
+            </a:effectRef>
+            <a:fontRef idx="minor">
+              <a:schemeClr val="dk1"/>
+            </a:fontRef>
+          </p:style>
+          <p:txBody>
+            <a:bodyPr rtlCol="0" anchor="ctr"/>
+            <a:lstStyle/>
+            <a:p>
+              <a:pPr algn="ctr"/>
+              <a:r>
+                <a:rPr lang="en-US" sz="1200" dirty="0"/>
+                <a:t>Test - Web</a:t>
+              </a:r>
+            </a:p>
+          </p:txBody>
+        </p:sp>
+      </p:grpSp>
+      <p:grpSp>
+        <p:nvGrpSpPr>
+          <p:cNvPr id="57" name="Group 56">
+            <a:extLst>
+              <a:ext uri="{FF2B5EF4-FFF2-40B4-BE49-F238E27FC236}">
+                <a16:creationId xmlns:a16="http://schemas.microsoft.com/office/drawing/2014/main" id="{BA1C0CCD-BF58-4868-8E06-A24AB6E555F4}"/>
+              </a:ext>
+            </a:extLst>
+          </p:cNvPr>
+          <p:cNvGrpSpPr/>
+          <p:nvPr/>
+        </p:nvGrpSpPr>
+        <p:grpSpPr>
+          <a:xfrm>
+            <a:off x="5657337" y="3894383"/>
+            <a:ext cx="1257473" cy="1132554"/>
+            <a:chOff x="6096000" y="1310325"/>
+            <a:chExt cx="4289196" cy="3305634"/>
+          </a:xfrm>
+        </p:grpSpPr>
+        <p:grpSp>
+          <p:nvGrpSpPr>
+            <p:cNvPr id="58" name="Group 57">
+              <a:extLst>
+                <a:ext uri="{FF2B5EF4-FFF2-40B4-BE49-F238E27FC236}">
+                  <a16:creationId xmlns:a16="http://schemas.microsoft.com/office/drawing/2014/main" id="{6135CB6C-D530-44F6-81F9-195B3B012687}"/>
+                </a:ext>
+              </a:extLst>
+            </p:cNvPr>
+            <p:cNvGrpSpPr/>
+            <p:nvPr/>
+          </p:nvGrpSpPr>
+          <p:grpSpPr>
+            <a:xfrm>
+              <a:off x="6096000" y="1734647"/>
+              <a:ext cx="4289196" cy="2881312"/>
+              <a:chOff x="6306532" y="1690688"/>
+              <a:chExt cx="4289196" cy="2881312"/>
+            </a:xfrm>
+          </p:grpSpPr>
+          <p:sp>
+            <p:nvSpPr>
+              <p:cNvPr id="60" name="Rectangle 59">
+                <a:extLst>
+                  <a:ext uri="{FF2B5EF4-FFF2-40B4-BE49-F238E27FC236}">
+                    <a16:creationId xmlns:a16="http://schemas.microsoft.com/office/drawing/2014/main" id="{92A6C6B9-132A-48D0-B575-FABA59C2CDDE}"/>
+                  </a:ext>
+                </a:extLst>
+              </p:cNvPr>
+              <p:cNvSpPr/>
+              <p:nvPr/>
+            </p:nvSpPr>
+            <p:spPr>
+              <a:xfrm>
+                <a:off x="8834880" y="1690688"/>
+                <a:ext cx="1760848" cy="2881312"/>
+              </a:xfrm>
+              <a:prstGeom prst="rect">
+                <a:avLst/>
+              </a:prstGeom>
+            </p:spPr>
+            <p:style>
+              <a:lnRef idx="2">
+                <a:schemeClr val="accent3">
+                  <a:shade val="50000"/>
+                </a:schemeClr>
+              </a:lnRef>
+              <a:fillRef idx="1">
+                <a:schemeClr val="accent3"/>
+              </a:fillRef>
+              <a:effectRef idx="0">
+                <a:schemeClr val="accent3"/>
+              </a:effectRef>
+              <a:fontRef idx="minor">
+                <a:schemeClr val="lt1"/>
+              </a:fontRef>
+            </p:style>
+            <p:txBody>
+              <a:bodyPr rtlCol="0" anchor="ctr"/>
+              <a:lstStyle/>
+              <a:p>
+                <a:pPr algn="ctr"/>
+                <a:endParaRPr lang="en-US" sz="1200" dirty="0"/>
+              </a:p>
+            </p:txBody>
+          </p:sp>
+          <p:sp>
+            <p:nvSpPr>
+              <p:cNvPr id="61" name="Rectangle 60">
+                <a:extLst>
+                  <a:ext uri="{FF2B5EF4-FFF2-40B4-BE49-F238E27FC236}">
+                    <a16:creationId xmlns:a16="http://schemas.microsoft.com/office/drawing/2014/main" id="{0EB9DD55-420B-492C-9CBD-66C566CC1379}"/>
+                  </a:ext>
+                </a:extLst>
+              </p:cNvPr>
+              <p:cNvSpPr/>
+              <p:nvPr/>
+            </p:nvSpPr>
+            <p:spPr>
+              <a:xfrm>
+                <a:off x="6306532" y="1690688"/>
+                <a:ext cx="2460396" cy="2881312"/>
+              </a:xfrm>
+              <a:prstGeom prst="rect">
+                <a:avLst/>
+              </a:prstGeom>
+            </p:spPr>
+            <p:style>
+              <a:lnRef idx="2">
+                <a:schemeClr val="accent3">
+                  <a:shade val="50000"/>
+                </a:schemeClr>
+              </a:lnRef>
+              <a:fillRef idx="1">
+                <a:schemeClr val="accent3"/>
+              </a:fillRef>
+              <a:effectRef idx="0">
+                <a:schemeClr val="accent3"/>
+              </a:effectRef>
+              <a:fontRef idx="minor">
+                <a:schemeClr val="lt1"/>
+              </a:fontRef>
+            </p:style>
+            <p:txBody>
+              <a:bodyPr rtlCol="0" anchor="ctr"/>
+              <a:lstStyle/>
+              <a:p>
+                <a:pPr algn="ctr"/>
+                <a:endParaRPr lang="en-US" sz="1200" dirty="0"/>
+              </a:p>
+            </p:txBody>
+          </p:sp>
+          <p:sp>
+            <p:nvSpPr>
+              <p:cNvPr id="62" name="Rectangle 61">
+                <a:extLst>
+                  <a:ext uri="{FF2B5EF4-FFF2-40B4-BE49-F238E27FC236}">
+                    <a16:creationId xmlns:a16="http://schemas.microsoft.com/office/drawing/2014/main" id="{1934FDF8-E907-4C43-A38C-8D51070713B4}"/>
+                  </a:ext>
+                </a:extLst>
+              </p:cNvPr>
+              <p:cNvSpPr/>
+              <p:nvPr/>
+            </p:nvSpPr>
+            <p:spPr>
+              <a:xfrm>
+                <a:off x="6391372" y="3874147"/>
+                <a:ext cx="2290713" cy="596295"/>
+              </a:xfrm>
+              <a:prstGeom prst="rect">
+                <a:avLst/>
+              </a:prstGeom>
+            </p:spPr>
+            <p:style>
+              <a:lnRef idx="2">
+                <a:schemeClr val="accent3">
+                  <a:shade val="50000"/>
+                </a:schemeClr>
+              </a:lnRef>
+              <a:fillRef idx="1">
+                <a:schemeClr val="accent3"/>
+              </a:fillRef>
+              <a:effectRef idx="0">
+                <a:schemeClr val="accent3"/>
+              </a:effectRef>
+              <a:fontRef idx="minor">
+                <a:schemeClr val="lt1"/>
+              </a:fontRef>
+            </p:style>
+            <p:txBody>
+              <a:bodyPr rtlCol="0" anchor="ctr"/>
+              <a:lstStyle/>
+              <a:p>
+                <a:pPr algn="ctr"/>
+                <a:endParaRPr lang="en-US" sz="1200" dirty="0"/>
+              </a:p>
+            </p:txBody>
+          </p:sp>
+          <p:sp>
+            <p:nvSpPr>
+              <p:cNvPr id="63" name="Rectangle 62">
+                <a:extLst>
+                  <a:ext uri="{FF2B5EF4-FFF2-40B4-BE49-F238E27FC236}">
+                    <a16:creationId xmlns:a16="http://schemas.microsoft.com/office/drawing/2014/main" id="{B8260855-FE9E-4C20-B6F7-A3FF90504FC7}"/>
+                  </a:ext>
+                </a:extLst>
+              </p:cNvPr>
+              <p:cNvSpPr/>
+              <p:nvPr/>
+            </p:nvSpPr>
+            <p:spPr>
+              <a:xfrm>
+                <a:off x="6391372" y="3196989"/>
+                <a:ext cx="2290713" cy="596295"/>
+              </a:xfrm>
+              <a:prstGeom prst="rect">
+                <a:avLst/>
+              </a:prstGeom>
+            </p:spPr>
+            <p:style>
+              <a:lnRef idx="2">
+                <a:schemeClr val="accent6">
+                  <a:shade val="50000"/>
+                </a:schemeClr>
+              </a:lnRef>
+              <a:fillRef idx="1">
+                <a:schemeClr val="accent6"/>
+              </a:fillRef>
+              <a:effectRef idx="0">
+                <a:schemeClr val="accent6"/>
+              </a:effectRef>
+              <a:fontRef idx="minor">
+                <a:schemeClr val="lt1"/>
+              </a:fontRef>
+            </p:style>
+            <p:txBody>
+              <a:bodyPr rtlCol="0" anchor="ctr"/>
+              <a:lstStyle/>
+              <a:p>
+                <a:pPr algn="ctr"/>
+                <a:endParaRPr lang="en-US" sz="1200" dirty="0"/>
+              </a:p>
+            </p:txBody>
+          </p:sp>
+          <p:sp>
+            <p:nvSpPr>
+              <p:cNvPr id="64" name="Rectangle 63">
+                <a:extLst>
+                  <a:ext uri="{FF2B5EF4-FFF2-40B4-BE49-F238E27FC236}">
+                    <a16:creationId xmlns:a16="http://schemas.microsoft.com/office/drawing/2014/main" id="{6B7AF6FD-2EF0-4A0A-A577-3FB61ED738EC}"/>
+                  </a:ext>
+                </a:extLst>
+              </p:cNvPr>
+              <p:cNvSpPr/>
+              <p:nvPr/>
+            </p:nvSpPr>
+            <p:spPr>
+              <a:xfrm>
+                <a:off x="6391372" y="2519831"/>
+                <a:ext cx="2290713" cy="596295"/>
+              </a:xfrm>
+              <a:prstGeom prst="rect">
+                <a:avLst/>
+              </a:prstGeom>
+            </p:spPr>
+            <p:style>
+              <a:lnRef idx="2">
+                <a:schemeClr val="accent2">
+                  <a:shade val="50000"/>
+                </a:schemeClr>
+              </a:lnRef>
+              <a:fillRef idx="1">
+                <a:schemeClr val="accent2"/>
+              </a:fillRef>
+              <a:effectRef idx="0">
+                <a:schemeClr val="accent2"/>
+              </a:effectRef>
+              <a:fontRef idx="minor">
+                <a:schemeClr val="lt1"/>
+              </a:fontRef>
+            </p:style>
+            <p:txBody>
+              <a:bodyPr rtlCol="0" anchor="ctr"/>
+              <a:lstStyle/>
+              <a:p>
+                <a:pPr algn="ctr"/>
+                <a:endParaRPr lang="en-US" sz="1200" dirty="0"/>
+              </a:p>
+            </p:txBody>
+          </p:sp>
+          <p:sp>
+            <p:nvSpPr>
+              <p:cNvPr id="65" name="Rectangle 64">
+                <a:extLst>
+                  <a:ext uri="{FF2B5EF4-FFF2-40B4-BE49-F238E27FC236}">
+                    <a16:creationId xmlns:a16="http://schemas.microsoft.com/office/drawing/2014/main" id="{19D2AAD2-3E35-477E-A469-53EAFE9703E7}"/>
+                  </a:ext>
+                </a:extLst>
+              </p:cNvPr>
+              <p:cNvSpPr/>
+              <p:nvPr/>
+            </p:nvSpPr>
+            <p:spPr>
+              <a:xfrm>
+                <a:off x="6391372" y="1825625"/>
+                <a:ext cx="2290713" cy="596295"/>
+              </a:xfrm>
+              <a:prstGeom prst="rect">
+                <a:avLst/>
+              </a:prstGeom>
+            </p:spPr>
+            <p:style>
+              <a:lnRef idx="2">
+                <a:schemeClr val="accent1">
+                  <a:shade val="50000"/>
+                </a:schemeClr>
+              </a:lnRef>
+              <a:fillRef idx="1">
+                <a:schemeClr val="accent1"/>
+              </a:fillRef>
+              <a:effectRef idx="0">
+                <a:schemeClr val="accent1"/>
+              </a:effectRef>
+              <a:fontRef idx="minor">
+                <a:schemeClr val="lt1"/>
+              </a:fontRef>
+            </p:style>
+            <p:txBody>
+              <a:bodyPr rtlCol="0" anchor="ctr"/>
+              <a:lstStyle/>
+              <a:p>
+                <a:pPr algn="ctr"/>
+                <a:endParaRPr lang="en-US" sz="1200" dirty="0"/>
+              </a:p>
+            </p:txBody>
+          </p:sp>
+          <p:sp>
+            <p:nvSpPr>
+              <p:cNvPr id="66" name="Rectangle 65">
+                <a:extLst>
+                  <a:ext uri="{FF2B5EF4-FFF2-40B4-BE49-F238E27FC236}">
+                    <a16:creationId xmlns:a16="http://schemas.microsoft.com/office/drawing/2014/main" id="{BFF8427D-16C4-4D0D-AE01-7421397EF888}"/>
+                  </a:ext>
+                </a:extLst>
+              </p:cNvPr>
+              <p:cNvSpPr/>
+              <p:nvPr/>
+            </p:nvSpPr>
+            <p:spPr>
+              <a:xfrm>
+                <a:off x="8909903" y="3874147"/>
+                <a:ext cx="1582132" cy="596295"/>
+              </a:xfrm>
+              <a:prstGeom prst="rect">
+                <a:avLst/>
+              </a:prstGeom>
+            </p:spPr>
+            <p:style>
+              <a:lnRef idx="2">
+                <a:schemeClr val="accent3">
+                  <a:shade val="50000"/>
+                </a:schemeClr>
+              </a:lnRef>
+              <a:fillRef idx="1">
+                <a:schemeClr val="accent3"/>
+              </a:fillRef>
+              <a:effectRef idx="0">
+                <a:schemeClr val="accent3"/>
+              </a:effectRef>
+              <a:fontRef idx="minor">
+                <a:schemeClr val="lt1"/>
+              </a:fontRef>
+            </p:style>
+            <p:txBody>
+              <a:bodyPr rtlCol="0" anchor="ctr"/>
+              <a:lstStyle/>
+              <a:p>
+                <a:pPr algn="ctr"/>
+                <a:endParaRPr lang="en-US" sz="1200" dirty="0"/>
+              </a:p>
+            </p:txBody>
+          </p:sp>
+          <p:sp>
+            <p:nvSpPr>
+              <p:cNvPr id="67" name="Rectangle 66">
+                <a:extLst>
+                  <a:ext uri="{FF2B5EF4-FFF2-40B4-BE49-F238E27FC236}">
+                    <a16:creationId xmlns:a16="http://schemas.microsoft.com/office/drawing/2014/main" id="{95D919E8-7436-45A3-B593-2E53E9BB3622}"/>
+                  </a:ext>
+                </a:extLst>
+              </p:cNvPr>
+              <p:cNvSpPr/>
+              <p:nvPr/>
+            </p:nvSpPr>
+            <p:spPr>
+              <a:xfrm>
+                <a:off x="8909903" y="3196989"/>
+                <a:ext cx="1582132" cy="596295"/>
+              </a:xfrm>
+              <a:prstGeom prst="rect">
+                <a:avLst/>
+              </a:prstGeom>
+            </p:spPr>
+            <p:style>
+              <a:lnRef idx="2">
+                <a:schemeClr val="accent6">
+                  <a:shade val="50000"/>
+                </a:schemeClr>
+              </a:lnRef>
+              <a:fillRef idx="1">
+                <a:schemeClr val="accent6"/>
+              </a:fillRef>
+              <a:effectRef idx="0">
+                <a:schemeClr val="accent6"/>
+              </a:effectRef>
+              <a:fontRef idx="minor">
+                <a:schemeClr val="lt1"/>
+              </a:fontRef>
+            </p:style>
+            <p:txBody>
+              <a:bodyPr rtlCol="0" anchor="ctr"/>
+              <a:lstStyle/>
+              <a:p>
+                <a:pPr algn="ctr"/>
+                <a:endParaRPr lang="en-US" sz="1200" dirty="0"/>
+              </a:p>
+            </p:txBody>
+          </p:sp>
+          <p:sp>
+            <p:nvSpPr>
+              <p:cNvPr id="68" name="Rectangle 67">
+                <a:extLst>
+                  <a:ext uri="{FF2B5EF4-FFF2-40B4-BE49-F238E27FC236}">
+                    <a16:creationId xmlns:a16="http://schemas.microsoft.com/office/drawing/2014/main" id="{DCBCF410-C9D3-45F5-A97F-0329CAE3EBCF}"/>
+                  </a:ext>
+                </a:extLst>
+              </p:cNvPr>
+              <p:cNvSpPr/>
+              <p:nvPr/>
+            </p:nvSpPr>
+            <p:spPr>
+              <a:xfrm>
+                <a:off x="8909903" y="2519831"/>
+                <a:ext cx="1582132" cy="596295"/>
+              </a:xfrm>
+              <a:prstGeom prst="rect">
+                <a:avLst/>
+              </a:prstGeom>
+            </p:spPr>
+            <p:style>
+              <a:lnRef idx="2">
+                <a:schemeClr val="accent2">
+                  <a:shade val="50000"/>
+                </a:schemeClr>
+              </a:lnRef>
+              <a:fillRef idx="1">
+                <a:schemeClr val="accent2"/>
+              </a:fillRef>
+              <a:effectRef idx="0">
+                <a:schemeClr val="accent2"/>
+              </a:effectRef>
+              <a:fontRef idx="minor">
+                <a:schemeClr val="lt1"/>
+              </a:fontRef>
+            </p:style>
+            <p:txBody>
+              <a:bodyPr rtlCol="0" anchor="ctr"/>
+              <a:lstStyle/>
+              <a:p>
+                <a:pPr algn="ctr"/>
+                <a:endParaRPr lang="en-US" sz="1200" dirty="0"/>
+              </a:p>
+            </p:txBody>
+          </p:sp>
+          <p:sp>
+            <p:nvSpPr>
+              <p:cNvPr id="69" name="Rectangle 68">
+                <a:extLst>
+                  <a:ext uri="{FF2B5EF4-FFF2-40B4-BE49-F238E27FC236}">
+                    <a16:creationId xmlns:a16="http://schemas.microsoft.com/office/drawing/2014/main" id="{11AB148D-A865-4A67-877E-D87D554CEB5F}"/>
+                  </a:ext>
+                </a:extLst>
+              </p:cNvPr>
+              <p:cNvSpPr/>
+              <p:nvPr/>
+            </p:nvSpPr>
+            <p:spPr>
+              <a:xfrm>
+                <a:off x="8909903" y="1825625"/>
+                <a:ext cx="1582132" cy="596295"/>
+              </a:xfrm>
+              <a:prstGeom prst="rect">
+                <a:avLst/>
+              </a:prstGeom>
+            </p:spPr>
+            <p:style>
+              <a:lnRef idx="2">
+                <a:schemeClr val="accent1">
+                  <a:shade val="50000"/>
+                </a:schemeClr>
+              </a:lnRef>
+              <a:fillRef idx="1">
+                <a:schemeClr val="accent1"/>
+              </a:fillRef>
+              <a:effectRef idx="0">
+                <a:schemeClr val="accent1"/>
+              </a:effectRef>
+              <a:fontRef idx="minor">
+                <a:schemeClr val="lt1"/>
+              </a:fontRef>
+            </p:style>
+            <p:txBody>
+              <a:bodyPr rtlCol="0" anchor="ctr"/>
+              <a:lstStyle/>
+              <a:p>
+                <a:pPr algn="ctr"/>
+                <a:endParaRPr lang="en-US" sz="1200" dirty="0"/>
+              </a:p>
+            </p:txBody>
+          </p:sp>
+        </p:grpSp>
+        <p:sp>
+          <p:nvSpPr>
+            <p:cNvPr id="59" name="Rectangle 58">
+              <a:extLst>
+                <a:ext uri="{FF2B5EF4-FFF2-40B4-BE49-F238E27FC236}">
+                  <a16:creationId xmlns:a16="http://schemas.microsoft.com/office/drawing/2014/main" id="{BB996293-AACF-454C-A8DC-CC491A5F8A5D}"/>
+                </a:ext>
+              </a:extLst>
+            </p:cNvPr>
+            <p:cNvSpPr/>
+            <p:nvPr/>
+          </p:nvSpPr>
+          <p:spPr>
+            <a:xfrm>
+              <a:off x="6096000" y="1310325"/>
+              <a:ext cx="4289196" cy="424320"/>
+            </a:xfrm>
+            <a:prstGeom prst="rect">
+              <a:avLst/>
+            </a:prstGeom>
+          </p:spPr>
+          <p:style>
+            <a:lnRef idx="2">
+              <a:schemeClr val="accent3"/>
+            </a:lnRef>
+            <a:fillRef idx="1">
+              <a:schemeClr val="lt1"/>
+            </a:fillRef>
+            <a:effectRef idx="0">
+              <a:schemeClr val="accent3"/>
+            </a:effectRef>
+            <a:fontRef idx="minor">
+              <a:schemeClr val="dk1"/>
+            </a:fontRef>
+          </p:style>
+          <p:txBody>
+            <a:bodyPr rtlCol="0" anchor="ctr"/>
+            <a:lstStyle/>
+            <a:p>
+              <a:pPr algn="ctr"/>
+              <a:r>
+                <a:rPr lang="en-US" sz="1200" dirty="0"/>
+                <a:t>Test - Database</a:t>
+              </a:r>
+            </a:p>
+          </p:txBody>
+        </p:sp>
+      </p:grpSp>
+      <p:grpSp>
+        <p:nvGrpSpPr>
+          <p:cNvPr id="70" name="Group 69">
+            <a:extLst>
+              <a:ext uri="{FF2B5EF4-FFF2-40B4-BE49-F238E27FC236}">
+                <a16:creationId xmlns:a16="http://schemas.microsoft.com/office/drawing/2014/main" id="{5ABCCF2D-ADFD-4BF3-B1C5-04248AB926B7}"/>
+              </a:ext>
+            </a:extLst>
+          </p:cNvPr>
+          <p:cNvGrpSpPr/>
+          <p:nvPr/>
+        </p:nvGrpSpPr>
+        <p:grpSpPr>
+          <a:xfrm>
+            <a:off x="6328030" y="4699754"/>
+            <a:ext cx="1257473" cy="1132554"/>
+            <a:chOff x="6096000" y="1310325"/>
+            <a:chExt cx="4289196" cy="3305634"/>
+          </a:xfrm>
+        </p:grpSpPr>
+        <p:grpSp>
+          <p:nvGrpSpPr>
+            <p:cNvPr id="71" name="Group 70">
+              <a:extLst>
+                <a:ext uri="{FF2B5EF4-FFF2-40B4-BE49-F238E27FC236}">
+                  <a16:creationId xmlns:a16="http://schemas.microsoft.com/office/drawing/2014/main" id="{7DF3A1FB-A692-4FAA-A1EA-F6AA86336747}"/>
+                </a:ext>
+              </a:extLst>
+            </p:cNvPr>
+            <p:cNvGrpSpPr/>
+            <p:nvPr/>
+          </p:nvGrpSpPr>
+          <p:grpSpPr>
+            <a:xfrm>
+              <a:off x="6096000" y="1734647"/>
+              <a:ext cx="4289196" cy="2881312"/>
+              <a:chOff x="6306532" y="1690688"/>
+              <a:chExt cx="4289196" cy="2881312"/>
+            </a:xfrm>
+          </p:grpSpPr>
+          <p:sp>
+            <p:nvSpPr>
+              <p:cNvPr id="73" name="Rectangle 72">
+                <a:extLst>
+                  <a:ext uri="{FF2B5EF4-FFF2-40B4-BE49-F238E27FC236}">
+                    <a16:creationId xmlns:a16="http://schemas.microsoft.com/office/drawing/2014/main" id="{7835E763-9B8E-42FA-BD15-F2F12FB67B86}"/>
+                  </a:ext>
+                </a:extLst>
+              </p:cNvPr>
+              <p:cNvSpPr/>
+              <p:nvPr/>
+            </p:nvSpPr>
+            <p:spPr>
+              <a:xfrm>
+                <a:off x="8834880" y="1690688"/>
+                <a:ext cx="1760848" cy="2881312"/>
+              </a:xfrm>
+              <a:prstGeom prst="rect">
+                <a:avLst/>
+              </a:prstGeom>
+            </p:spPr>
+            <p:style>
+              <a:lnRef idx="2">
+                <a:schemeClr val="accent3">
+                  <a:shade val="50000"/>
+                </a:schemeClr>
+              </a:lnRef>
+              <a:fillRef idx="1">
+                <a:schemeClr val="accent3"/>
+              </a:fillRef>
+              <a:effectRef idx="0">
+                <a:schemeClr val="accent3"/>
+              </a:effectRef>
+              <a:fontRef idx="minor">
+                <a:schemeClr val="lt1"/>
+              </a:fontRef>
+            </p:style>
+            <p:txBody>
+              <a:bodyPr rtlCol="0" anchor="ctr"/>
+              <a:lstStyle/>
+              <a:p>
+                <a:pPr algn="ctr"/>
+                <a:endParaRPr lang="en-US" sz="1200" dirty="0"/>
+              </a:p>
+            </p:txBody>
+          </p:sp>
+          <p:sp>
+            <p:nvSpPr>
+              <p:cNvPr id="74" name="Rectangle 73">
+                <a:extLst>
+                  <a:ext uri="{FF2B5EF4-FFF2-40B4-BE49-F238E27FC236}">
+                    <a16:creationId xmlns:a16="http://schemas.microsoft.com/office/drawing/2014/main" id="{9CD89C8C-4F4E-48A7-A1BE-82F3A6EDF929}"/>
+                  </a:ext>
+                </a:extLst>
+              </p:cNvPr>
+              <p:cNvSpPr/>
+              <p:nvPr/>
+            </p:nvSpPr>
+            <p:spPr>
+              <a:xfrm>
+                <a:off x="6306532" y="1690688"/>
+                <a:ext cx="2460396" cy="2881312"/>
+              </a:xfrm>
+              <a:prstGeom prst="rect">
+                <a:avLst/>
+              </a:prstGeom>
+            </p:spPr>
+            <p:style>
+              <a:lnRef idx="2">
+                <a:schemeClr val="accent3">
+                  <a:shade val="50000"/>
+                </a:schemeClr>
+              </a:lnRef>
+              <a:fillRef idx="1">
+                <a:schemeClr val="accent3"/>
+              </a:fillRef>
+              <a:effectRef idx="0">
+                <a:schemeClr val="accent3"/>
+              </a:effectRef>
+              <a:fontRef idx="minor">
+                <a:schemeClr val="lt1"/>
+              </a:fontRef>
+            </p:style>
+            <p:txBody>
+              <a:bodyPr rtlCol="0" anchor="ctr"/>
+              <a:lstStyle/>
+              <a:p>
+                <a:pPr algn="ctr"/>
+                <a:endParaRPr lang="en-US" sz="1200" dirty="0"/>
+              </a:p>
+            </p:txBody>
+          </p:sp>
+          <p:sp>
+            <p:nvSpPr>
+              <p:cNvPr id="75" name="Rectangle 74">
+                <a:extLst>
+                  <a:ext uri="{FF2B5EF4-FFF2-40B4-BE49-F238E27FC236}">
+                    <a16:creationId xmlns:a16="http://schemas.microsoft.com/office/drawing/2014/main" id="{CC30FD42-EB77-4EEA-98E4-72341F656962}"/>
+                  </a:ext>
+                </a:extLst>
+              </p:cNvPr>
+              <p:cNvSpPr/>
+              <p:nvPr/>
+            </p:nvSpPr>
+            <p:spPr>
+              <a:xfrm>
+                <a:off x="6391372" y="3874147"/>
+                <a:ext cx="2290713" cy="596295"/>
+              </a:xfrm>
+              <a:prstGeom prst="rect">
+                <a:avLst/>
+              </a:prstGeom>
+            </p:spPr>
+            <p:style>
+              <a:lnRef idx="2">
+                <a:schemeClr val="accent3">
+                  <a:shade val="50000"/>
+                </a:schemeClr>
+              </a:lnRef>
+              <a:fillRef idx="1">
+                <a:schemeClr val="accent3"/>
+              </a:fillRef>
+              <a:effectRef idx="0">
+                <a:schemeClr val="accent3"/>
+              </a:effectRef>
+              <a:fontRef idx="minor">
+                <a:schemeClr val="lt1"/>
+              </a:fontRef>
+            </p:style>
+            <p:txBody>
+              <a:bodyPr rtlCol="0" anchor="ctr"/>
+              <a:lstStyle/>
+              <a:p>
+                <a:pPr algn="ctr"/>
+                <a:endParaRPr lang="en-US" sz="1200" dirty="0"/>
+              </a:p>
+            </p:txBody>
+          </p:sp>
+          <p:sp>
+            <p:nvSpPr>
+              <p:cNvPr id="76" name="Rectangle 75">
+                <a:extLst>
+                  <a:ext uri="{FF2B5EF4-FFF2-40B4-BE49-F238E27FC236}">
+                    <a16:creationId xmlns:a16="http://schemas.microsoft.com/office/drawing/2014/main" id="{8ADD97CE-5E89-4A35-81CB-07F89FB9526B}"/>
+                  </a:ext>
+                </a:extLst>
+              </p:cNvPr>
+              <p:cNvSpPr/>
+              <p:nvPr/>
+            </p:nvSpPr>
+            <p:spPr>
+              <a:xfrm>
+                <a:off x="6391372" y="3196989"/>
+                <a:ext cx="2290713" cy="596295"/>
+              </a:xfrm>
+              <a:prstGeom prst="rect">
+                <a:avLst/>
+              </a:prstGeom>
+            </p:spPr>
+            <p:style>
+              <a:lnRef idx="2">
+                <a:schemeClr val="accent6">
+                  <a:shade val="50000"/>
+                </a:schemeClr>
+              </a:lnRef>
+              <a:fillRef idx="1">
+                <a:schemeClr val="accent6"/>
+              </a:fillRef>
+              <a:effectRef idx="0">
+                <a:schemeClr val="accent6"/>
+              </a:effectRef>
+              <a:fontRef idx="minor">
+                <a:schemeClr val="lt1"/>
+              </a:fontRef>
+            </p:style>
+            <p:txBody>
+              <a:bodyPr rtlCol="0" anchor="ctr"/>
+              <a:lstStyle/>
+              <a:p>
+                <a:pPr algn="ctr"/>
+                <a:endParaRPr lang="en-US" sz="1200" dirty="0"/>
+              </a:p>
+            </p:txBody>
+          </p:sp>
+          <p:sp>
+            <p:nvSpPr>
+              <p:cNvPr id="77" name="Rectangle 76">
+                <a:extLst>
+                  <a:ext uri="{FF2B5EF4-FFF2-40B4-BE49-F238E27FC236}">
+                    <a16:creationId xmlns:a16="http://schemas.microsoft.com/office/drawing/2014/main" id="{1CDBEE3C-B995-4803-9BDE-38BE493B4560}"/>
+                  </a:ext>
+                </a:extLst>
+              </p:cNvPr>
+              <p:cNvSpPr/>
+              <p:nvPr/>
+            </p:nvSpPr>
+            <p:spPr>
+              <a:xfrm>
+                <a:off x="6391372" y="2519831"/>
+                <a:ext cx="2290713" cy="596295"/>
+              </a:xfrm>
+              <a:prstGeom prst="rect">
+                <a:avLst/>
+              </a:prstGeom>
+            </p:spPr>
+            <p:style>
+              <a:lnRef idx="2">
+                <a:schemeClr val="accent2">
+                  <a:shade val="50000"/>
+                </a:schemeClr>
+              </a:lnRef>
+              <a:fillRef idx="1">
+                <a:schemeClr val="accent2"/>
+              </a:fillRef>
+              <a:effectRef idx="0">
+                <a:schemeClr val="accent2"/>
+              </a:effectRef>
+              <a:fontRef idx="minor">
+                <a:schemeClr val="lt1"/>
+              </a:fontRef>
+            </p:style>
+            <p:txBody>
+              <a:bodyPr rtlCol="0" anchor="ctr"/>
+              <a:lstStyle/>
+              <a:p>
+                <a:pPr algn="ctr"/>
+                <a:endParaRPr lang="en-US" sz="1200" dirty="0"/>
+              </a:p>
+            </p:txBody>
+          </p:sp>
+          <p:sp>
+            <p:nvSpPr>
+              <p:cNvPr id="78" name="Rectangle 77">
+                <a:extLst>
+                  <a:ext uri="{FF2B5EF4-FFF2-40B4-BE49-F238E27FC236}">
+                    <a16:creationId xmlns:a16="http://schemas.microsoft.com/office/drawing/2014/main" id="{011F53BA-8311-4145-8824-C4BEE73AEDAE}"/>
+                  </a:ext>
+                </a:extLst>
+              </p:cNvPr>
+              <p:cNvSpPr/>
+              <p:nvPr/>
+            </p:nvSpPr>
+            <p:spPr>
+              <a:xfrm>
+                <a:off x="6391372" y="1825625"/>
+                <a:ext cx="2290713" cy="596295"/>
+              </a:xfrm>
+              <a:prstGeom prst="rect">
+                <a:avLst/>
+              </a:prstGeom>
+            </p:spPr>
+            <p:style>
+              <a:lnRef idx="2">
+                <a:schemeClr val="accent1">
+                  <a:shade val="50000"/>
+                </a:schemeClr>
+              </a:lnRef>
+              <a:fillRef idx="1">
+                <a:schemeClr val="accent1"/>
+              </a:fillRef>
+              <a:effectRef idx="0">
+                <a:schemeClr val="accent1"/>
+              </a:effectRef>
+              <a:fontRef idx="minor">
+                <a:schemeClr val="lt1"/>
+              </a:fontRef>
+            </p:style>
+            <p:txBody>
+              <a:bodyPr rtlCol="0" anchor="ctr"/>
+              <a:lstStyle/>
+              <a:p>
+                <a:pPr algn="ctr"/>
+                <a:endParaRPr lang="en-US" sz="1200" dirty="0"/>
+              </a:p>
+            </p:txBody>
+          </p:sp>
+          <p:sp>
+            <p:nvSpPr>
+              <p:cNvPr id="79" name="Rectangle 78">
+                <a:extLst>
+                  <a:ext uri="{FF2B5EF4-FFF2-40B4-BE49-F238E27FC236}">
+                    <a16:creationId xmlns:a16="http://schemas.microsoft.com/office/drawing/2014/main" id="{EBFCF0D2-AB74-42EE-8A39-02CFAF882878}"/>
+                  </a:ext>
+                </a:extLst>
+              </p:cNvPr>
+              <p:cNvSpPr/>
+              <p:nvPr/>
+            </p:nvSpPr>
+            <p:spPr>
+              <a:xfrm>
+                <a:off x="8909903" y="3874147"/>
+                <a:ext cx="1582132" cy="596295"/>
+              </a:xfrm>
+              <a:prstGeom prst="rect">
+                <a:avLst/>
+              </a:prstGeom>
+            </p:spPr>
+            <p:style>
+              <a:lnRef idx="2">
+                <a:schemeClr val="accent3">
+                  <a:shade val="50000"/>
+                </a:schemeClr>
+              </a:lnRef>
+              <a:fillRef idx="1">
+                <a:schemeClr val="accent3"/>
+              </a:fillRef>
+              <a:effectRef idx="0">
+                <a:schemeClr val="accent3"/>
+              </a:effectRef>
+              <a:fontRef idx="minor">
+                <a:schemeClr val="lt1"/>
+              </a:fontRef>
+            </p:style>
+            <p:txBody>
+              <a:bodyPr rtlCol="0" anchor="ctr"/>
+              <a:lstStyle/>
+              <a:p>
+                <a:pPr algn="ctr"/>
+                <a:endParaRPr lang="en-US" sz="1200" dirty="0"/>
+              </a:p>
+            </p:txBody>
+          </p:sp>
+          <p:sp>
+            <p:nvSpPr>
+              <p:cNvPr id="80" name="Rectangle 79">
+                <a:extLst>
+                  <a:ext uri="{FF2B5EF4-FFF2-40B4-BE49-F238E27FC236}">
+                    <a16:creationId xmlns:a16="http://schemas.microsoft.com/office/drawing/2014/main" id="{10A00711-C1C0-4A7B-A8FD-90AC90F0A4C8}"/>
+                  </a:ext>
+                </a:extLst>
+              </p:cNvPr>
+              <p:cNvSpPr/>
+              <p:nvPr/>
+            </p:nvSpPr>
+            <p:spPr>
+              <a:xfrm>
+                <a:off x="8909903" y="3196989"/>
+                <a:ext cx="1582132" cy="596295"/>
+              </a:xfrm>
+              <a:prstGeom prst="rect">
+                <a:avLst/>
+              </a:prstGeom>
+            </p:spPr>
+            <p:style>
+              <a:lnRef idx="2">
+                <a:schemeClr val="accent6">
+                  <a:shade val="50000"/>
+                </a:schemeClr>
+              </a:lnRef>
+              <a:fillRef idx="1">
+                <a:schemeClr val="accent6"/>
+              </a:fillRef>
+              <a:effectRef idx="0">
+                <a:schemeClr val="accent6"/>
+              </a:effectRef>
+              <a:fontRef idx="minor">
+                <a:schemeClr val="lt1"/>
+              </a:fontRef>
+            </p:style>
+            <p:txBody>
+              <a:bodyPr rtlCol="0" anchor="ctr"/>
+              <a:lstStyle/>
+              <a:p>
+                <a:pPr algn="ctr"/>
+                <a:endParaRPr lang="en-US" sz="1200" dirty="0"/>
+              </a:p>
+            </p:txBody>
+          </p:sp>
+          <p:sp>
+            <p:nvSpPr>
+              <p:cNvPr id="81" name="Rectangle 80">
+                <a:extLst>
+                  <a:ext uri="{FF2B5EF4-FFF2-40B4-BE49-F238E27FC236}">
+                    <a16:creationId xmlns:a16="http://schemas.microsoft.com/office/drawing/2014/main" id="{651753F9-4FC3-4D01-984A-81290828DEC3}"/>
+                  </a:ext>
+                </a:extLst>
+              </p:cNvPr>
+              <p:cNvSpPr/>
+              <p:nvPr/>
+            </p:nvSpPr>
+            <p:spPr>
+              <a:xfrm>
+                <a:off x="8909903" y="2519831"/>
+                <a:ext cx="1582132" cy="596295"/>
+              </a:xfrm>
+              <a:prstGeom prst="rect">
+                <a:avLst/>
+              </a:prstGeom>
+            </p:spPr>
+            <p:style>
+              <a:lnRef idx="2">
+                <a:schemeClr val="accent2">
+                  <a:shade val="50000"/>
+                </a:schemeClr>
+              </a:lnRef>
+              <a:fillRef idx="1">
+                <a:schemeClr val="accent2"/>
+              </a:fillRef>
+              <a:effectRef idx="0">
+                <a:schemeClr val="accent2"/>
+              </a:effectRef>
+              <a:fontRef idx="minor">
+                <a:schemeClr val="lt1"/>
+              </a:fontRef>
+            </p:style>
+            <p:txBody>
+              <a:bodyPr rtlCol="0" anchor="ctr"/>
+              <a:lstStyle/>
+              <a:p>
+                <a:pPr algn="ctr"/>
+                <a:endParaRPr lang="en-US" sz="1200" dirty="0"/>
+              </a:p>
+            </p:txBody>
+          </p:sp>
+          <p:sp>
+            <p:nvSpPr>
+              <p:cNvPr id="82" name="Rectangle 81">
+                <a:extLst>
+                  <a:ext uri="{FF2B5EF4-FFF2-40B4-BE49-F238E27FC236}">
+                    <a16:creationId xmlns:a16="http://schemas.microsoft.com/office/drawing/2014/main" id="{85A93E3C-332B-41D4-9A9E-273FF6F6D9FB}"/>
+                  </a:ext>
+                </a:extLst>
+              </p:cNvPr>
+              <p:cNvSpPr/>
+              <p:nvPr/>
+            </p:nvSpPr>
+            <p:spPr>
+              <a:xfrm>
+                <a:off x="8909903" y="1825625"/>
+                <a:ext cx="1582132" cy="596295"/>
+              </a:xfrm>
+              <a:prstGeom prst="rect">
+                <a:avLst/>
+              </a:prstGeom>
+            </p:spPr>
+            <p:style>
+              <a:lnRef idx="2">
+                <a:schemeClr val="accent1">
+                  <a:shade val="50000"/>
+                </a:schemeClr>
+              </a:lnRef>
+              <a:fillRef idx="1">
+                <a:schemeClr val="accent1"/>
+              </a:fillRef>
+              <a:effectRef idx="0">
+                <a:schemeClr val="accent1"/>
+              </a:effectRef>
+              <a:fontRef idx="minor">
+                <a:schemeClr val="lt1"/>
+              </a:fontRef>
+            </p:style>
+            <p:txBody>
+              <a:bodyPr rtlCol="0" anchor="ctr"/>
+              <a:lstStyle/>
+              <a:p>
+                <a:pPr algn="ctr"/>
+                <a:endParaRPr lang="en-US" sz="1200" dirty="0"/>
+              </a:p>
+            </p:txBody>
+          </p:sp>
+        </p:grpSp>
+        <p:sp>
+          <p:nvSpPr>
+            <p:cNvPr id="72" name="Rectangle 71">
+              <a:extLst>
+                <a:ext uri="{FF2B5EF4-FFF2-40B4-BE49-F238E27FC236}">
+                  <a16:creationId xmlns:a16="http://schemas.microsoft.com/office/drawing/2014/main" id="{185ECF55-9F0C-4881-AAB2-D9B9D33CAFFA}"/>
+                </a:ext>
+              </a:extLst>
+            </p:cNvPr>
+            <p:cNvSpPr/>
+            <p:nvPr/>
+          </p:nvSpPr>
+          <p:spPr>
+            <a:xfrm>
+              <a:off x="6096000" y="1310325"/>
+              <a:ext cx="4289196" cy="424321"/>
+            </a:xfrm>
+            <a:prstGeom prst="rect">
+              <a:avLst/>
+            </a:prstGeom>
+          </p:spPr>
+          <p:style>
+            <a:lnRef idx="2">
+              <a:schemeClr val="accent3"/>
+            </a:lnRef>
+            <a:fillRef idx="1">
+              <a:schemeClr val="lt1"/>
+            </a:fillRef>
+            <a:effectRef idx="0">
+              <a:schemeClr val="accent3"/>
+            </a:effectRef>
+            <a:fontRef idx="minor">
+              <a:schemeClr val="dk1"/>
+            </a:fontRef>
+          </p:style>
+          <p:txBody>
+            <a:bodyPr rtlCol="0" anchor="ctr"/>
+            <a:lstStyle/>
+            <a:p>
+              <a:pPr algn="ctr"/>
+              <a:r>
+                <a:rPr lang="en-US" sz="1200" dirty="0"/>
+                <a:t>Dev - Web</a:t>
+              </a:r>
+            </a:p>
+          </p:txBody>
+        </p:sp>
+      </p:grpSp>
+      <p:grpSp>
+        <p:nvGrpSpPr>
+          <p:cNvPr id="83" name="Group 82">
+            <a:extLst>
+              <a:ext uri="{FF2B5EF4-FFF2-40B4-BE49-F238E27FC236}">
+                <a16:creationId xmlns:a16="http://schemas.microsoft.com/office/drawing/2014/main" id="{97CFD3E7-D805-4493-ACC8-DE1528926372}"/>
+              </a:ext>
+            </a:extLst>
+          </p:cNvPr>
+          <p:cNvGrpSpPr/>
+          <p:nvPr/>
+        </p:nvGrpSpPr>
+        <p:grpSpPr>
+          <a:xfrm>
+            <a:off x="7657636" y="4697610"/>
+            <a:ext cx="1257473" cy="1132554"/>
+            <a:chOff x="6096000" y="1310325"/>
+            <a:chExt cx="4289196" cy="3305634"/>
+          </a:xfrm>
+        </p:grpSpPr>
+        <p:grpSp>
+          <p:nvGrpSpPr>
+            <p:cNvPr id="84" name="Group 83">
+              <a:extLst>
+                <a:ext uri="{FF2B5EF4-FFF2-40B4-BE49-F238E27FC236}">
+                  <a16:creationId xmlns:a16="http://schemas.microsoft.com/office/drawing/2014/main" id="{75926D32-EBA5-4BB1-8591-8176009BAB74}"/>
+                </a:ext>
+              </a:extLst>
+            </p:cNvPr>
+            <p:cNvGrpSpPr/>
+            <p:nvPr/>
+          </p:nvGrpSpPr>
+          <p:grpSpPr>
+            <a:xfrm>
+              <a:off x="6096000" y="1734647"/>
+              <a:ext cx="4289196" cy="2881312"/>
+              <a:chOff x="6306532" y="1690688"/>
+              <a:chExt cx="4289196" cy="2881312"/>
+            </a:xfrm>
+          </p:grpSpPr>
+          <p:sp>
+            <p:nvSpPr>
+              <p:cNvPr id="86" name="Rectangle 85">
+                <a:extLst>
+                  <a:ext uri="{FF2B5EF4-FFF2-40B4-BE49-F238E27FC236}">
+                    <a16:creationId xmlns:a16="http://schemas.microsoft.com/office/drawing/2014/main" id="{85DCDB6D-BEDE-439D-B0AA-067C3A60224B}"/>
+                  </a:ext>
+                </a:extLst>
+              </p:cNvPr>
+              <p:cNvSpPr/>
+              <p:nvPr/>
+            </p:nvSpPr>
+            <p:spPr>
+              <a:xfrm>
+                <a:off x="8834880" y="1690688"/>
+                <a:ext cx="1760848" cy="2881312"/>
+              </a:xfrm>
+              <a:prstGeom prst="rect">
+                <a:avLst/>
+              </a:prstGeom>
+            </p:spPr>
+            <p:style>
+              <a:lnRef idx="2">
+                <a:schemeClr val="accent3">
+                  <a:shade val="50000"/>
+                </a:schemeClr>
+              </a:lnRef>
+              <a:fillRef idx="1">
+                <a:schemeClr val="accent3"/>
+              </a:fillRef>
+              <a:effectRef idx="0">
+                <a:schemeClr val="accent3"/>
+              </a:effectRef>
+              <a:fontRef idx="minor">
+                <a:schemeClr val="lt1"/>
+              </a:fontRef>
+            </p:style>
+            <p:txBody>
+              <a:bodyPr rtlCol="0" anchor="ctr"/>
+              <a:lstStyle/>
+              <a:p>
+                <a:pPr algn="ctr"/>
+                <a:endParaRPr lang="en-US" sz="1200" dirty="0"/>
+              </a:p>
+            </p:txBody>
+          </p:sp>
+          <p:sp>
+            <p:nvSpPr>
+              <p:cNvPr id="87" name="Rectangle 86">
+                <a:extLst>
+                  <a:ext uri="{FF2B5EF4-FFF2-40B4-BE49-F238E27FC236}">
+                    <a16:creationId xmlns:a16="http://schemas.microsoft.com/office/drawing/2014/main" id="{4032548B-3299-4732-9671-248574CF40BC}"/>
+                  </a:ext>
+                </a:extLst>
+              </p:cNvPr>
+              <p:cNvSpPr/>
+              <p:nvPr/>
+            </p:nvSpPr>
+            <p:spPr>
+              <a:xfrm>
+                <a:off x="6306532" y="1690688"/>
+                <a:ext cx="2460396" cy="2881312"/>
+              </a:xfrm>
+              <a:prstGeom prst="rect">
+                <a:avLst/>
+              </a:prstGeom>
+            </p:spPr>
+            <p:style>
+              <a:lnRef idx="2">
+                <a:schemeClr val="accent3">
+                  <a:shade val="50000"/>
+                </a:schemeClr>
+              </a:lnRef>
+              <a:fillRef idx="1">
+                <a:schemeClr val="accent3"/>
+              </a:fillRef>
+              <a:effectRef idx="0">
+                <a:schemeClr val="accent3"/>
+              </a:effectRef>
+              <a:fontRef idx="minor">
+                <a:schemeClr val="lt1"/>
+              </a:fontRef>
+            </p:style>
+            <p:txBody>
+              <a:bodyPr rtlCol="0" anchor="ctr"/>
+              <a:lstStyle/>
+              <a:p>
+                <a:pPr algn="ctr"/>
+                <a:endParaRPr lang="en-US" sz="1200" dirty="0"/>
+              </a:p>
+            </p:txBody>
+          </p:sp>
+          <p:sp>
+            <p:nvSpPr>
+              <p:cNvPr id="88" name="Rectangle 87">
+                <a:extLst>
+                  <a:ext uri="{FF2B5EF4-FFF2-40B4-BE49-F238E27FC236}">
+                    <a16:creationId xmlns:a16="http://schemas.microsoft.com/office/drawing/2014/main" id="{BD4B0B75-CD62-4506-8549-B04B283945CF}"/>
+                  </a:ext>
+                </a:extLst>
+              </p:cNvPr>
+              <p:cNvSpPr/>
+              <p:nvPr/>
+            </p:nvSpPr>
+            <p:spPr>
+              <a:xfrm>
+                <a:off x="6391372" y="3874147"/>
+                <a:ext cx="2290713" cy="596295"/>
+              </a:xfrm>
+              <a:prstGeom prst="rect">
+                <a:avLst/>
+              </a:prstGeom>
+            </p:spPr>
+            <p:style>
+              <a:lnRef idx="2">
+                <a:schemeClr val="accent3">
+                  <a:shade val="50000"/>
+                </a:schemeClr>
+              </a:lnRef>
+              <a:fillRef idx="1">
+                <a:schemeClr val="accent3"/>
+              </a:fillRef>
+              <a:effectRef idx="0">
+                <a:schemeClr val="accent3"/>
+              </a:effectRef>
+              <a:fontRef idx="minor">
+                <a:schemeClr val="lt1"/>
+              </a:fontRef>
+            </p:style>
+            <p:txBody>
+              <a:bodyPr rtlCol="0" anchor="ctr"/>
+              <a:lstStyle/>
+              <a:p>
+                <a:pPr algn="ctr"/>
+                <a:endParaRPr lang="en-US" sz="1200" dirty="0"/>
+              </a:p>
+            </p:txBody>
+          </p:sp>
+          <p:sp>
+            <p:nvSpPr>
+              <p:cNvPr id="89" name="Rectangle 88">
+                <a:extLst>
+                  <a:ext uri="{FF2B5EF4-FFF2-40B4-BE49-F238E27FC236}">
+                    <a16:creationId xmlns:a16="http://schemas.microsoft.com/office/drawing/2014/main" id="{5CE43D0B-AA7C-4525-9ADA-1D317079DAB5}"/>
+                  </a:ext>
+                </a:extLst>
+              </p:cNvPr>
+              <p:cNvSpPr/>
+              <p:nvPr/>
+            </p:nvSpPr>
+            <p:spPr>
+              <a:xfrm>
+                <a:off x="6391372" y="3196989"/>
+                <a:ext cx="2290713" cy="596295"/>
+              </a:xfrm>
+              <a:prstGeom prst="rect">
+                <a:avLst/>
+              </a:prstGeom>
+            </p:spPr>
+            <p:style>
+              <a:lnRef idx="2">
+                <a:schemeClr val="accent6">
+                  <a:shade val="50000"/>
+                </a:schemeClr>
+              </a:lnRef>
+              <a:fillRef idx="1">
+                <a:schemeClr val="accent6"/>
+              </a:fillRef>
+              <a:effectRef idx="0">
+                <a:schemeClr val="accent6"/>
+              </a:effectRef>
+              <a:fontRef idx="minor">
+                <a:schemeClr val="lt1"/>
+              </a:fontRef>
+            </p:style>
+            <p:txBody>
+              <a:bodyPr rtlCol="0" anchor="ctr"/>
+              <a:lstStyle/>
+              <a:p>
+                <a:pPr algn="ctr"/>
+                <a:endParaRPr lang="en-US" sz="1200" dirty="0"/>
+              </a:p>
+            </p:txBody>
+          </p:sp>
+          <p:sp>
+            <p:nvSpPr>
+              <p:cNvPr id="90" name="Rectangle 89">
+                <a:extLst>
+                  <a:ext uri="{FF2B5EF4-FFF2-40B4-BE49-F238E27FC236}">
+                    <a16:creationId xmlns:a16="http://schemas.microsoft.com/office/drawing/2014/main" id="{43AAA12A-6DC9-423C-B3DA-C4E31BF56E89}"/>
+                  </a:ext>
+                </a:extLst>
+              </p:cNvPr>
+              <p:cNvSpPr/>
+              <p:nvPr/>
+            </p:nvSpPr>
+            <p:spPr>
+              <a:xfrm>
+                <a:off x="6391372" y="2519831"/>
+                <a:ext cx="2290713" cy="596295"/>
+              </a:xfrm>
+              <a:prstGeom prst="rect">
+                <a:avLst/>
+              </a:prstGeom>
+            </p:spPr>
+            <p:style>
+              <a:lnRef idx="2">
+                <a:schemeClr val="accent2">
+                  <a:shade val="50000"/>
+                </a:schemeClr>
+              </a:lnRef>
+              <a:fillRef idx="1">
+                <a:schemeClr val="accent2"/>
+              </a:fillRef>
+              <a:effectRef idx="0">
+                <a:schemeClr val="accent2"/>
+              </a:effectRef>
+              <a:fontRef idx="minor">
+                <a:schemeClr val="lt1"/>
+              </a:fontRef>
+            </p:style>
+            <p:txBody>
+              <a:bodyPr rtlCol="0" anchor="ctr"/>
+              <a:lstStyle/>
+              <a:p>
+                <a:pPr algn="ctr"/>
+                <a:endParaRPr lang="en-US" sz="1200" dirty="0"/>
+              </a:p>
+            </p:txBody>
+          </p:sp>
+          <p:sp>
+            <p:nvSpPr>
+              <p:cNvPr id="91" name="Rectangle 90">
+                <a:extLst>
+                  <a:ext uri="{FF2B5EF4-FFF2-40B4-BE49-F238E27FC236}">
+                    <a16:creationId xmlns:a16="http://schemas.microsoft.com/office/drawing/2014/main" id="{84D95E94-A84C-4988-828A-0F56EE12EFF9}"/>
+                  </a:ext>
+                </a:extLst>
+              </p:cNvPr>
+              <p:cNvSpPr/>
+              <p:nvPr/>
+            </p:nvSpPr>
+            <p:spPr>
+              <a:xfrm>
+                <a:off x="6391372" y="1825625"/>
+                <a:ext cx="2290713" cy="596295"/>
+              </a:xfrm>
+              <a:prstGeom prst="rect">
+                <a:avLst/>
+              </a:prstGeom>
+            </p:spPr>
+            <p:style>
+              <a:lnRef idx="2">
+                <a:schemeClr val="accent1">
+                  <a:shade val="50000"/>
+                </a:schemeClr>
+              </a:lnRef>
+              <a:fillRef idx="1">
+                <a:schemeClr val="accent1"/>
+              </a:fillRef>
+              <a:effectRef idx="0">
+                <a:schemeClr val="accent1"/>
+              </a:effectRef>
+              <a:fontRef idx="minor">
+                <a:schemeClr val="lt1"/>
+              </a:fontRef>
+            </p:style>
+            <p:txBody>
+              <a:bodyPr rtlCol="0" anchor="ctr"/>
+              <a:lstStyle/>
+              <a:p>
+                <a:pPr algn="ctr"/>
+                <a:endParaRPr lang="en-US" sz="1200" dirty="0"/>
+              </a:p>
+            </p:txBody>
+          </p:sp>
+          <p:sp>
+            <p:nvSpPr>
+              <p:cNvPr id="92" name="Rectangle 91">
+                <a:extLst>
+                  <a:ext uri="{FF2B5EF4-FFF2-40B4-BE49-F238E27FC236}">
+                    <a16:creationId xmlns:a16="http://schemas.microsoft.com/office/drawing/2014/main" id="{92794A5C-558F-457A-8558-13A6DDCA2877}"/>
+                  </a:ext>
+                </a:extLst>
+              </p:cNvPr>
+              <p:cNvSpPr/>
+              <p:nvPr/>
+            </p:nvSpPr>
+            <p:spPr>
+              <a:xfrm>
+                <a:off x="8909903" y="3874147"/>
+                <a:ext cx="1582132" cy="596295"/>
+              </a:xfrm>
+              <a:prstGeom prst="rect">
+                <a:avLst/>
+              </a:prstGeom>
+            </p:spPr>
+            <p:style>
+              <a:lnRef idx="2">
+                <a:schemeClr val="accent3">
+                  <a:shade val="50000"/>
+                </a:schemeClr>
+              </a:lnRef>
+              <a:fillRef idx="1">
+                <a:schemeClr val="accent3"/>
+              </a:fillRef>
+              <a:effectRef idx="0">
+                <a:schemeClr val="accent3"/>
+              </a:effectRef>
+              <a:fontRef idx="minor">
+                <a:schemeClr val="lt1"/>
+              </a:fontRef>
+            </p:style>
+            <p:txBody>
+              <a:bodyPr rtlCol="0" anchor="ctr"/>
+              <a:lstStyle/>
+              <a:p>
+                <a:pPr algn="ctr"/>
+                <a:endParaRPr lang="en-US" sz="1200" dirty="0"/>
+              </a:p>
+            </p:txBody>
+          </p:sp>
+          <p:sp>
+            <p:nvSpPr>
+              <p:cNvPr id="93" name="Rectangle 92">
+                <a:extLst>
+                  <a:ext uri="{FF2B5EF4-FFF2-40B4-BE49-F238E27FC236}">
+                    <a16:creationId xmlns:a16="http://schemas.microsoft.com/office/drawing/2014/main" id="{49488F58-408F-4487-80F5-15258F72126E}"/>
+                  </a:ext>
+                </a:extLst>
+              </p:cNvPr>
+              <p:cNvSpPr/>
+              <p:nvPr/>
+            </p:nvSpPr>
+            <p:spPr>
+              <a:xfrm>
+                <a:off x="8909903" y="3196989"/>
+                <a:ext cx="1582132" cy="596295"/>
+              </a:xfrm>
+              <a:prstGeom prst="rect">
+                <a:avLst/>
+              </a:prstGeom>
+            </p:spPr>
+            <p:style>
+              <a:lnRef idx="2">
+                <a:schemeClr val="accent6">
+                  <a:shade val="50000"/>
+                </a:schemeClr>
+              </a:lnRef>
+              <a:fillRef idx="1">
+                <a:schemeClr val="accent6"/>
+              </a:fillRef>
+              <a:effectRef idx="0">
+                <a:schemeClr val="accent6"/>
+              </a:effectRef>
+              <a:fontRef idx="minor">
+                <a:schemeClr val="lt1"/>
+              </a:fontRef>
+            </p:style>
+            <p:txBody>
+              <a:bodyPr rtlCol="0" anchor="ctr"/>
+              <a:lstStyle/>
+              <a:p>
+                <a:pPr algn="ctr"/>
+                <a:endParaRPr lang="en-US" sz="1200" dirty="0"/>
+              </a:p>
+            </p:txBody>
+          </p:sp>
+          <p:sp>
+            <p:nvSpPr>
+              <p:cNvPr id="94" name="Rectangle 93">
+                <a:extLst>
+                  <a:ext uri="{FF2B5EF4-FFF2-40B4-BE49-F238E27FC236}">
+                    <a16:creationId xmlns:a16="http://schemas.microsoft.com/office/drawing/2014/main" id="{90924576-3CE5-4949-B265-4CA7A600D018}"/>
+                  </a:ext>
+                </a:extLst>
+              </p:cNvPr>
+              <p:cNvSpPr/>
+              <p:nvPr/>
+            </p:nvSpPr>
+            <p:spPr>
+              <a:xfrm>
+                <a:off x="8909903" y="2519831"/>
+                <a:ext cx="1582132" cy="596295"/>
+              </a:xfrm>
+              <a:prstGeom prst="rect">
+                <a:avLst/>
+              </a:prstGeom>
+            </p:spPr>
+            <p:style>
+              <a:lnRef idx="2">
+                <a:schemeClr val="accent2">
+                  <a:shade val="50000"/>
+                </a:schemeClr>
+              </a:lnRef>
+              <a:fillRef idx="1">
+                <a:schemeClr val="accent2"/>
+              </a:fillRef>
+              <a:effectRef idx="0">
+                <a:schemeClr val="accent2"/>
+              </a:effectRef>
+              <a:fontRef idx="minor">
+                <a:schemeClr val="lt1"/>
+              </a:fontRef>
+            </p:style>
+            <p:txBody>
+              <a:bodyPr rtlCol="0" anchor="ctr"/>
+              <a:lstStyle/>
+              <a:p>
+                <a:pPr algn="ctr"/>
+                <a:endParaRPr lang="en-US" sz="1200" dirty="0"/>
+              </a:p>
+            </p:txBody>
+          </p:sp>
+          <p:sp>
+            <p:nvSpPr>
+              <p:cNvPr id="95" name="Rectangle 94">
+                <a:extLst>
+                  <a:ext uri="{FF2B5EF4-FFF2-40B4-BE49-F238E27FC236}">
+                    <a16:creationId xmlns:a16="http://schemas.microsoft.com/office/drawing/2014/main" id="{54A5F805-E95F-4700-80C4-EAA0DB974AD7}"/>
+                  </a:ext>
+                </a:extLst>
+              </p:cNvPr>
+              <p:cNvSpPr/>
+              <p:nvPr/>
+            </p:nvSpPr>
+            <p:spPr>
+              <a:xfrm>
+                <a:off x="8909903" y="1825625"/>
+                <a:ext cx="1582132" cy="596295"/>
+              </a:xfrm>
+              <a:prstGeom prst="rect">
+                <a:avLst/>
+              </a:prstGeom>
+            </p:spPr>
+            <p:style>
+              <a:lnRef idx="2">
+                <a:schemeClr val="accent1">
+                  <a:shade val="50000"/>
+                </a:schemeClr>
+              </a:lnRef>
+              <a:fillRef idx="1">
+                <a:schemeClr val="accent1"/>
+              </a:fillRef>
+              <a:effectRef idx="0">
+                <a:schemeClr val="accent1"/>
+              </a:effectRef>
+              <a:fontRef idx="minor">
+                <a:schemeClr val="lt1"/>
+              </a:fontRef>
+            </p:style>
+            <p:txBody>
+              <a:bodyPr rtlCol="0" anchor="ctr"/>
+              <a:lstStyle/>
+              <a:p>
+                <a:pPr algn="ctr"/>
+                <a:endParaRPr lang="en-US" sz="1200" dirty="0"/>
+              </a:p>
+            </p:txBody>
+          </p:sp>
+        </p:grpSp>
+        <p:sp>
+          <p:nvSpPr>
+            <p:cNvPr id="85" name="Rectangle 84">
+              <a:extLst>
+                <a:ext uri="{FF2B5EF4-FFF2-40B4-BE49-F238E27FC236}">
+                  <a16:creationId xmlns:a16="http://schemas.microsoft.com/office/drawing/2014/main" id="{7BFFBC55-25EB-4FDF-846C-0E80EBB8F430}"/>
+                </a:ext>
+              </a:extLst>
+            </p:cNvPr>
+            <p:cNvSpPr/>
+            <p:nvPr/>
+          </p:nvSpPr>
+          <p:spPr>
+            <a:xfrm>
+              <a:off x="6096000" y="1310325"/>
+              <a:ext cx="4289196" cy="424321"/>
+            </a:xfrm>
+            <a:prstGeom prst="rect">
+              <a:avLst/>
+            </a:prstGeom>
+          </p:spPr>
+          <p:style>
+            <a:lnRef idx="2">
+              <a:schemeClr val="accent3"/>
+            </a:lnRef>
+            <a:fillRef idx="1">
+              <a:schemeClr val="lt1"/>
+            </a:fillRef>
+            <a:effectRef idx="0">
+              <a:schemeClr val="accent3"/>
+            </a:effectRef>
+            <a:fontRef idx="minor">
+              <a:schemeClr val="dk1"/>
+            </a:fontRef>
+          </p:style>
+          <p:txBody>
+            <a:bodyPr rtlCol="0" anchor="ctr"/>
+            <a:lstStyle/>
+            <a:p>
+              <a:pPr algn="ctr"/>
+              <a:r>
+                <a:rPr lang="en-US" sz="1200" dirty="0"/>
+                <a:t>Dev - Database</a:t>
+              </a:r>
+            </a:p>
+          </p:txBody>
+        </p:sp>
+      </p:grpSp>
+    </p:spTree>
+    <p:extLst>
+      <p:ext uri="{BB962C8B-B14F-4D97-AF65-F5344CB8AC3E}">
+        <p14:creationId xmlns:p14="http://schemas.microsoft.com/office/powerpoint/2010/main" val="1742107998"/>
+      </p:ext>
+    </p:extLst>
+  </p:cSld>
+  <p:clrMapOvr>
+    <a:masterClrMapping/>
+  </p:clrMapOvr>
+</p:sld>
+</file>
+
+<file path=ppt/slides/slide23.xml><?xml version="1.0" encoding="utf-8"?>
+<p:sld xmlns:a="http://schemas.openxmlformats.org/drawingml/2006/main" xmlns:r="http://schemas.openxmlformats.org/officeDocument/2006/relationships" xmlns:p="http://schemas.openxmlformats.org/presentationml/2006/main">
+  <p:cSld>
+    <p:spTree>
+      <p:nvGrpSpPr>
+        <p:cNvPr id="1" name=""/>
+        <p:cNvGrpSpPr/>
+        <p:nvPr/>
+      </p:nvGrpSpPr>
+      <p:grpSpPr>
+        <a:xfrm>
+          <a:off x="0" y="0"/>
+          <a:ext cx="0" cy="0"/>
+          <a:chOff x="0" y="0"/>
+          <a:chExt cx="0" cy="0"/>
+        </a:xfrm>
+      </p:grpSpPr>
+      <p:sp>
+        <p:nvSpPr>
+          <p:cNvPr id="2" name="Content Placeholder 1"/>
+          <p:cNvSpPr>
+            <a:spLocks noGrp="1"/>
+          </p:cNvSpPr>
+          <p:nvPr>
+            <p:ph idx="1"/>
+          </p:nvPr>
+        </p:nvSpPr>
+        <p:spPr/>
+        <p:txBody>
+          <a:bodyPr/>
+          <a:lstStyle/>
+          <a:p>
+            <a:endParaRPr lang="en-US"/>
+          </a:p>
+        </p:txBody>
+      </p:sp>
+      <p:sp>
+        <p:nvSpPr>
+          <p:cNvPr id="3" name="Date Placeholder 2"/>
+          <p:cNvSpPr>
+            <a:spLocks noGrp="1"/>
+          </p:cNvSpPr>
+          <p:nvPr>
+            <p:ph type="dt" sz="half" idx="10"/>
+          </p:nvPr>
+        </p:nvSpPr>
+        <p:spPr/>
+        <p:txBody>
+          <a:bodyPr/>
+          <a:lstStyle/>
+          <a:p>
+            <a:fld id="{71B197D2-53B5-445F-828C-00D209D9BA67}" type="datetime1">
+              <a:rPr lang="en-US" smtClean="0"/>
+              <a:t>8/30/2018</a:t>
+            </a:fld>
+            <a:endParaRPr lang="en-US" dirty="0"/>
+          </a:p>
+        </p:txBody>
+      </p:sp>
+      <p:sp>
+        <p:nvSpPr>
+          <p:cNvPr id="4" name="Footer Placeholder 3"/>
+          <p:cNvSpPr>
+            <a:spLocks noGrp="1"/>
+          </p:cNvSpPr>
+          <p:nvPr>
+            <p:ph type="ftr" sz="quarter" idx="11"/>
+          </p:nvPr>
+        </p:nvSpPr>
+        <p:spPr/>
+        <p:txBody>
+          <a:bodyPr/>
+          <a:lstStyle/>
+          <a:p>
+            <a:r>
+              <a:rPr lang="en-US" smtClean="0"/>
+              <a:t>IST346: Info Tech Management &amp; Administration</a:t>
+            </a:r>
+            <a:endParaRPr lang="en-US" dirty="0"/>
+          </a:p>
+        </p:txBody>
+      </p:sp>
+      <p:sp>
+        <p:nvSpPr>
+          <p:cNvPr id="5" name="Slide Number Placeholder 4"/>
+          <p:cNvSpPr>
+            <a:spLocks noGrp="1"/>
+          </p:cNvSpPr>
+          <p:nvPr>
+            <p:ph type="sldNum" sz="quarter" idx="12"/>
+          </p:nvPr>
+        </p:nvSpPr>
+        <p:spPr/>
+        <p:txBody>
+          <a:bodyPr/>
+          <a:lstStyle/>
+          <a:p>
+            <a:fld id="{DF6669D1-DB19-4C99-869C-C84252016461}" type="slidenum">
+              <a:rPr lang="en-US" smtClean="0"/>
+              <a:pPr/>
+              <a:t>23</a:t>
+            </a:fld>
+            <a:endParaRPr lang="en-US" dirty="0"/>
+          </a:p>
+        </p:txBody>
+      </p:sp>
+      <p:sp>
+        <p:nvSpPr>
+          <p:cNvPr id="6" name="Title 5"/>
+          <p:cNvSpPr>
+            <a:spLocks noGrp="1"/>
+          </p:cNvSpPr>
+          <p:nvPr>
+            <p:ph type="title"/>
+          </p:nvPr>
+        </p:nvSpPr>
+        <p:spPr/>
+        <p:txBody>
+          <a:bodyPr/>
+          <a:lstStyle/>
+          <a:p>
+            <a:endParaRPr lang="en-US"/>
+          </a:p>
+        </p:txBody>
+      </p:sp>
+    </p:spTree>
+    <p:extLst>
+      <p:ext uri="{BB962C8B-B14F-4D97-AF65-F5344CB8AC3E}">
+        <p14:creationId xmlns:p14="http://schemas.microsoft.com/office/powerpoint/2010/main" val="584147454"/>
+      </p:ext>
+    </p:extLst>
+  </p:cSld>
+  <p:clrMapOvr>
+    <a:masterClrMapping/>
+  </p:clrMapOvr>
+</p:sld>
+</file>
+
+<file path=ppt/slides/slide24.xml><?xml version="1.0" encoding="utf-8"?>
 <p:sld xmlns:a="http://schemas.openxmlformats.org/drawingml/2006/main" xmlns:r="http://schemas.openxmlformats.org/officeDocument/2006/relationships" xmlns:p="http://schemas.openxmlformats.org/presentationml/2006/main">
   <p:cSld>
     <p:spTree>
@@ -29965,7 +37446,7 @@
           <a:p>
             <a:fld id="{1119F604-EB26-4A1B-8040-10AB96DEB97E}" type="datetime1">
               <a:rPr lang="en-US" smtClean="0"/>
-              <a:t>1/5/2014</a:t>
+              <a:t>8/30/2018</a:t>
             </a:fld>
             <a:endParaRPr lang="en-US" dirty="0"/>
           </a:p>
@@ -30012,7 +37493,7 @@
             <a:fld id="{DF6669D1-DB19-4C99-869C-C84252016461}" type="slidenum">
               <a:rPr lang="en-US" smtClean="0"/>
               <a:pPr/>
-              <a:t>21</a:t>
+              <a:t>24</a:t>
             </a:fld>
             <a:endParaRPr lang="en-US" dirty="0"/>
           </a:p>
@@ -30031,7 +37512,7 @@
 </p:sld>
 </file>
 
-<file path=ppt/slides/slide22.xml><?xml version="1.0" encoding="utf-8"?>
+<file path=ppt/slides/slide25.xml><?xml version="1.0" encoding="utf-8"?>
 <p:sld xmlns:a="http://schemas.openxmlformats.org/drawingml/2006/main" xmlns:r="http://schemas.openxmlformats.org/officeDocument/2006/relationships" xmlns:p="http://schemas.openxmlformats.org/presentationml/2006/main">
   <p:cSld>
     <p:spTree>
@@ -30371,7 +37852,7 @@
           <a:p>
             <a:fld id="{89B27376-CE16-46B4-9684-6BFB315E8133}" type="datetime1">
               <a:rPr lang="en-US" smtClean="0"/>
-              <a:t>1/5/2014</a:t>
+              <a:t>8/30/2018</a:t>
             </a:fld>
             <a:endParaRPr lang="en-US"/>
           </a:p>
@@ -30419,7 +37900,7 @@
             <a:fld id="{DF6669D1-DB19-4C99-869C-C84252016461}" type="slidenum">
               <a:rPr lang="en-US" smtClean="0"/>
               <a:pPr/>
-              <a:t>22</a:t>
+              <a:t>25</a:t>
             </a:fld>
             <a:endParaRPr lang="en-US"/>
           </a:p>
@@ -30438,7 +37919,7 @@
 </p:sld>
 </file>
 
-<file path=ppt/slides/slide23.xml><?xml version="1.0" encoding="utf-8"?>
+<file path=ppt/slides/slide26.xml><?xml version="1.0" encoding="utf-8"?>
 <p:sld xmlns:a="http://schemas.openxmlformats.org/drawingml/2006/main" xmlns:r="http://schemas.openxmlformats.org/officeDocument/2006/relationships" xmlns:p="http://schemas.openxmlformats.org/presentationml/2006/main">
   <p:cSld>
     <p:spTree>
@@ -30828,7 +38309,7 @@
           <a:p>
             <a:fld id="{9208AEFB-BE8F-4C09-9101-1170EE3E5250}" type="datetime1">
               <a:rPr lang="en-US" smtClean="0"/>
-              <a:t>1/5/2014</a:t>
+              <a:t>8/30/2018</a:t>
             </a:fld>
             <a:endParaRPr lang="en-US"/>
           </a:p>
@@ -30876,7 +38357,7 @@
             <a:fld id="{DF6669D1-DB19-4C99-869C-C84252016461}" type="slidenum">
               <a:rPr lang="en-US" smtClean="0"/>
               <a:pPr/>
-              <a:t>23</a:t>
+              <a:t>26</a:t>
             </a:fld>
             <a:endParaRPr lang="en-US"/>
           </a:p>
@@ -30895,7 +38376,7 @@
 </p:sld>
 </file>
 
-<file path=ppt/slides/slide24.xml><?xml version="1.0" encoding="utf-8"?>
+<file path=ppt/slides/slide27.xml><?xml version="1.0" encoding="utf-8"?>
 <p:sld xmlns:a="http://schemas.openxmlformats.org/drawingml/2006/main" xmlns:r="http://schemas.openxmlformats.org/officeDocument/2006/relationships" xmlns:p="http://schemas.openxmlformats.org/presentationml/2006/main">
   <p:cSld>
     <p:spTree>
@@ -31603,7 +39084,7 @@
           <a:p>
             <a:fld id="{B92E5BCC-D5F8-40AE-B9FC-6FD4C9ACAB98}" type="datetime1">
               <a:rPr lang="en-US" smtClean="0"/>
-              <a:t>1/5/2014</a:t>
+              <a:t>8/30/2018</a:t>
             </a:fld>
             <a:endParaRPr lang="en-US"/>
           </a:p>
@@ -31651,7 +39132,7 @@
             <a:fld id="{DF6669D1-DB19-4C99-869C-C84252016461}" type="slidenum">
               <a:rPr lang="en-US" smtClean="0"/>
               <a:pPr/>
-              <a:t>24</a:t>
+              <a:t>27</a:t>
             </a:fld>
             <a:endParaRPr lang="en-US"/>
           </a:p>
@@ -31670,7 +39151,7 @@
 </p:sld>
 </file>
 
-<file path=ppt/slides/slide25.xml><?xml version="1.0" encoding="utf-8"?>
+<file path=ppt/slides/slide28.xml><?xml version="1.0" encoding="utf-8"?>
 <p:sld xmlns:a="http://schemas.openxmlformats.org/drawingml/2006/main" xmlns:r="http://schemas.openxmlformats.org/officeDocument/2006/relationships" xmlns:p="http://schemas.openxmlformats.org/presentationml/2006/main">
   <p:cSld>
     <p:spTree>
@@ -32416,7 +39897,7 @@
           <a:p>
             <a:fld id="{DE28F47F-FB24-4935-A6E5-9F20393CAF42}" type="datetime1">
               <a:rPr lang="en-US" smtClean="0"/>
-              <a:t>1/5/2014</a:t>
+              <a:t>8/30/2018</a:t>
             </a:fld>
             <a:endParaRPr lang="en-US"/>
           </a:p>
@@ -32464,7 +39945,7 @@
             <a:fld id="{DF6669D1-DB19-4C99-869C-C84252016461}" type="slidenum">
               <a:rPr lang="en-US" smtClean="0"/>
               <a:pPr/>
-              <a:t>25</a:t>
+              <a:t>28</a:t>
             </a:fld>
             <a:endParaRPr lang="en-US"/>
           </a:p>
@@ -32483,7 +39964,7 @@
 </p:sld>
 </file>
 
-<file path=ppt/slides/slide26.xml><?xml version="1.0" encoding="utf-8"?>
+<file path=ppt/slides/slide29.xml><?xml version="1.0" encoding="utf-8"?>
 <p:sld xmlns:a="http://schemas.openxmlformats.org/drawingml/2006/main" xmlns:r="http://schemas.openxmlformats.org/officeDocument/2006/relationships" xmlns:p="http://schemas.openxmlformats.org/presentationml/2006/main">
   <p:cSld>
     <p:spTree>
@@ -33176,7 +40657,7 @@
           <a:p>
             <a:fld id="{86D26F13-C38B-4574-BE0F-C5146E0E81FE}" type="datetime1">
               <a:rPr lang="en-US" smtClean="0"/>
-              <a:t>1/5/2014</a:t>
+              <a:t>8/30/2018</a:t>
             </a:fld>
             <a:endParaRPr lang="en-US"/>
           </a:p>
@@ -33224,7 +40705,7 @@
             <a:fld id="{DF6669D1-DB19-4C99-869C-C84252016461}" type="slidenum">
               <a:rPr lang="en-US" smtClean="0"/>
               <a:pPr/>
-              <a:t>26</a:t>
+              <a:t>29</a:t>
             </a:fld>
             <a:endParaRPr lang="en-US"/>
           </a:p>
@@ -33243,7 +40724,306 @@
 </p:sld>
 </file>
 
-<file path=ppt/slides/slide27.xml><?xml version="1.0" encoding="utf-8"?>
+<file path=ppt/slides/slide3.xml><?xml version="1.0" encoding="utf-8"?>
+<p:sld xmlns:a="http://schemas.openxmlformats.org/drawingml/2006/main" xmlns:r="http://schemas.openxmlformats.org/officeDocument/2006/relationships" xmlns:p="http://schemas.openxmlformats.org/presentationml/2006/main">
+  <p:cSld>
+    <p:spTree>
+      <p:nvGrpSpPr>
+        <p:cNvPr id="1" name=""/>
+        <p:cNvGrpSpPr/>
+        <p:nvPr/>
+      </p:nvGrpSpPr>
+      <p:grpSpPr>
+        <a:xfrm>
+          <a:off x="0" y="0"/>
+          <a:ext cx="0" cy="0"/>
+          <a:chOff x="0" y="0"/>
+          <a:chExt cx="0" cy="0"/>
+        </a:xfrm>
+      </p:grpSpPr>
+      <p:sp>
+        <p:nvSpPr>
+          <p:cNvPr id="4" name="Title 3"/>
+          <p:cNvSpPr>
+            <a:spLocks noGrp="1"/>
+          </p:cNvSpPr>
+          <p:nvPr>
+            <p:ph type="title"/>
+          </p:nvPr>
+        </p:nvSpPr>
+        <p:spPr/>
+        <p:txBody>
+          <a:bodyPr>
+            <a:normAutofit fontScale="90000"/>
+          </a:bodyPr>
+          <a:lstStyle/>
+          <a:p>
+            <a:r>
+              <a:rPr lang="en-US" dirty="0" smtClean="0"/>
+              <a:t>Recall: Server vs. Service</a:t>
+            </a:r>
+            <a:endParaRPr lang="en-US" dirty="0"/>
+          </a:p>
+        </p:txBody>
+      </p:sp>
+      <p:sp>
+        <p:nvSpPr>
+          <p:cNvPr id="5" name="Content Placeholder 4"/>
+          <p:cNvSpPr>
+            <a:spLocks noGrp="1"/>
+          </p:cNvSpPr>
+          <p:nvPr>
+            <p:ph sz="quarter" idx="1"/>
+          </p:nvPr>
+        </p:nvSpPr>
+        <p:spPr/>
+        <p:txBody>
+          <a:bodyPr>
+            <a:normAutofit/>
+          </a:bodyPr>
+          <a:lstStyle/>
+          <a:p>
+            <a:r>
+              <a:rPr lang="en-US" dirty="0" smtClean="0"/>
+              <a:t>A </a:t>
+            </a:r>
+            <a:r>
+              <a:rPr lang="en-US" b="1" dirty="0" smtClean="0"/>
+              <a:t>server</a:t>
+            </a:r>
+            <a:r>
+              <a:rPr lang="en-US" dirty="0" smtClean="0"/>
+              <a:t> is a computer.</a:t>
+            </a:r>
+          </a:p>
+          <a:p>
+            <a:endParaRPr lang="en-US" dirty="0" smtClean="0"/>
+          </a:p>
+          <a:p>
+            <a:pPr>
+              <a:buNone/>
+            </a:pPr>
+            <a:endParaRPr lang="en-US" dirty="0"/>
+          </a:p>
+        </p:txBody>
+      </p:sp>
+      <p:sp>
+        <p:nvSpPr>
+          <p:cNvPr id="6" name="Content Placeholder 5"/>
+          <p:cNvSpPr>
+            <a:spLocks noGrp="1"/>
+          </p:cNvSpPr>
+          <p:nvPr>
+            <p:ph sz="quarter" idx="2"/>
+          </p:nvPr>
+        </p:nvSpPr>
+        <p:spPr/>
+        <p:txBody>
+          <a:bodyPr>
+            <a:normAutofit/>
+          </a:bodyPr>
+          <a:lstStyle/>
+          <a:p>
+            <a:r>
+              <a:rPr lang="en-US" dirty="0" smtClean="0"/>
+              <a:t>A </a:t>
+            </a:r>
+            <a:r>
+              <a:rPr lang="en-US" b="1" dirty="0" smtClean="0"/>
+              <a:t>service</a:t>
+            </a:r>
+            <a:r>
+              <a:rPr lang="en-US" dirty="0" smtClean="0"/>
+              <a:t> is an offering provided by server(s).</a:t>
+            </a:r>
+            <a:endParaRPr lang="en-US" dirty="0"/>
+          </a:p>
+        </p:txBody>
+      </p:sp>
+      <p:pic>
+        <p:nvPicPr>
+          <p:cNvPr id="8" name="Picture 7"/>
+          <p:cNvPicPr>
+            <a:picLocks noChangeAspect="1" noChangeArrowheads="1"/>
+          </p:cNvPicPr>
+          <p:nvPr/>
+        </p:nvPicPr>
+        <p:blipFill>
+          <a:blip r:embed="rId2" cstate="print"/>
+          <a:srcRect/>
+          <a:stretch>
+            <a:fillRect/>
+          </a:stretch>
+        </p:blipFill>
+        <p:spPr bwMode="auto">
+          <a:xfrm>
+            <a:off x="533400" y="2438400"/>
+            <a:ext cx="3314700" cy="2209800"/>
+          </a:xfrm>
+          <a:prstGeom prst="rect">
+            <a:avLst/>
+          </a:prstGeom>
+          <a:noFill/>
+          <a:ln w="9525">
+            <a:noFill/>
+            <a:miter lim="800000"/>
+            <a:headEnd/>
+            <a:tailEnd/>
+          </a:ln>
+        </p:spPr>
+      </p:pic>
+      <p:pic>
+        <p:nvPicPr>
+          <p:cNvPr id="1028" name="Picture 4"/>
+          <p:cNvPicPr>
+            <a:picLocks noChangeAspect="1" noChangeArrowheads="1"/>
+          </p:cNvPicPr>
+          <p:nvPr/>
+        </p:nvPicPr>
+        <p:blipFill>
+          <a:blip r:embed="rId3" cstate="print"/>
+          <a:srcRect/>
+          <a:stretch>
+            <a:fillRect/>
+          </a:stretch>
+        </p:blipFill>
+        <p:spPr bwMode="auto">
+          <a:xfrm>
+            <a:off x="5027428" y="2990850"/>
+            <a:ext cx="2362200" cy="1733550"/>
+          </a:xfrm>
+          <a:prstGeom prst="rect">
+            <a:avLst/>
+          </a:prstGeom>
+          <a:noFill/>
+          <a:ln w="9525">
+            <a:solidFill>
+              <a:schemeClr val="tx1"/>
+            </a:solidFill>
+            <a:miter lim="800000"/>
+            <a:headEnd/>
+            <a:tailEnd/>
+          </a:ln>
+        </p:spPr>
+      </p:pic>
+      <p:pic>
+        <p:nvPicPr>
+          <p:cNvPr id="1029" name="Picture 5"/>
+          <p:cNvPicPr>
+            <a:picLocks noChangeAspect="1" noChangeArrowheads="1"/>
+          </p:cNvPicPr>
+          <p:nvPr/>
+        </p:nvPicPr>
+        <p:blipFill>
+          <a:blip r:embed="rId4" cstate="print"/>
+          <a:srcRect l="13853" r="50361"/>
+          <a:stretch>
+            <a:fillRect/>
+          </a:stretch>
+        </p:blipFill>
+        <p:spPr bwMode="auto">
+          <a:xfrm>
+            <a:off x="5017681" y="4800600"/>
+            <a:ext cx="2362200" cy="1938506"/>
+          </a:xfrm>
+          <a:prstGeom prst="rect">
+            <a:avLst/>
+          </a:prstGeom>
+          <a:noFill/>
+          <a:ln w="9525">
+            <a:solidFill>
+              <a:schemeClr val="tx1"/>
+            </a:solidFill>
+            <a:miter lim="800000"/>
+            <a:headEnd/>
+            <a:tailEnd/>
+          </a:ln>
+        </p:spPr>
+      </p:pic>
+      <p:sp>
+        <p:nvSpPr>
+          <p:cNvPr id="2" name="Date Placeholder 1"/>
+          <p:cNvSpPr>
+            <a:spLocks noGrp="1"/>
+          </p:cNvSpPr>
+          <p:nvPr>
+            <p:ph type="dt" sz="half" idx="10"/>
+          </p:nvPr>
+        </p:nvSpPr>
+        <p:spPr/>
+        <p:txBody>
+          <a:bodyPr/>
+          <a:lstStyle/>
+          <a:p>
+            <a:fld id="{130A3691-8C14-47D6-B60A-EEFD37D65F4A}" type="datetime1">
+              <a:rPr lang="en-US" smtClean="0"/>
+              <a:t>8/30/2018</a:t>
+            </a:fld>
+            <a:endParaRPr lang="en-US" dirty="0"/>
+          </a:p>
+        </p:txBody>
+      </p:sp>
+      <p:sp>
+        <p:nvSpPr>
+          <p:cNvPr id="3" name="Footer Placeholder 2"/>
+          <p:cNvSpPr>
+            <a:spLocks noGrp="1"/>
+          </p:cNvSpPr>
+          <p:nvPr>
+            <p:ph type="ftr" sz="quarter" idx="11"/>
+          </p:nvPr>
+        </p:nvSpPr>
+        <p:spPr/>
+        <p:txBody>
+          <a:bodyPr/>
+          <a:lstStyle/>
+          <a:p>
+            <a:r>
+              <a:rPr lang="en-US" smtClean="0"/>
+              <a:t>IST346: Info Tech Management &amp; Administration</a:t>
+            </a:r>
+            <a:endParaRPr lang="en-US" dirty="0"/>
+          </a:p>
+        </p:txBody>
+      </p:sp>
+      <p:sp>
+        <p:nvSpPr>
+          <p:cNvPr id="7" name="Slide Number Placeholder 6"/>
+          <p:cNvSpPr>
+            <a:spLocks noGrp="1"/>
+          </p:cNvSpPr>
+          <p:nvPr>
+            <p:ph type="sldNum" sz="quarter" idx="12"/>
+          </p:nvPr>
+        </p:nvSpPr>
+        <p:spPr/>
+        <p:txBody>
+          <a:bodyPr/>
+          <a:lstStyle/>
+          <a:p>
+            <a:fld id="{2505CAEE-CB22-4B3A-A2B0-7938B12DF57C}" type="slidenum">
+              <a:rPr lang="en-US" smtClean="0"/>
+              <a:pPr/>
+              <a:t>3</a:t>
+            </a:fld>
+            <a:endParaRPr lang="en-US" dirty="0"/>
+          </a:p>
+        </p:txBody>
+      </p:sp>
+    </p:spTree>
+    <p:extLst>
+      <p:ext uri="{BB962C8B-B14F-4D97-AF65-F5344CB8AC3E}">
+        <p14:creationId xmlns:p14="http://schemas.microsoft.com/office/powerpoint/2010/main" val="1489159096"/>
+      </p:ext>
+    </p:extLst>
+  </p:cSld>
+  <p:clrMapOvr>
+    <a:masterClrMapping/>
+  </p:clrMapOvr>
+</p:sld>
+</file>
+
+<file path=ppt/slides/slide30.xml><?xml version="1.0" encoding="utf-8"?>
 <p:sld xmlns:a="http://schemas.openxmlformats.org/drawingml/2006/main" xmlns:r="http://schemas.openxmlformats.org/officeDocument/2006/relationships" xmlns:p="http://schemas.openxmlformats.org/presentationml/2006/main">
   <p:cSld>
     <p:spTree>
@@ -33533,7 +41313,7 @@
           <a:p>
             <a:fld id="{54916222-73E2-4E38-B398-65E740567471}" type="datetime1">
               <a:rPr lang="en-US" smtClean="0"/>
-              <a:t>1/5/2014</a:t>
+              <a:t>8/30/2018</a:t>
             </a:fld>
             <a:endParaRPr lang="en-US" dirty="0"/>
           </a:p>
@@ -33580,7 +41360,7 @@
             <a:fld id="{DF6669D1-DB19-4C99-869C-C84252016461}" type="slidenum">
               <a:rPr lang="en-US" smtClean="0"/>
               <a:pPr/>
-              <a:t>27</a:t>
+              <a:t>30</a:t>
             </a:fld>
             <a:endParaRPr lang="en-US" dirty="0"/>
           </a:p>
@@ -33599,7 +41379,7 @@
 </p:sld>
 </file>
 
-<file path=ppt/slides/slide28.xml><?xml version="1.0" encoding="utf-8"?>
+<file path=ppt/slides/slide31.xml><?xml version="1.0" encoding="utf-8"?>
 <p:sld xmlns:a="http://schemas.openxmlformats.org/drawingml/2006/main" xmlns:r="http://schemas.openxmlformats.org/officeDocument/2006/relationships" xmlns:p="http://schemas.openxmlformats.org/presentationml/2006/main">
   <p:cSld>
     <p:spTree>
@@ -33886,7 +41666,7 @@
           <a:p>
             <a:fld id="{2813433E-04A2-4C04-A465-835F1BD63FC9}" type="datetime1">
               <a:rPr lang="en-US" smtClean="0"/>
-              <a:t>1/5/2014</a:t>
+              <a:t>8/30/2018</a:t>
             </a:fld>
             <a:endParaRPr lang="en-US" dirty="0"/>
           </a:p>
@@ -33933,7 +41713,7 @@
             <a:fld id="{DF6669D1-DB19-4C99-869C-C84252016461}" type="slidenum">
               <a:rPr lang="en-US" smtClean="0"/>
               <a:pPr/>
-              <a:t>28</a:t>
+              <a:t>31</a:t>
             </a:fld>
             <a:endParaRPr lang="en-US" dirty="0"/>
           </a:p>
@@ -33952,7 +41732,7 @@
 </p:sld>
 </file>
 
-<file path=ppt/slides/slide29.xml><?xml version="1.0" encoding="utf-8"?>
+<file path=ppt/slides/slide32.xml><?xml version="1.0" encoding="utf-8"?>
 <p:sld xmlns:a="http://schemas.openxmlformats.org/drawingml/2006/main" xmlns:r="http://schemas.openxmlformats.org/officeDocument/2006/relationships" xmlns:p="http://schemas.openxmlformats.org/presentationml/2006/main">
   <p:cSld>
     <p:spTree>
@@ -34207,7 +41987,7 @@
           <a:p>
             <a:fld id="{65D374BB-2D01-4445-9AFA-B15B2EE39F02}" type="datetime1">
               <a:rPr lang="en-US" smtClean="0"/>
-              <a:t>1/5/2014</a:t>
+              <a:t>8/30/2018</a:t>
             </a:fld>
             <a:endParaRPr lang="en-US" dirty="0"/>
           </a:p>
@@ -34254,7 +42034,7 @@
             <a:fld id="{DF6669D1-DB19-4C99-869C-C84252016461}" type="slidenum">
               <a:rPr lang="en-US" smtClean="0"/>
               <a:pPr/>
-              <a:t>29</a:t>
+              <a:t>32</a:t>
             </a:fld>
             <a:endParaRPr lang="en-US" dirty="0"/>
           </a:p>
@@ -34273,306 +42053,7 @@
 </p:sld>
 </file>
 
-<file path=ppt/slides/slide3.xml><?xml version="1.0" encoding="utf-8"?>
-<p:sld xmlns:a="http://schemas.openxmlformats.org/drawingml/2006/main" xmlns:r="http://schemas.openxmlformats.org/officeDocument/2006/relationships" xmlns:p="http://schemas.openxmlformats.org/presentationml/2006/main">
-  <p:cSld>
-    <p:spTree>
-      <p:nvGrpSpPr>
-        <p:cNvPr id="1" name=""/>
-        <p:cNvGrpSpPr/>
-        <p:nvPr/>
-      </p:nvGrpSpPr>
-      <p:grpSpPr>
-        <a:xfrm>
-          <a:off x="0" y="0"/>
-          <a:ext cx="0" cy="0"/>
-          <a:chOff x="0" y="0"/>
-          <a:chExt cx="0" cy="0"/>
-        </a:xfrm>
-      </p:grpSpPr>
-      <p:sp>
-        <p:nvSpPr>
-          <p:cNvPr id="4" name="Title 3"/>
-          <p:cNvSpPr>
-            <a:spLocks noGrp="1"/>
-          </p:cNvSpPr>
-          <p:nvPr>
-            <p:ph type="title"/>
-          </p:nvPr>
-        </p:nvSpPr>
-        <p:spPr/>
-        <p:txBody>
-          <a:bodyPr>
-            <a:normAutofit fontScale="90000"/>
-          </a:bodyPr>
-          <a:lstStyle/>
-          <a:p>
-            <a:r>
-              <a:rPr lang="en-US" dirty="0" smtClean="0"/>
-              <a:t>Recall: Server vs. Service</a:t>
-            </a:r>
-            <a:endParaRPr lang="en-US" dirty="0"/>
-          </a:p>
-        </p:txBody>
-      </p:sp>
-      <p:sp>
-        <p:nvSpPr>
-          <p:cNvPr id="5" name="Content Placeholder 4"/>
-          <p:cNvSpPr>
-            <a:spLocks noGrp="1"/>
-          </p:cNvSpPr>
-          <p:nvPr>
-            <p:ph sz="quarter" idx="1"/>
-          </p:nvPr>
-        </p:nvSpPr>
-        <p:spPr/>
-        <p:txBody>
-          <a:bodyPr>
-            <a:normAutofit/>
-          </a:bodyPr>
-          <a:lstStyle/>
-          <a:p>
-            <a:r>
-              <a:rPr lang="en-US" dirty="0" smtClean="0"/>
-              <a:t>A </a:t>
-            </a:r>
-            <a:r>
-              <a:rPr lang="en-US" b="1" dirty="0" smtClean="0"/>
-              <a:t>server</a:t>
-            </a:r>
-            <a:r>
-              <a:rPr lang="en-US" dirty="0" smtClean="0"/>
-              <a:t> is a computer.</a:t>
-            </a:r>
-          </a:p>
-          <a:p>
-            <a:endParaRPr lang="en-US" dirty="0" smtClean="0"/>
-          </a:p>
-          <a:p>
-            <a:pPr>
-              <a:buNone/>
-            </a:pPr>
-            <a:endParaRPr lang="en-US" dirty="0"/>
-          </a:p>
-        </p:txBody>
-      </p:sp>
-      <p:sp>
-        <p:nvSpPr>
-          <p:cNvPr id="6" name="Content Placeholder 5"/>
-          <p:cNvSpPr>
-            <a:spLocks noGrp="1"/>
-          </p:cNvSpPr>
-          <p:nvPr>
-            <p:ph sz="quarter" idx="2"/>
-          </p:nvPr>
-        </p:nvSpPr>
-        <p:spPr/>
-        <p:txBody>
-          <a:bodyPr>
-            <a:normAutofit/>
-          </a:bodyPr>
-          <a:lstStyle/>
-          <a:p>
-            <a:r>
-              <a:rPr lang="en-US" dirty="0" smtClean="0"/>
-              <a:t>A </a:t>
-            </a:r>
-            <a:r>
-              <a:rPr lang="en-US" b="1" dirty="0" smtClean="0"/>
-              <a:t>service</a:t>
-            </a:r>
-            <a:r>
-              <a:rPr lang="en-US" dirty="0" smtClean="0"/>
-              <a:t> is an offering provided by server(s).</a:t>
-            </a:r>
-            <a:endParaRPr lang="en-US" dirty="0"/>
-          </a:p>
-        </p:txBody>
-      </p:sp>
-      <p:pic>
-        <p:nvPicPr>
-          <p:cNvPr id="8" name="Picture 7"/>
-          <p:cNvPicPr>
-            <a:picLocks noChangeAspect="1" noChangeArrowheads="1"/>
-          </p:cNvPicPr>
-          <p:nvPr/>
-        </p:nvPicPr>
-        <p:blipFill>
-          <a:blip r:embed="rId2" cstate="print"/>
-          <a:srcRect/>
-          <a:stretch>
-            <a:fillRect/>
-          </a:stretch>
-        </p:blipFill>
-        <p:spPr bwMode="auto">
-          <a:xfrm>
-            <a:off x="533400" y="2438400"/>
-            <a:ext cx="3314700" cy="2209800"/>
-          </a:xfrm>
-          <a:prstGeom prst="rect">
-            <a:avLst/>
-          </a:prstGeom>
-          <a:noFill/>
-          <a:ln w="9525">
-            <a:noFill/>
-            <a:miter lim="800000"/>
-            <a:headEnd/>
-            <a:tailEnd/>
-          </a:ln>
-        </p:spPr>
-      </p:pic>
-      <p:pic>
-        <p:nvPicPr>
-          <p:cNvPr id="1028" name="Picture 4"/>
-          <p:cNvPicPr>
-            <a:picLocks noChangeAspect="1" noChangeArrowheads="1"/>
-          </p:cNvPicPr>
-          <p:nvPr/>
-        </p:nvPicPr>
-        <p:blipFill>
-          <a:blip r:embed="rId3" cstate="print"/>
-          <a:srcRect/>
-          <a:stretch>
-            <a:fillRect/>
-          </a:stretch>
-        </p:blipFill>
-        <p:spPr bwMode="auto">
-          <a:xfrm>
-            <a:off x="5027428" y="2990850"/>
-            <a:ext cx="2362200" cy="1733550"/>
-          </a:xfrm>
-          <a:prstGeom prst="rect">
-            <a:avLst/>
-          </a:prstGeom>
-          <a:noFill/>
-          <a:ln w="9525">
-            <a:solidFill>
-              <a:schemeClr val="tx1"/>
-            </a:solidFill>
-            <a:miter lim="800000"/>
-            <a:headEnd/>
-            <a:tailEnd/>
-          </a:ln>
-        </p:spPr>
-      </p:pic>
-      <p:pic>
-        <p:nvPicPr>
-          <p:cNvPr id="1029" name="Picture 5"/>
-          <p:cNvPicPr>
-            <a:picLocks noChangeAspect="1" noChangeArrowheads="1"/>
-          </p:cNvPicPr>
-          <p:nvPr/>
-        </p:nvPicPr>
-        <p:blipFill>
-          <a:blip r:embed="rId4" cstate="print"/>
-          <a:srcRect l="13853" r="50361"/>
-          <a:stretch>
-            <a:fillRect/>
-          </a:stretch>
-        </p:blipFill>
-        <p:spPr bwMode="auto">
-          <a:xfrm>
-            <a:off x="5017681" y="4800600"/>
-            <a:ext cx="2362200" cy="1938506"/>
-          </a:xfrm>
-          <a:prstGeom prst="rect">
-            <a:avLst/>
-          </a:prstGeom>
-          <a:noFill/>
-          <a:ln w="9525">
-            <a:solidFill>
-              <a:schemeClr val="tx1"/>
-            </a:solidFill>
-            <a:miter lim="800000"/>
-            <a:headEnd/>
-            <a:tailEnd/>
-          </a:ln>
-        </p:spPr>
-      </p:pic>
-      <p:sp>
-        <p:nvSpPr>
-          <p:cNvPr id="2" name="Date Placeholder 1"/>
-          <p:cNvSpPr>
-            <a:spLocks noGrp="1"/>
-          </p:cNvSpPr>
-          <p:nvPr>
-            <p:ph type="dt" sz="half" idx="10"/>
-          </p:nvPr>
-        </p:nvSpPr>
-        <p:spPr/>
-        <p:txBody>
-          <a:bodyPr/>
-          <a:lstStyle/>
-          <a:p>
-            <a:fld id="{130A3691-8C14-47D6-B60A-EEFD37D65F4A}" type="datetime1">
-              <a:rPr lang="en-US" smtClean="0"/>
-              <a:t>1/5/2014</a:t>
-            </a:fld>
-            <a:endParaRPr lang="en-US" dirty="0"/>
-          </a:p>
-        </p:txBody>
-      </p:sp>
-      <p:sp>
-        <p:nvSpPr>
-          <p:cNvPr id="3" name="Footer Placeholder 2"/>
-          <p:cNvSpPr>
-            <a:spLocks noGrp="1"/>
-          </p:cNvSpPr>
-          <p:nvPr>
-            <p:ph type="ftr" sz="quarter" idx="11"/>
-          </p:nvPr>
-        </p:nvSpPr>
-        <p:spPr/>
-        <p:txBody>
-          <a:bodyPr/>
-          <a:lstStyle/>
-          <a:p>
-            <a:r>
-              <a:rPr lang="en-US" smtClean="0"/>
-              <a:t>IST346: Info Tech Management &amp; Administration</a:t>
-            </a:r>
-            <a:endParaRPr lang="en-US" dirty="0"/>
-          </a:p>
-        </p:txBody>
-      </p:sp>
-      <p:sp>
-        <p:nvSpPr>
-          <p:cNvPr id="7" name="Slide Number Placeholder 6"/>
-          <p:cNvSpPr>
-            <a:spLocks noGrp="1"/>
-          </p:cNvSpPr>
-          <p:nvPr>
-            <p:ph type="sldNum" sz="quarter" idx="12"/>
-          </p:nvPr>
-        </p:nvSpPr>
-        <p:spPr/>
-        <p:txBody>
-          <a:bodyPr/>
-          <a:lstStyle/>
-          <a:p>
-            <a:fld id="{2505CAEE-CB22-4B3A-A2B0-7938B12DF57C}" type="slidenum">
-              <a:rPr lang="en-US" smtClean="0"/>
-              <a:pPr/>
-              <a:t>3</a:t>
-            </a:fld>
-            <a:endParaRPr lang="en-US" dirty="0"/>
-          </a:p>
-        </p:txBody>
-      </p:sp>
-    </p:spTree>
-    <p:extLst>
-      <p:ext uri="{BB962C8B-B14F-4D97-AF65-F5344CB8AC3E}">
-        <p14:creationId xmlns:p14="http://schemas.microsoft.com/office/powerpoint/2010/main" val="1489159096"/>
-      </p:ext>
-    </p:extLst>
-  </p:cSld>
-  <p:clrMapOvr>
-    <a:masterClrMapping/>
-  </p:clrMapOvr>
-</p:sld>
-</file>
-
-<file path=ppt/slides/slide30.xml><?xml version="1.0" encoding="utf-8"?>
+<file path=ppt/slides/slide33.xml><?xml version="1.0" encoding="utf-8"?>
 <p:sld xmlns:a="http://schemas.openxmlformats.org/drawingml/2006/main" xmlns:r="http://schemas.openxmlformats.org/officeDocument/2006/relationships" xmlns:p="http://schemas.openxmlformats.org/presentationml/2006/main">
   <p:cSld>
     <p:spTree>
@@ -34842,7 +42323,7 @@
           <a:p>
             <a:fld id="{41FBAFE3-DF6E-4C9F-979F-3017E2FACE6D}" type="datetime1">
               <a:rPr lang="en-US" smtClean="0"/>
-              <a:t>1/5/2014</a:t>
+              <a:t>8/30/2018</a:t>
             </a:fld>
             <a:endParaRPr lang="en-US" dirty="0"/>
           </a:p>
@@ -34889,7 +42370,7 @@
             <a:fld id="{DF6669D1-DB19-4C99-869C-C84252016461}" type="slidenum">
               <a:rPr lang="en-US" smtClean="0"/>
               <a:pPr/>
-              <a:t>30</a:t>
+              <a:t>33</a:t>
             </a:fld>
             <a:endParaRPr lang="en-US" dirty="0"/>
           </a:p>
@@ -34908,7 +42389,7 @@
 </p:sld>
 </file>
 
-<file path=ppt/slides/slide31.xml><?xml version="1.0" encoding="utf-8"?>
+<file path=ppt/slides/slide34.xml><?xml version="1.0" encoding="utf-8"?>
 <p:sld xmlns:a="http://schemas.openxmlformats.org/drawingml/2006/main" xmlns:r="http://schemas.openxmlformats.org/officeDocument/2006/relationships" xmlns:p="http://schemas.openxmlformats.org/presentationml/2006/main">
   <p:cSld>
     <p:spTree>
@@ -35150,7 +42631,7 @@
           <a:p>
             <a:fld id="{464EF861-34FC-41C1-BDC8-0E193CA53B83}" type="datetime1">
               <a:rPr lang="en-US" smtClean="0"/>
-              <a:t>1/5/2014</a:t>
+              <a:t>8/30/2018</a:t>
             </a:fld>
             <a:endParaRPr lang="en-US" dirty="0"/>
           </a:p>
@@ -35197,7 +42678,7 @@
             <a:fld id="{DF6669D1-DB19-4C99-869C-C84252016461}" type="slidenum">
               <a:rPr lang="en-US" smtClean="0"/>
               <a:pPr/>
-              <a:t>31</a:t>
+              <a:t>34</a:t>
             </a:fld>
             <a:endParaRPr lang="en-US" dirty="0"/>
           </a:p>
@@ -35216,7 +42697,7 @@
 </p:sld>
 </file>
 
-<file path=ppt/slides/slide32.xml><?xml version="1.0" encoding="utf-8"?>
+<file path=ppt/slides/slide35.xml><?xml version="1.0" encoding="utf-8"?>
 <p:sld xmlns:a="http://schemas.openxmlformats.org/drawingml/2006/main" xmlns:r="http://schemas.openxmlformats.org/officeDocument/2006/relationships" xmlns:p="http://schemas.openxmlformats.org/presentationml/2006/main">
   <p:cSld>
     <p:spTree>
@@ -35492,7 +42973,7 @@
           <a:p>
             <a:fld id="{3E526ED5-4FAD-4362-869A-1541E04BFAEB}" type="datetime1">
               <a:rPr lang="en-US" smtClean="0"/>
-              <a:t>1/5/2014</a:t>
+              <a:t>8/30/2018</a:t>
             </a:fld>
             <a:endParaRPr lang="en-US" dirty="0"/>
           </a:p>
@@ -35539,7 +43020,7 @@
             <a:fld id="{DF6669D1-DB19-4C99-869C-C84252016461}" type="slidenum">
               <a:rPr lang="en-US" smtClean="0"/>
               <a:pPr/>
-              <a:t>32</a:t>
+              <a:t>35</a:t>
             </a:fld>
             <a:endParaRPr lang="en-US" dirty="0"/>
           </a:p>
@@ -35558,7 +43039,7 @@
 </p:sld>
 </file>
 
-<file path=ppt/slides/slide33.xml><?xml version="1.0" encoding="utf-8"?>
+<file path=ppt/slides/slide36.xml><?xml version="1.0" encoding="utf-8"?>
 <p:sld xmlns:a="http://schemas.openxmlformats.org/drawingml/2006/main" xmlns:r="http://schemas.openxmlformats.org/officeDocument/2006/relationships" xmlns:p="http://schemas.openxmlformats.org/presentationml/2006/main">
   <p:cSld>
     <p:spTree>
@@ -35638,7 +43119,7 @@
           <a:p>
             <a:fld id="{3F32BB80-1775-4BF4-A284-64B1D0CEAA5A}" type="datetime1">
               <a:rPr lang="en-US" smtClean="0"/>
-              <a:t>1/5/2014</a:t>
+              <a:t>8/30/2018</a:t>
             </a:fld>
             <a:endParaRPr lang="en-US"/>
           </a:p>
@@ -35685,7 +43166,7 @@
             <a:fld id="{DF6669D1-DB19-4C99-869C-C84252016461}" type="slidenum">
               <a:rPr lang="en-US" smtClean="0"/>
               <a:pPr/>
-              <a:t>33</a:t>
+              <a:t>36</a:t>
             </a:fld>
             <a:endParaRPr lang="en-US"/>
           </a:p>
@@ -35711,7 +43192,7 @@
 </p:sld>
 </file>
 
-<file path=ppt/slides/slide34.xml><?xml version="1.0" encoding="utf-8"?>
+<file path=ppt/slides/slide37.xml><?xml version="1.0" encoding="utf-8"?>
 <p:sld xmlns:a="http://schemas.openxmlformats.org/drawingml/2006/main" xmlns:r="http://schemas.openxmlformats.org/officeDocument/2006/relationships" xmlns:p="http://schemas.openxmlformats.org/presentationml/2006/main">
   <p:cSld>
     <p:spTree>
@@ -35819,7 +43300,7 @@
           <a:p>
             <a:fld id="{F147C229-5F9F-4430-92BE-DA27AB923870}" type="datetime1">
               <a:rPr lang="en-US" smtClean="0"/>
-              <a:t>1/5/2014</a:t>
+              <a:t>8/30/2018</a:t>
             </a:fld>
             <a:endParaRPr lang="en-US" dirty="0"/>
           </a:p>
@@ -35866,7 +43347,7 @@
             <a:fld id="{DF6669D1-DB19-4C99-869C-C84252016461}" type="slidenum">
               <a:rPr lang="en-US" smtClean="0"/>
               <a:pPr/>
-              <a:t>34</a:t>
+              <a:t>37</a:t>
             </a:fld>
             <a:endParaRPr lang="en-US" dirty="0"/>
           </a:p>
@@ -35885,7 +43366,7 @@
 </p:sld>
 </file>
 
-<file path=ppt/slides/slide35.xml><?xml version="1.0" encoding="utf-8"?>
+<file path=ppt/slides/slide38.xml><?xml version="1.0" encoding="utf-8"?>
 <p:sld xmlns:a="http://schemas.openxmlformats.org/drawingml/2006/main" xmlns:r="http://schemas.openxmlformats.org/officeDocument/2006/relationships" xmlns:p="http://schemas.openxmlformats.org/presentationml/2006/main">
   <p:cSld>
     <p:spTree>
@@ -35967,7 +43448,7 @@
           <a:p>
             <a:fld id="{9FA6F482-7D2C-40A4-AB4E-CEEFA222F39A}" type="datetime1">
               <a:rPr lang="en-US" smtClean="0"/>
-              <a:t>1/5/2014</a:t>
+              <a:t>8/30/2018</a:t>
             </a:fld>
             <a:endParaRPr lang="en-US"/>
           </a:p>
@@ -36014,7 +43495,7 @@
             <a:fld id="{DF6669D1-DB19-4C99-869C-C84252016461}" type="slidenum">
               <a:rPr lang="en-US" smtClean="0"/>
               <a:pPr/>
-              <a:t>35</a:t>
+              <a:t>38</a:t>
             </a:fld>
             <a:endParaRPr lang="en-US"/>
           </a:p>
@@ -36714,7 +44195,7 @@
           <a:p>
             <a:fld id="{A00AA297-1A8E-4991-AF8A-73EFA48860FA}" type="datetime1">
               <a:rPr lang="en-US" smtClean="0"/>
-              <a:t>1/5/2014</a:t>
+              <a:t>8/30/2018</a:t>
             </a:fld>
             <a:endParaRPr lang="en-US"/>
           </a:p>
@@ -36903,7 +44384,7 @@
           <a:p>
             <a:fld id="{17B070C9-CE0B-44C0-A0D7-05540FE7F16D}" type="datetime1">
               <a:rPr lang="en-US" smtClean="0"/>
-              <a:t>1/5/2014</a:t>
+              <a:t>8/30/2018</a:t>
             </a:fld>
             <a:endParaRPr lang="en-US" dirty="0"/>
           </a:p>
@@ -37256,7 +44737,7 @@
           <a:p>
             <a:fld id="{45EE12C0-3281-4CA0-AA91-ADDFBFE10960}" type="datetime1">
               <a:rPr lang="en-US" smtClean="0"/>
-              <a:t>1/5/2014</a:t>
+              <a:t>8/30/2018</a:t>
             </a:fld>
             <a:endParaRPr lang="en-US" dirty="0"/>
           </a:p>
@@ -37436,7 +44917,7 @@
           <a:p>
             <a:fld id="{1961B56A-3DB4-427B-A5FC-C1AE4C0E4C88}" type="datetime1">
               <a:rPr lang="en-US" smtClean="0"/>
-              <a:t>1/5/2014</a:t>
+              <a:t>8/30/2018</a:t>
             </a:fld>
             <a:endParaRPr lang="en-US" dirty="0"/>
           </a:p>
@@ -37799,7 +45280,7 @@
           <a:p>
             <a:fld id="{ACE0F05A-C326-4BB2-8CE0-5AD878AC9FF9}" type="datetime1">
               <a:rPr lang="en-US" smtClean="0"/>
-              <a:t>1/5/2014</a:t>
+              <a:t>8/30/2018</a:t>
             </a:fld>
             <a:endParaRPr lang="en-US" dirty="0"/>
           </a:p>
@@ -38273,7 +45754,7 @@
           <a:p>
             <a:fld id="{8E9FF840-6B57-4E92-AF58-FBCAE5E8B5BB}" type="datetime1">
               <a:rPr lang="en-US" smtClean="0"/>
-              <a:t>1/5/2014</a:t>
+              <a:t>8/30/2018</a:t>
             </a:fld>
             <a:endParaRPr lang="en-US" dirty="0"/>
           </a:p>
@@ -38916,65 +46397,6 @@
 </file>
 
 <file path=customXml/item1.xml><?xml version="1.0" encoding="utf-8"?>
-<?mso-contentType ?>
-<spe:Receivers xmlns:spe="http://schemas.microsoft.com/sharepoint/events">
-  <Receiver>
-    <Name>Document ID Generator</Name>
-    <Synchronization>Synchronous</Synchronization>
-    <Type>10001</Type>
-    <SequenceNumber>1000</SequenceNumber>
-    <Url/>
-    <Assembly>Microsoft.Office.DocumentManagement, Version=15.0.0.0, Culture=neutral, PublicKeyToken=71e9bce111e9429c</Assembly>
-    <Class>Microsoft.Office.DocumentManagement.Internal.DocIdHandler</Class>
-    <Data/>
-    <Filter/>
-  </Receiver>
-  <Receiver>
-    <Name>Document ID Generator</Name>
-    <Synchronization>Synchronous</Synchronization>
-    <Type>10002</Type>
-    <SequenceNumber>1001</SequenceNumber>
-    <Url/>
-    <Assembly>Microsoft.Office.DocumentManagement, Version=15.0.0.0, Culture=neutral, PublicKeyToken=71e9bce111e9429c</Assembly>
-    <Class>Microsoft.Office.DocumentManagement.Internal.DocIdHandler</Class>
-    <Data/>
-    <Filter/>
-  </Receiver>
-  <Receiver>
-    <Name>Document ID Generator</Name>
-    <Synchronization>Synchronous</Synchronization>
-    <Type>10004</Type>
-    <SequenceNumber>1002</SequenceNumber>
-    <Url/>
-    <Assembly>Microsoft.Office.DocumentManagement, Version=15.0.0.0, Culture=neutral, PublicKeyToken=71e9bce111e9429c</Assembly>
-    <Class>Microsoft.Office.DocumentManagement.Internal.DocIdHandler</Class>
-    <Data/>
-    <Filter/>
-  </Receiver>
-  <Receiver>
-    <Name>Document ID Generator</Name>
-    <Synchronization>Synchronous</Synchronization>
-    <Type>10006</Type>
-    <SequenceNumber>1003</SequenceNumber>
-    <Url/>
-    <Assembly>Microsoft.Office.DocumentManagement, Version=15.0.0.0, Culture=neutral, PublicKeyToken=71e9bce111e9429c</Assembly>
-    <Class>Microsoft.Office.DocumentManagement.Internal.DocIdHandler</Class>
-    <Data/>
-    <Filter/>
-  </Receiver>
-</spe:Receivers>
-</file>
-
-<file path=customXml/item2.xml><?xml version="1.0" encoding="utf-8"?>
-<?mso-contentType ?>
-<FormTemplates xmlns="http://schemas.microsoft.com/sharepoint/v3/contenttype/forms">
-  <Display>DocumentLibraryForm</Display>
-  <Edit>DocumentLibraryForm</Edit>
-  <New>DocumentLibraryForm</New>
-</FormTemplates>
-</file>
-
-<file path=customXml/item3.xml><?xml version="1.0" encoding="utf-8"?>
 <ct:contentTypeSchema xmlns:ct="http://schemas.microsoft.com/office/2006/metadata/contentType" xmlns:ma="http://schemas.microsoft.com/office/2006/metadata/properties/metaAttributes" ct:_="" ma:_="" ma:contentTypeName="Document" ma:contentTypeID="0x010100D32F2469DCFE734DBCA1B1466A16627D" ma:contentTypeVersion="1" ma:contentTypeDescription="Create a new document." ma:contentTypeScope="" ma:versionID="7d33a985a1ecc405ec3b9b4cf37c61a4">
   <xsd:schema xmlns:xsd="http://www.w3.org/2001/XMLSchema" xmlns:xs="http://www.w3.org/2001/XMLSchema" xmlns:p="http://schemas.microsoft.com/office/2006/metadata/properties" xmlns:ns3="bcb7aec3-7c55-4f53-b860-67c1306cd9a6" targetNamespace="http://schemas.microsoft.com/office/2006/metadata/properties" ma:root="true" ma:fieldsID="9f141cc4080445993cb98ee36efff932" ns3:_="">
     <xsd:import namespace="bcb7aec3-7c55-4f53-b860-67c1306cd9a6"/>
@@ -39119,6 +46541,65 @@
 </ct:contentTypeSchema>
 </file>
 
+<file path=customXml/item2.xml><?xml version="1.0" encoding="utf-8"?>
+<?mso-contentType ?>
+<FormTemplates xmlns="http://schemas.microsoft.com/sharepoint/v3/contenttype/forms">
+  <Display>DocumentLibraryForm</Display>
+  <Edit>DocumentLibraryForm</Edit>
+  <New>DocumentLibraryForm</New>
+</FormTemplates>
+</file>
+
+<file path=customXml/item3.xml><?xml version="1.0" encoding="utf-8"?>
+<?mso-contentType ?>
+<spe:Receivers xmlns:spe="http://schemas.microsoft.com/sharepoint/events">
+  <Receiver>
+    <Name>Document ID Generator</Name>
+    <Synchronization>Synchronous</Synchronization>
+    <Type>10001</Type>
+    <SequenceNumber>1000</SequenceNumber>
+    <Url/>
+    <Assembly>Microsoft.Office.DocumentManagement, Version=15.0.0.0, Culture=neutral, PublicKeyToken=71e9bce111e9429c</Assembly>
+    <Class>Microsoft.Office.DocumentManagement.Internal.DocIdHandler</Class>
+    <Data/>
+    <Filter/>
+  </Receiver>
+  <Receiver>
+    <Name>Document ID Generator</Name>
+    <Synchronization>Synchronous</Synchronization>
+    <Type>10002</Type>
+    <SequenceNumber>1001</SequenceNumber>
+    <Url/>
+    <Assembly>Microsoft.Office.DocumentManagement, Version=15.0.0.0, Culture=neutral, PublicKeyToken=71e9bce111e9429c</Assembly>
+    <Class>Microsoft.Office.DocumentManagement.Internal.DocIdHandler</Class>
+    <Data/>
+    <Filter/>
+  </Receiver>
+  <Receiver>
+    <Name>Document ID Generator</Name>
+    <Synchronization>Synchronous</Synchronization>
+    <Type>10004</Type>
+    <SequenceNumber>1002</SequenceNumber>
+    <Url/>
+    <Assembly>Microsoft.Office.DocumentManagement, Version=15.0.0.0, Culture=neutral, PublicKeyToken=71e9bce111e9429c</Assembly>
+    <Class>Microsoft.Office.DocumentManagement.Internal.DocIdHandler</Class>
+    <Data/>
+    <Filter/>
+  </Receiver>
+  <Receiver>
+    <Name>Document ID Generator</Name>
+    <Synchronization>Synchronous</Synchronization>
+    <Type>10006</Type>
+    <SequenceNumber>1003</SequenceNumber>
+    <Url/>
+    <Assembly>Microsoft.Office.DocumentManagement, Version=15.0.0.0, Culture=neutral, PublicKeyToken=71e9bce111e9429c</Assembly>
+    <Class>Microsoft.Office.DocumentManagement.Internal.DocIdHandler</Class>
+    <Data/>
+    <Filter/>
+  </Receiver>
+</spe:Receivers>
+</file>
+
 <file path=customXml/item4.xml><?xml version="1.0" encoding="utf-8"?>
 <p:properties xmlns:p="http://schemas.microsoft.com/office/2006/metadata/properties" xmlns:xsi="http://www.w3.org/2001/XMLSchema-instance" xmlns:pc="http://schemas.microsoft.com/office/infopath/2007/PartnerControls">
   <documentManagement>
@@ -39132,9 +46613,19 @@
 </file>
 
 <file path=customXml/itemProps1.xml><?xml version="1.0" encoding="utf-8"?>
-<ds:datastoreItem xmlns:ds="http://schemas.openxmlformats.org/officeDocument/2006/customXml" ds:itemID="{0FA0A198-5E59-4045-8821-B4837A61B3FE}">
+<ds:datastoreItem xmlns:ds="http://schemas.openxmlformats.org/officeDocument/2006/customXml" ds:itemID="{B7120D84-895F-4FB2-9A23-6F1A6548A13B}">
   <ds:schemaRefs>
-    <ds:schemaRef ds:uri="http://schemas.microsoft.com/sharepoint/events"/>
+    <ds:schemaRef ds:uri="http://schemas.microsoft.com/office/2006/metadata/contentType"/>
+    <ds:schemaRef ds:uri="http://schemas.microsoft.com/office/2006/metadata/properties/metaAttributes"/>
+    <ds:schemaRef ds:uri="http://www.w3.org/2001/XMLSchema"/>
+    <ds:schemaRef ds:uri="http://schemas.microsoft.com/office/2006/metadata/properties"/>
+    <ds:schemaRef ds:uri="bcb7aec3-7c55-4f53-b860-67c1306cd9a6"/>
+    <ds:schemaRef ds:uri="http://schemas.microsoft.com/office/2006/documentManagement/types"/>
+    <ds:schemaRef ds:uri="http://schemas.microsoft.com/office/infopath/2007/PartnerControls"/>
+    <ds:schemaRef ds:uri="http://schemas.openxmlformats.org/package/2006/metadata/core-properties"/>
+    <ds:schemaRef ds:uri="http://purl.org/dc/elements/1.1/"/>
+    <ds:schemaRef ds:uri="http://purl.org/dc/terms/"/>
+    <ds:schemaRef ds:uri="http://schemas.microsoft.com/internal/obd"/>
   </ds:schemaRefs>
 </ds:datastoreItem>
 </file>
@@ -39148,19 +46639,9 @@
 </file>
 
 <file path=customXml/itemProps3.xml><?xml version="1.0" encoding="utf-8"?>
-<ds:datastoreItem xmlns:ds="http://schemas.openxmlformats.org/officeDocument/2006/customXml" ds:itemID="{B7120D84-895F-4FB2-9A23-6F1A6548A13B}">
+<ds:datastoreItem xmlns:ds="http://schemas.openxmlformats.org/officeDocument/2006/customXml" ds:itemID="{0FA0A198-5E59-4045-8821-B4837A61B3FE}">
   <ds:schemaRefs>
-    <ds:schemaRef ds:uri="http://schemas.microsoft.com/office/2006/metadata/contentType"/>
-    <ds:schemaRef ds:uri="http://schemas.microsoft.com/office/2006/metadata/properties/metaAttributes"/>
-    <ds:schemaRef ds:uri="http://www.w3.org/2001/XMLSchema"/>
-    <ds:schemaRef ds:uri="http://schemas.microsoft.com/office/2006/metadata/properties"/>
-    <ds:schemaRef ds:uri="bcb7aec3-7c55-4f53-b860-67c1306cd9a6"/>
-    <ds:schemaRef ds:uri="http://schemas.microsoft.com/office/2006/documentManagement/types"/>
-    <ds:schemaRef ds:uri="http://schemas.microsoft.com/office/infopath/2007/PartnerControls"/>
-    <ds:schemaRef ds:uri="http://schemas.openxmlformats.org/package/2006/metadata/core-properties"/>
-    <ds:schemaRef ds:uri="http://purl.org/dc/elements/1.1/"/>
-    <ds:schemaRef ds:uri="http://purl.org/dc/terms/"/>
-    <ds:schemaRef ds:uri="http://schemas.microsoft.com/internal/obd"/>
+    <ds:schemaRef ds:uri="http://schemas.microsoft.com/sharepoint/events"/>
   </ds:schemaRefs>
 </ds:datastoreItem>
 </file>
